--- a/Documentation/Praesentation/TechnicalPart.pptx
+++ b/Documentation/Praesentation/TechnicalPart.pptx
@@ -29,7 +29,7 @@
     <p:sldId id="275" r:id="rId20"/>
     <p:sldId id="276" r:id="rId21"/>
     <p:sldId id="277" r:id="rId22"/>
-    <p:sldId id="278" r:id="rId23"/>
+    <p:sldId id="282" r:id="rId23"/>
     <p:sldId id="279" r:id="rId24"/>
     <p:sldId id="280" r:id="rId25"/>
   </p:sldIdLst>
@@ -1079,6 +1079,202 @@
           <a:lstStyle/>
           <a:p>
             <a:r>
+              <a:rPr lang="de-AT" dirty="0" smtClean="0"/>
+              <a:t>This codesample </a:t>
+            </a:r>
+            <a:r>
+              <a:rPr lang="de-AT" dirty="0" err="1" smtClean="0"/>
+              <a:t>shows</a:t>
+            </a:r>
+            <a:r>
+              <a:rPr lang="de-AT" dirty="0" smtClean="0"/>
+              <a:t> </a:t>
+            </a:r>
+            <a:r>
+              <a:rPr lang="de-AT" dirty="0" err="1" smtClean="0"/>
+              <a:t>how</a:t>
+            </a:r>
+            <a:r>
+              <a:rPr lang="de-AT" dirty="0" smtClean="0"/>
+              <a:t> easy </a:t>
+            </a:r>
+            <a:r>
+              <a:rPr lang="de-AT" dirty="0" err="1" smtClean="0"/>
+              <a:t>it</a:t>
+            </a:r>
+            <a:r>
+              <a:rPr lang="de-AT" dirty="0" smtClean="0"/>
+              <a:t> </a:t>
+            </a:r>
+            <a:r>
+              <a:rPr lang="de-AT" dirty="0" err="1" smtClean="0"/>
+              <a:t>is</a:t>
+            </a:r>
+            <a:r>
+              <a:rPr lang="de-AT" baseline="0" dirty="0" smtClean="0"/>
+              <a:t> </a:t>
+            </a:r>
+            <a:r>
+              <a:rPr lang="de-AT" baseline="0" dirty="0" err="1" smtClean="0"/>
+              <a:t>to</a:t>
+            </a:r>
+            <a:r>
+              <a:rPr lang="de-AT" baseline="0" dirty="0" smtClean="0"/>
+              <a:t> </a:t>
+            </a:r>
+            <a:r>
+              <a:rPr lang="de-AT" baseline="0" dirty="0" err="1" smtClean="0"/>
+              <a:t>use</a:t>
+            </a:r>
+            <a:r>
+              <a:rPr lang="de-AT" baseline="0" dirty="0" smtClean="0"/>
+              <a:t> </a:t>
+            </a:r>
+            <a:r>
+              <a:rPr lang="de-AT" baseline="0" dirty="0" err="1" smtClean="0"/>
+              <a:t>ajax</a:t>
+            </a:r>
+            <a:r>
+              <a:rPr lang="de-AT" baseline="0" dirty="0" smtClean="0"/>
+              <a:t> </a:t>
+            </a:r>
+            <a:r>
+              <a:rPr lang="de-AT" baseline="0" dirty="0" err="1" smtClean="0"/>
+              <a:t>with</a:t>
+            </a:r>
+            <a:r>
+              <a:rPr lang="de-AT" baseline="0" dirty="0" smtClean="0"/>
+              <a:t> </a:t>
+            </a:r>
+            <a:r>
+              <a:rPr lang="de-AT" baseline="0" dirty="0" err="1" smtClean="0"/>
+              <a:t>jsf</a:t>
+            </a:r>
+            <a:r>
+              <a:rPr lang="de-AT" baseline="0" dirty="0" smtClean="0"/>
+              <a:t>. </a:t>
+            </a:r>
+            <a:r>
+              <a:rPr lang="de-AT" baseline="0" dirty="0" err="1" smtClean="0"/>
+              <a:t>Only</a:t>
+            </a:r>
+            <a:r>
+              <a:rPr lang="de-AT" baseline="0" dirty="0" smtClean="0"/>
+              <a:t> </a:t>
+            </a:r>
+            <a:r>
+              <a:rPr lang="de-AT" baseline="0" dirty="0" err="1" smtClean="0"/>
+              <a:t>the</a:t>
+            </a:r>
+            <a:r>
+              <a:rPr lang="de-AT" baseline="0" dirty="0" smtClean="0"/>
+              <a:t> &lt;</a:t>
+            </a:r>
+            <a:r>
+              <a:rPr lang="de-AT" baseline="0" dirty="0" err="1" smtClean="0"/>
+              <a:t>f:ajax</a:t>
+            </a:r>
+            <a:r>
+              <a:rPr lang="de-AT" baseline="0" dirty="0" smtClean="0"/>
+              <a:t> tag </a:t>
+            </a:r>
+            <a:r>
+              <a:rPr lang="de-AT" baseline="0" dirty="0" err="1" smtClean="0"/>
+              <a:t>is</a:t>
+            </a:r>
+            <a:r>
+              <a:rPr lang="de-AT" baseline="0" dirty="0" smtClean="0"/>
+              <a:t> </a:t>
+            </a:r>
+            <a:r>
+              <a:rPr lang="de-AT" baseline="0" smtClean="0"/>
+              <a:t>needed</a:t>
+            </a:r>
+            <a:endParaRPr lang="de-AT" dirty="0"/>
+          </a:p>
+        </p:txBody>
+      </p:sp>
+      <p:sp>
+        <p:nvSpPr>
+          <p:cNvPr id="4" name="Foliennummernplatzhalter 3"/>
+          <p:cNvSpPr>
+            <a:spLocks noGrp="1"/>
+          </p:cNvSpPr>
+          <p:nvPr>
+            <p:ph type="sldNum" sz="quarter" idx="10"/>
+          </p:nvPr>
+        </p:nvSpPr>
+        <p:spPr/>
+        <p:txBody>
+          <a:bodyPr/>
+          <a:lstStyle/>
+          <a:p>
+            <a:fld id="{8FA8A2D1-8AFF-4635-BD05-DAD4A81F376D}" type="slidenum">
+              <a:rPr lang="de-AT" smtClean="0"/>
+              <a:t>22</a:t>
+            </a:fld>
+            <a:endParaRPr lang="de-AT"/>
+          </a:p>
+        </p:txBody>
+      </p:sp>
+    </p:spTree>
+    <p:extLst>
+      <p:ext uri="{BB962C8B-B14F-4D97-AF65-F5344CB8AC3E}">
+        <p14:creationId xmlns:p14="http://schemas.microsoft.com/office/powerpoint/2010/main" val="3570326798"/>
+      </p:ext>
+    </p:extLst>
+  </p:cSld>
+  <p:clrMapOvr>
+    <a:masterClrMapping/>
+  </p:clrMapOvr>
+</p:notes>
+</file>
+
+<file path=ppt/notesSlides/notesSlide14.xml><?xml version="1.0" encoding="utf-8"?>
+<p:notes xmlns:a="http://schemas.openxmlformats.org/drawingml/2006/main" xmlns:r="http://schemas.openxmlformats.org/officeDocument/2006/relationships" xmlns:p="http://schemas.openxmlformats.org/presentationml/2006/main">
+  <p:cSld>
+    <p:spTree>
+      <p:nvGrpSpPr>
+        <p:cNvPr id="1" name=""/>
+        <p:cNvGrpSpPr/>
+        <p:nvPr/>
+      </p:nvGrpSpPr>
+      <p:grpSpPr>
+        <a:xfrm>
+          <a:off x="0" y="0"/>
+          <a:ext cx="0" cy="0"/>
+          <a:chOff x="0" y="0"/>
+          <a:chExt cx="0" cy="0"/>
+        </a:xfrm>
+      </p:grpSpPr>
+      <p:sp>
+        <p:nvSpPr>
+          <p:cNvPr id="2" name="Folienbildplatzhalter 1"/>
+          <p:cNvSpPr>
+            <a:spLocks noGrp="1" noRot="1" noChangeAspect="1"/>
+          </p:cNvSpPr>
+          <p:nvPr>
+            <p:ph type="sldImg"/>
+          </p:nvPr>
+        </p:nvSpPr>
+        <p:spPr/>
+      </p:sp>
+      <p:sp>
+        <p:nvSpPr>
+          <p:cNvPr id="3" name="Notizenplatzhalter 2"/>
+          <p:cNvSpPr>
+            <a:spLocks noGrp="1"/>
+          </p:cNvSpPr>
+          <p:nvPr>
+            <p:ph type="body" idx="1"/>
+          </p:nvPr>
+        </p:nvSpPr>
+        <p:spPr/>
+        <p:txBody>
+          <a:bodyPr/>
+          <a:lstStyle/>
+          <a:p>
+            <a:r>
               <a:rPr lang="de-AT" dirty="0" err="1" smtClean="0"/>
               <a:t>Developement</a:t>
             </a:r>
@@ -1146,7 +1342,7 @@
 </p:notes>
 </file>
 
-<file path=ppt/notesSlides/notesSlide14.xml><?xml version="1.0" encoding="utf-8"?>
+<file path=ppt/notesSlides/notesSlide15.xml><?xml version="1.0" encoding="utf-8"?>
 <p:notes xmlns:a="http://schemas.openxmlformats.org/drawingml/2006/main" xmlns:r="http://schemas.openxmlformats.org/officeDocument/2006/relationships" xmlns:p="http://schemas.openxmlformats.org/presentationml/2006/main">
   <p:cSld>
     <p:spTree>
@@ -9499,11 +9695,7 @@
             </a:r>
             <a:r>
               <a:rPr lang="de-AT" dirty="0" smtClean="0"/>
-              <a:t> Software </a:t>
-            </a:r>
-            <a:r>
-              <a:rPr lang="de-AT" dirty="0" smtClean="0"/>
-              <a:t>Modules</a:t>
+              <a:t> Software Modules</a:t>
             </a:r>
           </a:p>
           <a:p>
@@ -9512,18 +9704,17 @@
               <a:t>JSf</a:t>
             </a:r>
             <a:r>
+              <a:rPr lang="de-AT" smtClean="0"/>
+              <a:t> </a:t>
+            </a:r>
+            <a:r>
+              <a:rPr lang="de-AT" smtClean="0"/>
+              <a:t>&amp;Ajax </a:t>
+            </a:r>
+            <a:r>
               <a:rPr lang="de-AT" dirty="0" smtClean="0"/>
-              <a:t> </a:t>
-            </a:r>
-            <a:r>
-              <a:rPr lang="de-AT" dirty="0" err="1" smtClean="0"/>
-              <a:t>with</a:t>
-            </a:r>
-            <a:r>
-              <a:rPr lang="de-AT" dirty="0" smtClean="0"/>
-              <a:t> Ajax (web-reservation)</a:t>
-            </a:r>
-            <a:endParaRPr lang="de-AT" dirty="0" smtClean="0"/>
+              <a:t>(web-reservation)</a:t>
+            </a:r>
           </a:p>
           <a:p>
             <a:endParaRPr lang="de-AT" dirty="0" smtClean="0"/>
@@ -9854,32 +10045,16 @@
           <a:lstStyle/>
           <a:p>
             <a:r>
-              <a:rPr lang="de-AT" dirty="0" err="1" smtClean="0"/>
-              <a:t>Jsf</a:t>
-            </a:r>
-            <a:r>
               <a:rPr lang="de-AT" dirty="0" smtClean="0"/>
-              <a:t> </a:t>
-            </a:r>
-            <a:r>
-              <a:rPr lang="de-AT" dirty="0" err="1" smtClean="0"/>
-              <a:t>with</a:t>
-            </a:r>
-            <a:r>
-              <a:rPr lang="de-AT" dirty="0" smtClean="0"/>
-              <a:t> </a:t>
-            </a:r>
-            <a:r>
-              <a:rPr lang="de-AT" dirty="0" err="1" smtClean="0"/>
-              <a:t>ajax</a:t>
-            </a:r>
-            <a:endParaRPr lang="en-GB" dirty="0"/>
-          </a:p>
-        </p:txBody>
-      </p:sp>
-      <p:sp>
-        <p:nvSpPr>
-          <p:cNvPr id="3" name="Inhaltsplatzhalter 2"/>
+              <a:t>JSF &amp; Ajax</a:t>
+            </a:r>
+            <a:endParaRPr lang="de-AT" dirty="0"/>
+          </a:p>
+        </p:txBody>
+      </p:sp>
+      <p:sp>
+        <p:nvSpPr>
+          <p:cNvPr id="5" name="Inhaltsplatzhalter 4"/>
           <p:cNvSpPr>
             <a:spLocks noGrp="1"/>
           </p:cNvSpPr>
@@ -9889,31 +10064,144 @@
         </p:nvSpPr>
         <p:spPr/>
         <p:txBody>
-          <a:bodyPr/>
+          <a:bodyPr>
+            <a:normAutofit/>
+          </a:bodyPr>
           <a:lstStyle/>
           <a:p>
-            <a:endParaRPr lang="en-GB"/>
-          </a:p>
-        </p:txBody>
-      </p:sp>
+            <a:pPr marL="0" indent="0">
+              <a:buNone/>
+            </a:pPr>
+            <a:r>
+              <a:rPr lang="en-US" dirty="0" smtClean="0"/>
+              <a:t>Ajax: Built in in JSF since version 2.0</a:t>
+            </a:r>
+          </a:p>
+          <a:p>
+            <a:pPr marL="0" indent="0">
+              <a:buNone/>
+            </a:pPr>
+            <a:r>
+              <a:rPr lang="en-US" dirty="0"/>
+              <a:t>	</a:t>
+            </a:r>
+            <a:r>
+              <a:rPr lang="en-US" dirty="0" smtClean="0"/>
+              <a:t>- easy to use</a:t>
+            </a:r>
+          </a:p>
+          <a:p>
+            <a:pPr marL="0" indent="0">
+              <a:buNone/>
+            </a:pPr>
+            <a:endParaRPr lang="en-US" dirty="0" smtClean="0"/>
+          </a:p>
+          <a:p>
+            <a:pPr marL="0" indent="0">
+              <a:buNone/>
+            </a:pPr>
+            <a:endParaRPr lang="en-US" dirty="0" smtClean="0"/>
+          </a:p>
+          <a:p>
+            <a:pPr marL="0" indent="0">
+              <a:buNone/>
+            </a:pPr>
+            <a:endParaRPr lang="en-US" dirty="0"/>
+          </a:p>
+          <a:p>
+            <a:pPr marL="0" indent="0">
+              <a:buNone/>
+            </a:pPr>
+            <a:endParaRPr lang="en-US" dirty="0"/>
+          </a:p>
+          <a:p>
+            <a:pPr marL="0" indent="0">
+              <a:buNone/>
+            </a:pPr>
+            <a:endParaRPr lang="en-US" dirty="0"/>
+          </a:p>
+          <a:p>
+            <a:pPr marL="0" indent="0">
+              <a:buNone/>
+            </a:pPr>
+            <a:endParaRPr lang="en-US" dirty="0" smtClean="0"/>
+          </a:p>
+        </p:txBody>
+      </p:sp>
+      <p:pic>
+        <p:nvPicPr>
+          <p:cNvPr id="1027" name="Picture 3"/>
+          <p:cNvPicPr>
+            <a:picLocks noChangeAspect="1" noChangeArrowheads="1"/>
+          </p:cNvPicPr>
+          <p:nvPr/>
+        </p:nvPicPr>
+        <p:blipFill>
+          <a:blip r:embed="rId3">
+            <a:extLst>
+              <a:ext uri="{28A0092B-C50C-407E-A947-70E740481C1C}">
+                <a14:useLocalDpi xmlns:a14="http://schemas.microsoft.com/office/drawing/2010/main" val="0"/>
+              </a:ext>
+            </a:extLst>
+          </a:blip>
+          <a:srcRect/>
+          <a:stretch>
+            <a:fillRect/>
+          </a:stretch>
+        </p:blipFill>
+        <p:spPr bwMode="auto">
+          <a:xfrm>
+            <a:off x="765430" y="3212976"/>
+            <a:ext cx="7316328" cy="1843261"/>
+          </a:xfrm>
+          <a:prstGeom prst="rect">
+            <a:avLst/>
+          </a:prstGeom>
+          <a:noFill/>
+          <a:ln>
+            <a:noFill/>
+          </a:ln>
+          <a:effectLst/>
+          <a:extLst>
+            <a:ext uri="{909E8E84-426E-40DD-AFC4-6F175D3DCCD1}">
+              <a14:hiddenFill xmlns:a14="http://schemas.microsoft.com/office/drawing/2010/main">
+                <a:solidFill>
+                  <a:schemeClr val="accent1"/>
+                </a:solidFill>
+              </a14:hiddenFill>
+            </a:ext>
+            <a:ext uri="{91240B29-F687-4F45-9708-019B960494DF}">
+              <a14:hiddenLine xmlns:a14="http://schemas.microsoft.com/office/drawing/2010/main" w="9525">
+                <a:solidFill>
+                  <a:schemeClr val="tx1"/>
+                </a:solidFill>
+                <a:miter lim="800000"/>
+                <a:headEnd/>
+                <a:tailEnd/>
+              </a14:hiddenLine>
+            </a:ext>
+            <a:ext uri="{AF507438-7753-43E0-B8FC-AC1667EBCBE1}">
+              <a14:hiddenEffects xmlns:a14="http://schemas.microsoft.com/office/drawing/2010/main">
+                <a:effectLst>
+                  <a:outerShdw dist="35921" dir="2700000" algn="ctr" rotWithShape="0">
+                    <a:schemeClr val="bg2"/>
+                  </a:outerShdw>
+                </a:effectLst>
+              </a14:hiddenEffects>
+            </a:ext>
+          </a:extLst>
+        </p:spPr>
+      </p:pic>
     </p:spTree>
     <p:extLst>
       <p:ext uri="{BB962C8B-B14F-4D97-AF65-F5344CB8AC3E}">
-        <p14:creationId xmlns:p14="http://schemas.microsoft.com/office/powerpoint/2010/main" val="2506207340"/>
+        <p14:creationId xmlns:p14="http://schemas.microsoft.com/office/powerpoint/2010/main" val="1525579452"/>
       </p:ext>
     </p:extLst>
   </p:cSld>
   <p:clrMapOvr>
     <a:masterClrMapping/>
   </p:clrMapOvr>
-  <mc:AlternateContent xmlns:mc="http://schemas.openxmlformats.org/markup-compatibility/2006">
-    <mc:Choice xmlns:p14="http://schemas.microsoft.com/office/powerpoint/2010/main" Requires="p14">
-      <p:transition spd="slow" p14:dur="2000"/>
-    </mc:Choice>
-    <mc:Fallback>
-      <p:transition spd="slow"/>
-    </mc:Fallback>
-  </mc:AlternateContent>
 </p:sld>
 </file>
 

--- a/Documentation/Praesentation/TechnicalPart.pptx
+++ b/Documentation/Praesentation/TechnicalPart.pptx
@@ -5,7 +5,7 @@
     <p:sldMasterId id="2147483648" r:id="rId1"/>
   </p:sldMasterIdLst>
   <p:notesMasterIdLst>
-    <p:notesMasterId r:id="rId26"/>
+    <p:notesMasterId r:id="rId29"/>
   </p:notesMasterIdLst>
   <p:sldIdLst>
     <p:sldId id="256" r:id="rId2"/>
@@ -24,14 +24,17 @@
     <p:sldId id="263" r:id="rId15"/>
     <p:sldId id="264" r:id="rId16"/>
     <p:sldId id="270" r:id="rId17"/>
-    <p:sldId id="271" r:id="rId18"/>
-    <p:sldId id="272" r:id="rId19"/>
-    <p:sldId id="275" r:id="rId20"/>
-    <p:sldId id="276" r:id="rId21"/>
-    <p:sldId id="277" r:id="rId22"/>
-    <p:sldId id="282" r:id="rId23"/>
-    <p:sldId id="279" r:id="rId24"/>
-    <p:sldId id="280" r:id="rId25"/>
+    <p:sldId id="283" r:id="rId18"/>
+    <p:sldId id="271" r:id="rId19"/>
+    <p:sldId id="272" r:id="rId20"/>
+    <p:sldId id="275" r:id="rId21"/>
+    <p:sldId id="276" r:id="rId22"/>
+    <p:sldId id="277" r:id="rId23"/>
+    <p:sldId id="282" r:id="rId24"/>
+    <p:sldId id="279" r:id="rId25"/>
+    <p:sldId id="280" r:id="rId26"/>
+    <p:sldId id="284" r:id="rId27"/>
+    <p:sldId id="285" r:id="rId28"/>
   </p:sldIdLst>
   <p:sldSz cx="9144000" cy="6858000" type="screen4x3"/>
   <p:notesSz cx="6858000" cy="9144000"/>
@@ -215,7 +218,7 @@
           <a:p>
             <a:fld id="{BE36B728-C1AC-41BD-B8EE-1499AEB738A0}" type="datetimeFigureOut">
               <a:rPr lang="en-GB" smtClean="0"/>
-              <a:t>05/06/2012</a:t>
+              <a:t>06/06/2012</a:t>
             </a:fld>
             <a:endParaRPr lang="en-GB"/>
           </a:p>
@@ -527,6 +530,18 @@
           <a:bodyPr/>
           <a:lstStyle/>
           <a:p>
+            <a:r>
+              <a:rPr lang="de-AT" dirty="0" smtClean="0"/>
+              <a:t>Page </a:t>
+            </a:r>
+            <a:r>
+              <a:rPr lang="de-AT" dirty="0" err="1" smtClean="0"/>
+              <a:t>numbers</a:t>
+            </a:r>
+            <a:r>
+              <a:rPr lang="de-AT" dirty="0" smtClean="0"/>
+              <a:t>…</a:t>
+            </a:r>
             <a:endParaRPr lang="en-GB" dirty="0"/>
           </a:p>
         </p:txBody>
@@ -548,7 +563,7 @@
           <a:p>
             <a:fld id="{F02A8FBC-AF9A-4929-B417-912911A977D6}" type="slidenum">
               <a:rPr lang="en-GB" smtClean="0"/>
-              <a:t>2</a:t>
+              <a:t>1</a:t>
             </a:fld>
             <a:endParaRPr lang="en-GB"/>
           </a:p>
@@ -557,7 +572,7 @@
     </p:spTree>
     <p:extLst>
       <p:ext uri="{BB962C8B-B14F-4D97-AF65-F5344CB8AC3E}">
-        <p14:creationId xmlns:p14="http://schemas.microsoft.com/office/powerpoint/2010/main" val="2386758982"/>
+        <p14:creationId xmlns:p14="http://schemas.microsoft.com/office/powerpoint/2010/main" val="1930817619"/>
       </p:ext>
     </p:extLst>
   </p:cSld>
@@ -612,76 +627,986 @@
           <a:lstStyle/>
           <a:p>
             <a:r>
-              <a:rPr lang="en-US" noProof="0" dirty="0" smtClean="0"/>
-              <a:t>Requirement</a:t>
-            </a:r>
-            <a:r>
-              <a:rPr lang="en-US" baseline="0" noProof="0" dirty="0" smtClean="0"/>
-              <a:t> </a:t>
-            </a:r>
-            <a:r>
-              <a:rPr lang="en-US" baseline="0" noProof="0" dirty="0" smtClean="0">
-                <a:sym typeface="Wingdings" pitchFamily="2" charset="2"/>
-              </a:rPr>
-              <a:t> easy to integrate other </a:t>
-            </a:r>
-            <a:r>
-              <a:rPr lang="en-US" baseline="0" noProof="0" dirty="0" err="1" smtClean="0">
-                <a:sym typeface="Wingdings" pitchFamily="2" charset="2"/>
-              </a:rPr>
-              <a:t>guis</a:t>
-            </a:r>
-            <a:r>
-              <a:rPr lang="en-US" baseline="0" noProof="0" dirty="0" smtClean="0">
-                <a:sym typeface="Wingdings" pitchFamily="2" charset="2"/>
-              </a:rPr>
-              <a:t>, IF THEY USE THE SAME!</a:t>
-            </a:r>
-          </a:p>
-          <a:p>
-            <a:r>
-              <a:rPr lang="en-US" baseline="0" noProof="0" dirty="0" smtClean="0">
-                <a:sym typeface="Wingdings" pitchFamily="2" charset="2"/>
-              </a:rPr>
-              <a:t>THE Java GUI Framework </a:t>
-            </a:r>
-          </a:p>
-          <a:p>
-            <a:r>
-              <a:rPr lang="en-US" baseline="0" noProof="0" dirty="0" smtClean="0">
-                <a:sym typeface="Wingdings" pitchFamily="2" charset="2"/>
-              </a:rPr>
-              <a:t>Platform independent (</a:t>
-            </a:r>
-            <a:r>
-              <a:rPr lang="en-US" baseline="0" noProof="0" dirty="0" err="1" smtClean="0">
-                <a:sym typeface="Wingdings" pitchFamily="2" charset="2"/>
-              </a:rPr>
-              <a:t>comparisson</a:t>
-            </a:r>
-            <a:r>
-              <a:rPr lang="en-US" baseline="0" noProof="0" dirty="0" smtClean="0">
-                <a:sym typeface="Wingdings" pitchFamily="2" charset="2"/>
-              </a:rPr>
-              <a:t> AWT)</a:t>
-            </a:r>
-          </a:p>
-          <a:p>
-            <a:r>
-              <a:rPr lang="en-US" baseline="0" noProof="0" dirty="0" smtClean="0">
-                <a:sym typeface="Wingdings" pitchFamily="2" charset="2"/>
-              </a:rPr>
-              <a:t>Extensible (own tables for habitations etc.)</a:t>
-            </a:r>
-          </a:p>
-          <a:p>
-            <a:r>
-              <a:rPr lang="en-US" baseline="0" noProof="0" dirty="0" smtClean="0">
-                <a:sym typeface="Wingdings" pitchFamily="2" charset="2"/>
-              </a:rPr>
-              <a:t>Tab view</a:t>
-            </a:r>
-            <a:endParaRPr lang="en-US" noProof="0" dirty="0"/>
+              <a:rPr lang="de-AT" dirty="0" smtClean="0"/>
+              <a:t>Eigenes </a:t>
+            </a:r>
+            <a:r>
+              <a:rPr lang="de-AT" smtClean="0"/>
+              <a:t>Diagramm</a:t>
+            </a:r>
+            <a:r>
+              <a:rPr lang="de-AT" baseline="0" smtClean="0"/>
+              <a:t> erstellen?</a:t>
+            </a:r>
+            <a:endParaRPr lang="de-AT" baseline="0" dirty="0" smtClean="0"/>
+          </a:p>
+          <a:p>
+            <a:endParaRPr lang="de-AT" baseline="0" dirty="0" smtClean="0"/>
+          </a:p>
+          <a:p>
+            <a:r>
+              <a:rPr lang="de-AT" baseline="0" dirty="0" err="1" smtClean="0"/>
+              <a:t>Our</a:t>
+            </a:r>
+            <a:r>
+              <a:rPr lang="de-AT" baseline="0" dirty="0" smtClean="0"/>
+              <a:t> </a:t>
+            </a:r>
+            <a:r>
+              <a:rPr lang="de-AT" baseline="0" dirty="0" err="1" smtClean="0"/>
+              <a:t>team</a:t>
+            </a:r>
+            <a:r>
+              <a:rPr lang="de-AT" baseline="0" dirty="0" smtClean="0"/>
+              <a:t> </a:t>
+            </a:r>
+            <a:r>
+              <a:rPr lang="de-AT" baseline="0" dirty="0" err="1" smtClean="0"/>
+              <a:t>made</a:t>
+            </a:r>
+            <a:r>
+              <a:rPr lang="de-AT" baseline="0" dirty="0" smtClean="0"/>
+              <a:t> </a:t>
+            </a:r>
+            <a:r>
+              <a:rPr lang="de-AT" baseline="0" dirty="0" err="1" smtClean="0"/>
+              <a:t>the</a:t>
+            </a:r>
+            <a:r>
+              <a:rPr lang="de-AT" baseline="0" dirty="0" smtClean="0"/>
+              <a:t> </a:t>
+            </a:r>
+            <a:r>
+              <a:rPr lang="de-AT" baseline="0" dirty="0" err="1" smtClean="0"/>
+              <a:t>decission</a:t>
+            </a:r>
+            <a:r>
+              <a:rPr lang="de-AT" baseline="0" dirty="0" smtClean="0"/>
+              <a:t> </a:t>
+            </a:r>
+            <a:r>
+              <a:rPr lang="de-AT" baseline="0" dirty="0" err="1" smtClean="0"/>
+              <a:t>to</a:t>
+            </a:r>
+            <a:r>
+              <a:rPr lang="de-AT" baseline="0" dirty="0" smtClean="0"/>
+              <a:t> </a:t>
+            </a:r>
+            <a:r>
+              <a:rPr lang="de-AT" baseline="0" dirty="0" err="1" smtClean="0"/>
+              <a:t>use</a:t>
+            </a:r>
+            <a:r>
+              <a:rPr lang="de-AT" baseline="0" dirty="0" smtClean="0"/>
+              <a:t> </a:t>
+            </a:r>
+            <a:r>
+              <a:rPr lang="de-AT" baseline="0" dirty="0" err="1" smtClean="0"/>
+              <a:t>the</a:t>
+            </a:r>
+            <a:r>
+              <a:rPr lang="de-AT" baseline="0" dirty="0" smtClean="0"/>
+              <a:t> </a:t>
+            </a:r>
+            <a:r>
+              <a:rPr lang="de-AT" baseline="0" dirty="0" err="1" smtClean="0"/>
+              <a:t>state</a:t>
+            </a:r>
+            <a:r>
+              <a:rPr lang="de-AT" baseline="0" dirty="0" smtClean="0"/>
+              <a:t> </a:t>
+            </a:r>
+            <a:r>
+              <a:rPr lang="de-AT" baseline="0" dirty="0" err="1" smtClean="0"/>
+              <a:t>pattern</a:t>
+            </a:r>
+            <a:r>
+              <a:rPr lang="de-AT" baseline="0" dirty="0" smtClean="0"/>
+              <a:t> in </a:t>
+            </a:r>
+            <a:r>
+              <a:rPr lang="de-AT" baseline="0" dirty="0" err="1" smtClean="0"/>
+              <a:t>our</a:t>
+            </a:r>
+            <a:r>
+              <a:rPr lang="de-AT" baseline="0" dirty="0" smtClean="0"/>
+              <a:t> </a:t>
+            </a:r>
+            <a:r>
+              <a:rPr lang="de-AT" baseline="0" dirty="0" err="1" smtClean="0"/>
+              <a:t>use</a:t>
+            </a:r>
+            <a:r>
+              <a:rPr lang="de-AT" baseline="0" dirty="0" smtClean="0"/>
+              <a:t> </a:t>
+            </a:r>
+            <a:r>
+              <a:rPr lang="de-AT" baseline="0" dirty="0" err="1" smtClean="0"/>
+              <a:t>case</a:t>
+            </a:r>
+            <a:r>
+              <a:rPr lang="de-AT" baseline="0" dirty="0" smtClean="0"/>
+              <a:t> </a:t>
+            </a:r>
+            <a:r>
+              <a:rPr lang="de-AT" baseline="0" dirty="0" err="1" smtClean="0"/>
+              <a:t>controllers</a:t>
+            </a:r>
+            <a:r>
+              <a:rPr lang="de-AT" baseline="0" dirty="0" smtClean="0"/>
+              <a:t>.</a:t>
+            </a:r>
+          </a:p>
+          <a:p>
+            <a:r>
+              <a:rPr lang="de-AT" baseline="0" dirty="0" err="1" smtClean="0"/>
+              <a:t>For</a:t>
+            </a:r>
+            <a:r>
+              <a:rPr lang="de-AT" baseline="0" dirty="0" smtClean="0"/>
+              <a:t> </a:t>
+            </a:r>
+            <a:r>
+              <a:rPr lang="de-AT" baseline="0" dirty="0" err="1" smtClean="0"/>
+              <a:t>each</a:t>
+            </a:r>
+            <a:r>
+              <a:rPr lang="de-AT" baseline="0" dirty="0" smtClean="0"/>
+              <a:t> </a:t>
+            </a:r>
+            <a:r>
+              <a:rPr lang="de-AT" baseline="0" dirty="0" err="1" smtClean="0"/>
+              <a:t>step</a:t>
+            </a:r>
+            <a:r>
+              <a:rPr lang="de-AT" baseline="0" dirty="0" smtClean="0"/>
+              <a:t> in </a:t>
+            </a:r>
+            <a:r>
+              <a:rPr lang="de-AT" baseline="0" dirty="0" err="1" smtClean="0"/>
+              <a:t>the</a:t>
+            </a:r>
+            <a:r>
+              <a:rPr lang="de-AT" baseline="0" dirty="0" smtClean="0"/>
+              <a:t> </a:t>
+            </a:r>
+            <a:r>
+              <a:rPr lang="de-AT" baseline="0" dirty="0" err="1" smtClean="0"/>
+              <a:t>process</a:t>
+            </a:r>
+            <a:r>
+              <a:rPr lang="de-AT" baseline="0" dirty="0" smtClean="0"/>
+              <a:t>, </a:t>
+            </a:r>
+            <a:r>
+              <a:rPr lang="de-AT" baseline="0" dirty="0" err="1" smtClean="0"/>
+              <a:t>displayed</a:t>
+            </a:r>
+            <a:r>
+              <a:rPr lang="de-AT" baseline="0" dirty="0" smtClean="0"/>
+              <a:t> </a:t>
+            </a:r>
+            <a:r>
+              <a:rPr lang="de-AT" baseline="0" dirty="0" err="1" smtClean="0"/>
+              <a:t>as</a:t>
+            </a:r>
+            <a:r>
+              <a:rPr lang="de-AT" baseline="0" dirty="0" smtClean="0"/>
+              <a:t> a </a:t>
+            </a:r>
+            <a:r>
+              <a:rPr lang="de-AT" baseline="0" dirty="0" err="1" smtClean="0"/>
+              <a:t>single</a:t>
+            </a:r>
+            <a:r>
+              <a:rPr lang="de-AT" baseline="0" dirty="0" smtClean="0"/>
+              <a:t> </a:t>
+            </a:r>
+            <a:r>
+              <a:rPr lang="de-AT" baseline="0" dirty="0" err="1" smtClean="0"/>
+              <a:t>view</a:t>
+            </a:r>
+            <a:r>
+              <a:rPr lang="de-AT" baseline="0" dirty="0" smtClean="0"/>
+              <a:t> in </a:t>
+            </a:r>
+            <a:r>
+              <a:rPr lang="de-AT" baseline="0" dirty="0" err="1" smtClean="0"/>
+              <a:t>the</a:t>
+            </a:r>
+            <a:r>
+              <a:rPr lang="de-AT" baseline="0" dirty="0" smtClean="0"/>
+              <a:t> </a:t>
+            </a:r>
+            <a:r>
+              <a:rPr lang="de-AT" baseline="0" dirty="0" err="1" smtClean="0"/>
+              <a:t>user</a:t>
+            </a:r>
+            <a:r>
+              <a:rPr lang="de-AT" baseline="0" dirty="0" smtClean="0"/>
+              <a:t> </a:t>
+            </a:r>
+            <a:r>
+              <a:rPr lang="de-AT" baseline="0" dirty="0" err="1" smtClean="0"/>
+              <a:t>interface</a:t>
+            </a:r>
+            <a:r>
+              <a:rPr lang="de-AT" baseline="0" dirty="0" smtClean="0"/>
+              <a:t> </a:t>
+            </a:r>
+            <a:r>
+              <a:rPr lang="de-AT" baseline="0" dirty="0" err="1" smtClean="0"/>
+              <a:t>we</a:t>
+            </a:r>
+            <a:r>
+              <a:rPr lang="de-AT" baseline="0" dirty="0" smtClean="0"/>
+              <a:t> </a:t>
+            </a:r>
+            <a:r>
+              <a:rPr lang="de-AT" baseline="0" dirty="0" err="1" smtClean="0"/>
+              <a:t>created</a:t>
+            </a:r>
+            <a:r>
+              <a:rPr lang="de-AT" baseline="0" dirty="0" smtClean="0"/>
+              <a:t> </a:t>
+            </a:r>
+            <a:r>
+              <a:rPr lang="de-AT" baseline="0" dirty="0" err="1" smtClean="0"/>
+              <a:t>one</a:t>
+            </a:r>
+            <a:r>
+              <a:rPr lang="de-AT" baseline="0" dirty="0" smtClean="0"/>
+              <a:t> </a:t>
+            </a:r>
+            <a:r>
+              <a:rPr lang="de-AT" baseline="0" dirty="0" err="1" smtClean="0"/>
+              <a:t>state</a:t>
+            </a:r>
+            <a:r>
+              <a:rPr lang="de-AT" baseline="0" dirty="0" smtClean="0"/>
+              <a:t>.</a:t>
+            </a:r>
+          </a:p>
+          <a:p>
+            <a:r>
+              <a:rPr lang="de-AT" baseline="0" dirty="0" err="1" smtClean="0"/>
+              <a:t>From</a:t>
+            </a:r>
+            <a:r>
+              <a:rPr lang="de-AT" baseline="0" dirty="0" smtClean="0"/>
+              <a:t> </a:t>
+            </a:r>
+            <a:r>
+              <a:rPr lang="de-AT" baseline="0" dirty="0" err="1" smtClean="0"/>
+              <a:t>the</a:t>
+            </a:r>
+            <a:r>
+              <a:rPr lang="de-AT" baseline="0" dirty="0" smtClean="0"/>
+              <a:t> outside, </a:t>
+            </a:r>
+            <a:r>
+              <a:rPr lang="de-AT" baseline="0" dirty="0" err="1" smtClean="0"/>
+              <a:t>we</a:t>
+            </a:r>
+            <a:r>
+              <a:rPr lang="de-AT" baseline="0" dirty="0" smtClean="0"/>
+              <a:t> </a:t>
+            </a:r>
+            <a:r>
+              <a:rPr lang="de-AT" baseline="0" dirty="0" err="1" smtClean="0"/>
+              <a:t>always</a:t>
+            </a:r>
+            <a:r>
+              <a:rPr lang="de-AT" baseline="0" dirty="0" smtClean="0"/>
+              <a:t> </a:t>
+            </a:r>
+            <a:r>
+              <a:rPr lang="de-AT" baseline="0" dirty="0" err="1" smtClean="0"/>
+              <a:t>use</a:t>
+            </a:r>
+            <a:r>
+              <a:rPr lang="de-AT" baseline="0" dirty="0" smtClean="0"/>
+              <a:t> </a:t>
+            </a:r>
+            <a:r>
+              <a:rPr lang="de-AT" baseline="0" dirty="0" err="1" smtClean="0"/>
+              <a:t>the</a:t>
+            </a:r>
+            <a:r>
+              <a:rPr lang="de-AT" baseline="0" dirty="0" smtClean="0"/>
+              <a:t> same </a:t>
+            </a:r>
+            <a:r>
+              <a:rPr lang="de-AT" baseline="0" dirty="0" err="1" smtClean="0"/>
+              <a:t>controller</a:t>
+            </a:r>
+            <a:r>
+              <a:rPr lang="de-AT" baseline="0" dirty="0" smtClean="0"/>
+              <a:t>, but </a:t>
+            </a:r>
+            <a:r>
+              <a:rPr lang="de-AT" baseline="0" dirty="0" err="1" smtClean="0"/>
+              <a:t>depending</a:t>
+            </a:r>
+            <a:r>
+              <a:rPr lang="de-AT" baseline="0" dirty="0" smtClean="0"/>
+              <a:t> on </a:t>
+            </a:r>
+            <a:r>
+              <a:rPr lang="de-AT" baseline="0" dirty="0" err="1" smtClean="0"/>
+              <a:t>the</a:t>
+            </a:r>
+            <a:r>
+              <a:rPr lang="de-AT" baseline="0" dirty="0" smtClean="0"/>
+              <a:t> </a:t>
+            </a:r>
+            <a:r>
+              <a:rPr lang="de-AT" baseline="0" dirty="0" err="1" smtClean="0"/>
+              <a:t>current</a:t>
+            </a:r>
+            <a:r>
+              <a:rPr lang="de-AT" baseline="0" dirty="0" smtClean="0"/>
+              <a:t> </a:t>
+            </a:r>
+            <a:r>
+              <a:rPr lang="de-AT" baseline="0" dirty="0" err="1" smtClean="0"/>
+              <a:t>state</a:t>
+            </a:r>
+            <a:r>
+              <a:rPr lang="de-AT" baseline="0" dirty="0" smtClean="0"/>
+              <a:t>, </a:t>
+            </a:r>
+            <a:r>
+              <a:rPr lang="de-AT" baseline="0" dirty="0" err="1" smtClean="0"/>
+              <a:t>differents</a:t>
+            </a:r>
+            <a:r>
+              <a:rPr lang="de-AT" baseline="0" dirty="0" smtClean="0"/>
+              <a:t> </a:t>
+            </a:r>
+            <a:r>
+              <a:rPr lang="de-AT" baseline="0" dirty="0" err="1" smtClean="0"/>
+              <a:t>actions</a:t>
+            </a:r>
+            <a:r>
+              <a:rPr lang="de-AT" baseline="0" dirty="0" smtClean="0"/>
+              <a:t> </a:t>
+            </a:r>
+            <a:r>
+              <a:rPr lang="de-AT" baseline="0" dirty="0" err="1" smtClean="0"/>
+              <a:t>are</a:t>
+            </a:r>
+            <a:r>
+              <a:rPr lang="de-AT" baseline="0" dirty="0" smtClean="0"/>
+              <a:t> </a:t>
+            </a:r>
+            <a:r>
+              <a:rPr lang="de-AT" baseline="0" dirty="0" err="1" smtClean="0"/>
+              <a:t>performed</a:t>
+            </a:r>
+            <a:r>
+              <a:rPr lang="de-AT" baseline="0" dirty="0" smtClean="0"/>
+              <a:t> </a:t>
+            </a:r>
+            <a:r>
+              <a:rPr lang="de-AT" baseline="0" dirty="0" err="1" smtClean="0"/>
+              <a:t>or</a:t>
+            </a:r>
+            <a:r>
+              <a:rPr lang="de-AT" baseline="0" dirty="0" smtClean="0"/>
+              <a:t> an </a:t>
+            </a:r>
+            <a:r>
+              <a:rPr lang="de-AT" baseline="0" dirty="0" err="1" smtClean="0"/>
+              <a:t>exception</a:t>
+            </a:r>
+            <a:r>
+              <a:rPr lang="de-AT" baseline="0" dirty="0" smtClean="0"/>
+              <a:t> </a:t>
+            </a:r>
+            <a:r>
+              <a:rPr lang="de-AT" baseline="0" dirty="0" err="1" smtClean="0"/>
+              <a:t>is</a:t>
+            </a:r>
+            <a:r>
+              <a:rPr lang="de-AT" baseline="0" dirty="0" smtClean="0"/>
+              <a:t> </a:t>
+            </a:r>
+            <a:r>
+              <a:rPr lang="de-AT" baseline="0" dirty="0" err="1" smtClean="0"/>
+              <a:t>thrown</a:t>
+            </a:r>
+            <a:r>
+              <a:rPr lang="de-AT" baseline="0" dirty="0" smtClean="0"/>
+              <a:t> in </a:t>
+            </a:r>
+            <a:r>
+              <a:rPr lang="de-AT" baseline="0" dirty="0" err="1" smtClean="0"/>
+              <a:t>the</a:t>
+            </a:r>
+            <a:r>
+              <a:rPr lang="de-AT" baseline="0" dirty="0" smtClean="0"/>
+              <a:t> </a:t>
+            </a:r>
+            <a:r>
+              <a:rPr lang="de-AT" baseline="0" dirty="0" err="1" smtClean="0"/>
+              <a:t>case</a:t>
+            </a:r>
+            <a:r>
+              <a:rPr lang="de-AT" baseline="0" dirty="0" smtClean="0"/>
+              <a:t>, </a:t>
+            </a:r>
+            <a:r>
+              <a:rPr lang="de-AT" baseline="0" dirty="0" err="1" smtClean="0"/>
+              <a:t>that</a:t>
+            </a:r>
+            <a:r>
+              <a:rPr lang="de-AT" baseline="0" dirty="0" smtClean="0"/>
+              <a:t> </a:t>
+            </a:r>
+            <a:r>
+              <a:rPr lang="de-AT" baseline="0" dirty="0" err="1" smtClean="0"/>
+              <a:t>this</a:t>
+            </a:r>
+            <a:r>
+              <a:rPr lang="de-AT" baseline="0" dirty="0" smtClean="0"/>
+              <a:t> </a:t>
+            </a:r>
+            <a:r>
+              <a:rPr lang="de-AT" baseline="0" dirty="0" err="1" smtClean="0"/>
+              <a:t>operation</a:t>
+            </a:r>
+            <a:r>
+              <a:rPr lang="de-AT" baseline="0" dirty="0" smtClean="0"/>
+              <a:t> </a:t>
+            </a:r>
+            <a:r>
+              <a:rPr lang="de-AT" baseline="0" dirty="0" err="1" smtClean="0"/>
+              <a:t>is</a:t>
+            </a:r>
+            <a:r>
+              <a:rPr lang="de-AT" baseline="0" dirty="0" smtClean="0"/>
+              <a:t> not </a:t>
+            </a:r>
+            <a:r>
+              <a:rPr lang="de-AT" baseline="0" dirty="0" err="1" smtClean="0"/>
+              <a:t>accessible</a:t>
+            </a:r>
+            <a:r>
+              <a:rPr lang="de-AT" baseline="0" dirty="0" smtClean="0"/>
+              <a:t> in </a:t>
+            </a:r>
+            <a:r>
+              <a:rPr lang="de-AT" baseline="0" dirty="0" err="1" smtClean="0"/>
+              <a:t>the</a:t>
+            </a:r>
+            <a:r>
+              <a:rPr lang="de-AT" baseline="0" dirty="0" smtClean="0"/>
+              <a:t> </a:t>
+            </a:r>
+            <a:r>
+              <a:rPr lang="de-AT" baseline="0" dirty="0" err="1" smtClean="0"/>
+              <a:t>current</a:t>
+            </a:r>
+            <a:r>
+              <a:rPr lang="de-AT" baseline="0" dirty="0" smtClean="0"/>
+              <a:t> </a:t>
+            </a:r>
+            <a:r>
+              <a:rPr lang="de-AT" baseline="0" dirty="0" err="1" smtClean="0"/>
+              <a:t>state</a:t>
+            </a:r>
+            <a:r>
+              <a:rPr lang="de-AT" baseline="0" dirty="0" smtClean="0"/>
+              <a:t>.</a:t>
+            </a:r>
+          </a:p>
+          <a:p>
+            <a:r>
+              <a:rPr lang="de-AT" baseline="0" dirty="0" smtClean="0"/>
+              <a:t>In </a:t>
+            </a:r>
+            <a:r>
+              <a:rPr lang="de-AT" baseline="0" dirty="0" err="1" smtClean="0"/>
+              <a:t>example</a:t>
+            </a:r>
+            <a:r>
+              <a:rPr lang="de-AT" baseline="0" dirty="0" smtClean="0"/>
+              <a:t>: </a:t>
+            </a:r>
+            <a:r>
+              <a:rPr lang="de-AT" baseline="0" dirty="0" err="1" smtClean="0"/>
+              <a:t>the</a:t>
+            </a:r>
+            <a:r>
+              <a:rPr lang="de-AT" baseline="0" dirty="0" smtClean="0"/>
+              <a:t> </a:t>
+            </a:r>
+            <a:r>
+              <a:rPr lang="de-AT" baseline="0" dirty="0" err="1" smtClean="0"/>
+              <a:t>next</a:t>
+            </a:r>
+            <a:r>
+              <a:rPr lang="de-AT" baseline="0" dirty="0" smtClean="0"/>
+              <a:t> </a:t>
+            </a:r>
+            <a:r>
+              <a:rPr lang="de-AT" baseline="0" dirty="0" err="1" smtClean="0"/>
+              <a:t>method</a:t>
+            </a:r>
+            <a:r>
+              <a:rPr lang="de-AT" baseline="0" dirty="0" smtClean="0"/>
+              <a:t> </a:t>
+            </a:r>
+            <a:r>
+              <a:rPr lang="de-AT" baseline="0" dirty="0" err="1" smtClean="0"/>
+              <a:t>is</a:t>
+            </a:r>
+            <a:r>
+              <a:rPr lang="de-AT" baseline="0" dirty="0" smtClean="0"/>
+              <a:t> </a:t>
+            </a:r>
+            <a:r>
+              <a:rPr lang="de-AT" baseline="0" dirty="0" err="1" smtClean="0"/>
+              <a:t>implemented</a:t>
+            </a:r>
+            <a:r>
+              <a:rPr lang="de-AT" baseline="0" dirty="0" smtClean="0"/>
+              <a:t> in </a:t>
+            </a:r>
+            <a:r>
+              <a:rPr lang="de-AT" baseline="0" dirty="0" err="1" smtClean="0"/>
+              <a:t>every</a:t>
+            </a:r>
+            <a:r>
+              <a:rPr lang="de-AT" baseline="0" dirty="0" smtClean="0"/>
+              <a:t> </a:t>
+            </a:r>
+            <a:r>
+              <a:rPr lang="de-AT" baseline="0" dirty="0" err="1" smtClean="0"/>
+              <a:t>state</a:t>
+            </a:r>
+            <a:r>
+              <a:rPr lang="de-AT" baseline="0" dirty="0" smtClean="0"/>
+              <a:t>, but </a:t>
+            </a:r>
+            <a:r>
+              <a:rPr lang="de-AT" baseline="0" dirty="0" err="1" smtClean="0"/>
+              <a:t>depending</a:t>
+            </a:r>
+            <a:r>
+              <a:rPr lang="de-AT" baseline="0" dirty="0" smtClean="0"/>
+              <a:t> on </a:t>
+            </a:r>
+            <a:r>
+              <a:rPr lang="de-AT" baseline="0" dirty="0" err="1" smtClean="0"/>
+              <a:t>the</a:t>
+            </a:r>
+            <a:r>
+              <a:rPr lang="de-AT" baseline="0" dirty="0" smtClean="0"/>
+              <a:t> </a:t>
+            </a:r>
+            <a:r>
+              <a:rPr lang="de-AT" baseline="0" dirty="0" err="1" smtClean="0"/>
+              <a:t>state</a:t>
+            </a:r>
+            <a:r>
+              <a:rPr lang="de-AT" baseline="0" dirty="0" smtClean="0"/>
+              <a:t>, </a:t>
+            </a:r>
+            <a:r>
+              <a:rPr lang="de-AT" baseline="0" dirty="0" err="1" smtClean="0"/>
+              <a:t>the</a:t>
+            </a:r>
+            <a:r>
+              <a:rPr lang="de-AT" baseline="0" dirty="0" smtClean="0"/>
+              <a:t> </a:t>
+            </a:r>
+            <a:r>
+              <a:rPr lang="de-AT" baseline="0" dirty="0" err="1" smtClean="0"/>
+              <a:t>next</a:t>
+            </a:r>
+            <a:r>
+              <a:rPr lang="de-AT" baseline="0" dirty="0" smtClean="0"/>
+              <a:t> </a:t>
+            </a:r>
+            <a:r>
+              <a:rPr lang="de-AT" baseline="0" dirty="0" err="1" smtClean="0"/>
+              <a:t>state</a:t>
+            </a:r>
+            <a:r>
+              <a:rPr lang="de-AT" baseline="0" dirty="0" smtClean="0"/>
+              <a:t> </a:t>
+            </a:r>
+            <a:r>
+              <a:rPr lang="de-AT" baseline="0" dirty="0" err="1" smtClean="0"/>
+              <a:t>is</a:t>
+            </a:r>
+            <a:r>
+              <a:rPr lang="de-AT" baseline="0" dirty="0" smtClean="0"/>
+              <a:t> </a:t>
+            </a:r>
+            <a:r>
+              <a:rPr lang="de-AT" baseline="0" dirty="0" err="1" smtClean="0"/>
+              <a:t>another</a:t>
+            </a:r>
+            <a:r>
+              <a:rPr lang="de-AT" baseline="0" dirty="0" smtClean="0"/>
+              <a:t> </a:t>
+            </a:r>
+            <a:r>
+              <a:rPr lang="de-AT" baseline="0" dirty="0" err="1" smtClean="0"/>
+              <a:t>one</a:t>
+            </a:r>
+            <a:r>
+              <a:rPr lang="de-AT" baseline="0" dirty="0" smtClean="0"/>
+              <a:t>.</a:t>
+            </a:r>
+          </a:p>
+          <a:p>
+            <a:r>
+              <a:rPr lang="de-AT" baseline="0" dirty="0" smtClean="0"/>
+              <a:t>Other </a:t>
+            </a:r>
+            <a:r>
+              <a:rPr lang="de-AT" baseline="0" dirty="0" err="1" smtClean="0"/>
+              <a:t>functions</a:t>
+            </a:r>
+            <a:r>
+              <a:rPr lang="de-AT" baseline="0" dirty="0" smtClean="0"/>
+              <a:t>, </a:t>
+            </a:r>
+            <a:r>
+              <a:rPr lang="de-AT" baseline="0" dirty="0" err="1" smtClean="0"/>
+              <a:t>like</a:t>
+            </a:r>
+            <a:r>
+              <a:rPr lang="de-AT" baseline="0" dirty="0" smtClean="0"/>
+              <a:t> </a:t>
+            </a:r>
+            <a:r>
+              <a:rPr lang="de-AT" baseline="0" dirty="0" err="1" smtClean="0"/>
+              <a:t>for</a:t>
+            </a:r>
+            <a:r>
+              <a:rPr lang="de-AT" baseline="0" dirty="0" smtClean="0"/>
+              <a:t> </a:t>
+            </a:r>
+            <a:r>
+              <a:rPr lang="de-AT" baseline="0" dirty="0" err="1" smtClean="0"/>
+              <a:t>instance</a:t>
+            </a:r>
+            <a:r>
+              <a:rPr lang="de-AT" baseline="0" dirty="0" smtClean="0"/>
+              <a:t> </a:t>
+            </a:r>
+            <a:r>
+              <a:rPr lang="de-AT" baseline="0" dirty="0" err="1" smtClean="0"/>
+              <a:t>the</a:t>
+            </a:r>
+            <a:r>
+              <a:rPr lang="de-AT" baseline="0" dirty="0" smtClean="0"/>
+              <a:t> </a:t>
+            </a:r>
+            <a:r>
+              <a:rPr lang="de-AT" baseline="0" dirty="0" err="1" smtClean="0"/>
+              <a:t>pay</a:t>
+            </a:r>
+            <a:r>
+              <a:rPr lang="de-AT" baseline="0" dirty="0" smtClean="0"/>
+              <a:t> </a:t>
+            </a:r>
+            <a:r>
+              <a:rPr lang="de-AT" baseline="0" dirty="0" err="1" smtClean="0"/>
+              <a:t>function</a:t>
+            </a:r>
+            <a:r>
+              <a:rPr lang="de-AT" baseline="0" dirty="0" smtClean="0"/>
+              <a:t>, </a:t>
+            </a:r>
+            <a:r>
+              <a:rPr lang="de-AT" baseline="0" dirty="0" err="1" smtClean="0"/>
+              <a:t>are</a:t>
+            </a:r>
+            <a:r>
+              <a:rPr lang="de-AT" baseline="0" dirty="0" smtClean="0"/>
+              <a:t> </a:t>
+            </a:r>
+            <a:r>
+              <a:rPr lang="de-AT" baseline="0" dirty="0" err="1" smtClean="0"/>
+              <a:t>only</a:t>
+            </a:r>
+            <a:r>
+              <a:rPr lang="de-AT" baseline="0" dirty="0" smtClean="0"/>
+              <a:t> </a:t>
+            </a:r>
+            <a:r>
+              <a:rPr lang="de-AT" baseline="0" dirty="0" err="1" smtClean="0"/>
+              <a:t>implemented</a:t>
+            </a:r>
+            <a:r>
+              <a:rPr lang="de-AT" baseline="0" dirty="0" smtClean="0"/>
+              <a:t> in </a:t>
+            </a:r>
+            <a:r>
+              <a:rPr lang="de-AT" baseline="0" dirty="0" err="1" smtClean="0"/>
+              <a:t>one</a:t>
+            </a:r>
+            <a:r>
+              <a:rPr lang="de-AT" baseline="0" dirty="0" smtClean="0"/>
+              <a:t> </a:t>
+            </a:r>
+            <a:r>
+              <a:rPr lang="de-AT" baseline="0" dirty="0" err="1" smtClean="0"/>
+              <a:t>state</a:t>
+            </a:r>
+            <a:r>
+              <a:rPr lang="de-AT" baseline="0" dirty="0" smtClean="0"/>
+              <a:t>.</a:t>
+            </a:r>
+          </a:p>
+          <a:p>
+            <a:r>
+              <a:rPr lang="de-AT" baseline="0" dirty="0" err="1" smtClean="0"/>
+              <a:t>Another</a:t>
+            </a:r>
+            <a:r>
+              <a:rPr lang="de-AT" baseline="0" dirty="0" smtClean="0"/>
+              <a:t> </a:t>
+            </a:r>
+            <a:r>
+              <a:rPr lang="de-AT" baseline="0" dirty="0" err="1" smtClean="0"/>
+              <a:t>advantage</a:t>
+            </a:r>
+            <a:r>
+              <a:rPr lang="de-AT" baseline="0" dirty="0" smtClean="0"/>
+              <a:t> </a:t>
+            </a:r>
+            <a:r>
+              <a:rPr lang="de-AT" baseline="0" dirty="0" err="1" smtClean="0"/>
+              <a:t>of</a:t>
+            </a:r>
+            <a:r>
+              <a:rPr lang="de-AT" baseline="0" dirty="0" smtClean="0"/>
+              <a:t> </a:t>
+            </a:r>
+            <a:r>
+              <a:rPr lang="de-AT" baseline="0" dirty="0" err="1" smtClean="0"/>
+              <a:t>of</a:t>
+            </a:r>
+            <a:r>
+              <a:rPr lang="de-AT" baseline="0" dirty="0" smtClean="0"/>
+              <a:t> </a:t>
+            </a:r>
+            <a:r>
+              <a:rPr lang="de-AT" baseline="0" dirty="0" err="1" smtClean="0"/>
+              <a:t>the</a:t>
+            </a:r>
+            <a:r>
+              <a:rPr lang="de-AT" baseline="0" dirty="0" smtClean="0"/>
+              <a:t> </a:t>
+            </a:r>
+            <a:r>
+              <a:rPr lang="de-AT" baseline="0" dirty="0" err="1" smtClean="0"/>
+              <a:t>state</a:t>
+            </a:r>
+            <a:r>
+              <a:rPr lang="de-AT" baseline="0" dirty="0" smtClean="0"/>
+              <a:t> </a:t>
+            </a:r>
+            <a:r>
+              <a:rPr lang="de-AT" baseline="0" dirty="0" err="1" smtClean="0"/>
+              <a:t>pattern</a:t>
+            </a:r>
+            <a:r>
+              <a:rPr lang="de-AT" baseline="0" dirty="0" smtClean="0"/>
+              <a:t> </a:t>
+            </a:r>
+            <a:r>
+              <a:rPr lang="de-AT" baseline="0" dirty="0" err="1" smtClean="0"/>
+              <a:t>is</a:t>
+            </a:r>
+            <a:r>
+              <a:rPr lang="de-AT" baseline="0" dirty="0" smtClean="0"/>
+              <a:t> </a:t>
+            </a:r>
+            <a:r>
+              <a:rPr lang="de-AT" baseline="0" dirty="0" err="1" smtClean="0"/>
+              <a:t>the</a:t>
+            </a:r>
+            <a:r>
+              <a:rPr lang="de-AT" baseline="0" dirty="0" smtClean="0"/>
+              <a:t> easy </a:t>
+            </a:r>
+            <a:r>
+              <a:rPr lang="de-AT" baseline="0" dirty="0" err="1" smtClean="0"/>
+              <a:t>way</a:t>
+            </a:r>
+            <a:r>
+              <a:rPr lang="de-AT" baseline="0" dirty="0" smtClean="0"/>
+              <a:t> </a:t>
+            </a:r>
+            <a:r>
+              <a:rPr lang="de-AT" baseline="0" dirty="0" err="1" smtClean="0"/>
+              <a:t>to</a:t>
+            </a:r>
+            <a:r>
+              <a:rPr lang="de-AT" baseline="0" dirty="0" smtClean="0"/>
+              <a:t> </a:t>
+            </a:r>
+            <a:r>
+              <a:rPr lang="de-AT" baseline="0" dirty="0" err="1" smtClean="0"/>
+              <a:t>create</a:t>
+            </a:r>
+            <a:r>
+              <a:rPr lang="de-AT" baseline="0" dirty="0" smtClean="0"/>
+              <a:t> </a:t>
+            </a:r>
+            <a:r>
+              <a:rPr lang="de-AT" baseline="0" dirty="0" err="1" smtClean="0"/>
+              <a:t>new</a:t>
+            </a:r>
+            <a:r>
+              <a:rPr lang="de-AT" baseline="0" dirty="0" smtClean="0"/>
+              <a:t> </a:t>
+            </a:r>
+            <a:r>
+              <a:rPr lang="de-AT" baseline="0" dirty="0" err="1" smtClean="0"/>
+              <a:t>states</a:t>
+            </a:r>
+            <a:r>
+              <a:rPr lang="de-AT" baseline="0" dirty="0" smtClean="0"/>
+              <a:t>. </a:t>
+            </a:r>
+            <a:r>
+              <a:rPr lang="de-AT" baseline="0" dirty="0" err="1" smtClean="0"/>
+              <a:t>You</a:t>
+            </a:r>
+            <a:r>
+              <a:rPr lang="de-AT" baseline="0" dirty="0" smtClean="0"/>
+              <a:t> </a:t>
+            </a:r>
+            <a:r>
+              <a:rPr lang="de-AT" baseline="0" dirty="0" err="1" smtClean="0"/>
+              <a:t>can</a:t>
+            </a:r>
+            <a:r>
+              <a:rPr lang="de-AT" baseline="0" dirty="0" smtClean="0"/>
+              <a:t> just </a:t>
+            </a:r>
+            <a:r>
+              <a:rPr lang="de-AT" baseline="0" dirty="0" err="1" smtClean="0"/>
+              <a:t>insert</a:t>
+            </a:r>
+            <a:r>
+              <a:rPr lang="de-AT" baseline="0" dirty="0" smtClean="0"/>
+              <a:t> a </a:t>
+            </a:r>
+            <a:r>
+              <a:rPr lang="de-AT" baseline="0" dirty="0" err="1" smtClean="0"/>
+              <a:t>new</a:t>
+            </a:r>
+            <a:r>
+              <a:rPr lang="de-AT" baseline="0" dirty="0" smtClean="0"/>
+              <a:t> </a:t>
+            </a:r>
+            <a:r>
+              <a:rPr lang="de-AT" baseline="0" dirty="0" err="1" smtClean="0"/>
+              <a:t>class</a:t>
+            </a:r>
+            <a:r>
+              <a:rPr lang="de-AT" baseline="0" dirty="0" smtClean="0"/>
+              <a:t> </a:t>
+            </a:r>
+            <a:r>
+              <a:rPr lang="de-AT" baseline="0" dirty="0" err="1" smtClean="0"/>
+              <a:t>and</a:t>
+            </a:r>
+            <a:r>
+              <a:rPr lang="de-AT" baseline="0" dirty="0" smtClean="0"/>
+              <a:t> link </a:t>
+            </a:r>
+            <a:r>
+              <a:rPr lang="de-AT" baseline="0" dirty="0" err="1" smtClean="0"/>
+              <a:t>it</a:t>
+            </a:r>
+            <a:r>
+              <a:rPr lang="de-AT" baseline="0" dirty="0" smtClean="0"/>
+              <a:t> </a:t>
+            </a:r>
+            <a:r>
+              <a:rPr lang="de-AT" baseline="0" dirty="0" err="1" smtClean="0"/>
+              <a:t>depending</a:t>
+            </a:r>
+            <a:r>
+              <a:rPr lang="de-AT" baseline="0" dirty="0" smtClean="0"/>
+              <a:t> on </a:t>
+            </a:r>
+            <a:r>
+              <a:rPr lang="de-AT" baseline="0" dirty="0" err="1" smtClean="0"/>
+              <a:t>the</a:t>
+            </a:r>
+            <a:r>
+              <a:rPr lang="de-AT" baseline="0" dirty="0" smtClean="0"/>
+              <a:t> </a:t>
+            </a:r>
+            <a:r>
+              <a:rPr lang="de-AT" baseline="0" dirty="0" err="1" smtClean="0"/>
+              <a:t>called</a:t>
+            </a:r>
+            <a:r>
+              <a:rPr lang="de-AT" baseline="0" dirty="0" smtClean="0"/>
+              <a:t> </a:t>
+            </a:r>
+            <a:r>
+              <a:rPr lang="de-AT" baseline="0" dirty="0" err="1" smtClean="0"/>
+              <a:t>functions</a:t>
+            </a:r>
+            <a:r>
+              <a:rPr lang="de-AT" baseline="0" dirty="0" smtClean="0"/>
+              <a:t> </a:t>
+            </a:r>
+            <a:r>
+              <a:rPr lang="de-AT" baseline="0" dirty="0" err="1" smtClean="0"/>
+              <a:t>together</a:t>
+            </a:r>
+            <a:r>
+              <a:rPr lang="de-AT" baseline="0" dirty="0" smtClean="0"/>
+              <a:t> </a:t>
+            </a:r>
+            <a:r>
+              <a:rPr lang="de-AT" baseline="0" dirty="0" err="1" smtClean="0"/>
+              <a:t>with</a:t>
+            </a:r>
+            <a:r>
+              <a:rPr lang="de-AT" baseline="0" dirty="0" smtClean="0"/>
+              <a:t> </a:t>
+            </a:r>
+            <a:r>
+              <a:rPr lang="de-AT" baseline="0" dirty="0" err="1" smtClean="0"/>
+              <a:t>the</a:t>
+            </a:r>
+            <a:r>
+              <a:rPr lang="de-AT" baseline="0" dirty="0" smtClean="0"/>
+              <a:t> </a:t>
+            </a:r>
+            <a:r>
+              <a:rPr lang="de-AT" baseline="0" dirty="0" err="1" smtClean="0"/>
+              <a:t>ither</a:t>
+            </a:r>
+            <a:r>
+              <a:rPr lang="de-AT" baseline="0" dirty="0" smtClean="0"/>
+              <a:t> </a:t>
+            </a:r>
+            <a:r>
+              <a:rPr lang="de-AT" baseline="0" dirty="0" err="1" smtClean="0"/>
+              <a:t>states</a:t>
+            </a:r>
+            <a:r>
+              <a:rPr lang="de-AT" baseline="0" dirty="0" smtClean="0"/>
+              <a:t>.</a:t>
+            </a:r>
+            <a:endParaRPr lang="de-AT" dirty="0"/>
           </a:p>
         </p:txBody>
       </p:sp>
@@ -700,18 +1625,18 @@
           <a:bodyPr/>
           <a:lstStyle/>
           <a:p>
-            <a:fld id="{F02A8FBC-AF9A-4929-B417-912911A977D6}" type="slidenum">
-              <a:rPr lang="en-GB" smtClean="0"/>
-              <a:t>18</a:t>
+            <a:fld id="{0FCCB273-3FCC-4BAE-AC2F-A278774C5B5F}" type="slidenum">
+              <a:rPr lang="de-AT" smtClean="0"/>
+              <a:t>17</a:t>
             </a:fld>
-            <a:endParaRPr lang="en-GB"/>
+            <a:endParaRPr lang="de-AT"/>
           </a:p>
         </p:txBody>
       </p:sp>
     </p:spTree>
     <p:extLst>
       <p:ext uri="{BB962C8B-B14F-4D97-AF65-F5344CB8AC3E}">
-        <p14:creationId xmlns:p14="http://schemas.microsoft.com/office/powerpoint/2010/main" val="1179403793"/>
+        <p14:creationId xmlns:p14="http://schemas.microsoft.com/office/powerpoint/2010/main" val="2790846356"/>
       </p:ext>
     </p:extLst>
   </p:cSld>
@@ -765,30 +1690,878 @@
           <a:bodyPr/>
           <a:lstStyle/>
           <a:p>
-            <a:pPr marL="0" marR="0" indent="0" algn="l" defTabSz="914400" rtl="0" eaLnBrk="1" fontAlgn="auto" latinLnBrk="0" hangingPunct="1">
-              <a:lnSpc>
-                <a:spcPct val="100000"/>
-              </a:lnSpc>
-              <a:spcBef>
-                <a:spcPts val="0"/>
-              </a:spcBef>
-              <a:spcAft>
-                <a:spcPts val="0"/>
-              </a:spcAft>
-              <a:buClrTx/>
-              <a:buSzTx/>
-              <a:buFontTx/>
-              <a:buNone/>
-              <a:tabLst/>
-              <a:defRPr/>
-            </a:pPr>
-            <a:r>
-              <a:rPr lang="en-US" dirty="0" smtClean="0"/>
-              <a:t>The integration of the other program parts by implementation of interfaces was not possible, because we got no interfaces available. To avoid the problem, our adapter classes inherit direct from the domain objects from the other team. Also every adapter implements a generic adapter interface, to set and read its type. This enables dynamic programming, there every of our adapters support this interface and so they can get red and created by other classes.</a:t>
-            </a:r>
-          </a:p>
-          <a:p>
-            <a:endParaRPr lang="en-GB" dirty="0"/>
+            <a:r>
+              <a:rPr lang="de-AT" dirty="0" smtClean="0"/>
+              <a:t>Diagramm übersetzen? Notwendig? Nur </a:t>
+            </a:r>
+            <a:r>
+              <a:rPr lang="de-AT" dirty="0" err="1" smtClean="0"/>
+              <a:t>states</a:t>
+            </a:r>
+            <a:r>
+              <a:rPr lang="de-AT" dirty="0" smtClean="0"/>
+              <a:t>, dafür größer?</a:t>
+            </a:r>
+          </a:p>
+          <a:p>
+            <a:endParaRPr lang="de-AT" dirty="0" smtClean="0"/>
+          </a:p>
+          <a:p>
+            <a:r>
+              <a:rPr lang="de-AT" dirty="0" smtClean="0"/>
+              <a:t>The </a:t>
+            </a:r>
+            <a:r>
+              <a:rPr lang="de-AT" dirty="0" err="1" smtClean="0"/>
+              <a:t>creation</a:t>
+            </a:r>
+            <a:r>
+              <a:rPr lang="de-AT" dirty="0" smtClean="0"/>
+              <a:t> </a:t>
+            </a:r>
+            <a:r>
+              <a:rPr lang="de-AT" dirty="0" err="1" smtClean="0"/>
+              <a:t>of</a:t>
+            </a:r>
+            <a:r>
+              <a:rPr lang="de-AT" dirty="0" smtClean="0"/>
+              <a:t> </a:t>
+            </a:r>
+            <a:r>
+              <a:rPr lang="de-AT" dirty="0" err="1" smtClean="0"/>
+              <a:t>invoices</a:t>
+            </a:r>
+            <a:r>
+              <a:rPr lang="de-AT" baseline="0" dirty="0" smtClean="0"/>
+              <a:t> </a:t>
+            </a:r>
+            <a:r>
+              <a:rPr lang="de-AT" baseline="0" dirty="0" err="1" smtClean="0"/>
+              <a:t>needs</a:t>
+            </a:r>
+            <a:r>
+              <a:rPr lang="de-AT" baseline="0" dirty="0" smtClean="0"/>
+              <a:t> </a:t>
+            </a:r>
+            <a:r>
+              <a:rPr lang="de-AT" baseline="0" dirty="0" err="1" smtClean="0"/>
+              <a:t>four</a:t>
+            </a:r>
+            <a:r>
+              <a:rPr lang="de-AT" baseline="0" dirty="0" smtClean="0"/>
+              <a:t> </a:t>
+            </a:r>
+            <a:r>
+              <a:rPr lang="de-AT" baseline="0" dirty="0" err="1" smtClean="0"/>
+              <a:t>or</a:t>
+            </a:r>
+            <a:r>
+              <a:rPr lang="de-AT" baseline="0" dirty="0" smtClean="0"/>
+              <a:t> </a:t>
+            </a:r>
+            <a:r>
+              <a:rPr lang="de-AT" baseline="0" dirty="0" err="1" smtClean="0"/>
+              <a:t>five</a:t>
+            </a:r>
+            <a:r>
+              <a:rPr lang="de-AT" baseline="0" dirty="0" smtClean="0"/>
+              <a:t> </a:t>
+            </a:r>
+            <a:r>
+              <a:rPr lang="de-AT" baseline="0" dirty="0" err="1" smtClean="0"/>
+              <a:t>steps</a:t>
+            </a:r>
+            <a:r>
+              <a:rPr lang="de-AT" baseline="0" dirty="0" smtClean="0"/>
+              <a:t>, </a:t>
+            </a:r>
+            <a:r>
+              <a:rPr lang="de-AT" baseline="0" dirty="0" err="1" smtClean="0"/>
+              <a:t>depending</a:t>
+            </a:r>
+            <a:r>
+              <a:rPr lang="de-AT" baseline="0" dirty="0" smtClean="0"/>
+              <a:t> on </a:t>
+            </a:r>
+            <a:r>
+              <a:rPr lang="de-AT" baseline="0" dirty="0" err="1" smtClean="0"/>
+              <a:t>the</a:t>
+            </a:r>
+            <a:r>
+              <a:rPr lang="de-AT" baseline="0" dirty="0" smtClean="0"/>
+              <a:t> </a:t>
+            </a:r>
+            <a:r>
+              <a:rPr lang="de-AT" baseline="0" dirty="0" err="1" smtClean="0"/>
+              <a:t>need</a:t>
+            </a:r>
+            <a:r>
+              <a:rPr lang="de-AT" baseline="0" dirty="0" smtClean="0"/>
+              <a:t> </a:t>
+            </a:r>
+            <a:r>
+              <a:rPr lang="de-AT" baseline="0" dirty="0" err="1" smtClean="0"/>
+              <a:t>of</a:t>
+            </a:r>
+            <a:r>
+              <a:rPr lang="de-AT" baseline="0" dirty="0" smtClean="0"/>
+              <a:t> </a:t>
+            </a:r>
+            <a:r>
+              <a:rPr lang="de-AT" baseline="0" dirty="0" err="1" smtClean="0"/>
+              <a:t>splitting</a:t>
+            </a:r>
+            <a:r>
+              <a:rPr lang="de-AT" baseline="0" dirty="0" smtClean="0"/>
+              <a:t> </a:t>
+            </a:r>
+            <a:r>
+              <a:rPr lang="de-AT" baseline="0" dirty="0" err="1" smtClean="0"/>
+              <a:t>the</a:t>
+            </a:r>
+            <a:r>
+              <a:rPr lang="de-AT" baseline="0" dirty="0" smtClean="0"/>
+              <a:t> </a:t>
+            </a:r>
+            <a:r>
+              <a:rPr lang="de-AT" baseline="0" dirty="0" err="1" smtClean="0"/>
+              <a:t>invoice</a:t>
+            </a:r>
+            <a:r>
+              <a:rPr lang="de-AT" baseline="0" dirty="0" smtClean="0"/>
+              <a:t>.</a:t>
+            </a:r>
+          </a:p>
+          <a:p>
+            <a:r>
+              <a:rPr lang="de-AT" baseline="0" dirty="0" err="1" smtClean="0"/>
+              <a:t>Each</a:t>
+            </a:r>
+            <a:r>
+              <a:rPr lang="de-AT" baseline="0" dirty="0" smtClean="0"/>
+              <a:t> </a:t>
+            </a:r>
+            <a:r>
+              <a:rPr lang="de-AT" baseline="0" dirty="0" err="1" smtClean="0"/>
+              <a:t>step</a:t>
+            </a:r>
+            <a:r>
+              <a:rPr lang="de-AT" baseline="0" dirty="0" smtClean="0"/>
+              <a:t> </a:t>
+            </a:r>
+            <a:r>
+              <a:rPr lang="de-AT" baseline="0" dirty="0" err="1" smtClean="0"/>
+              <a:t>provides</a:t>
+            </a:r>
+            <a:r>
+              <a:rPr lang="de-AT" baseline="0" dirty="0" smtClean="0"/>
+              <a:t> different </a:t>
+            </a:r>
+            <a:r>
+              <a:rPr lang="de-AT" baseline="0" dirty="0" err="1" smtClean="0"/>
+              <a:t>functionalities</a:t>
+            </a:r>
+            <a:r>
+              <a:rPr lang="de-AT" baseline="0" dirty="0" smtClean="0"/>
+              <a:t> </a:t>
+            </a:r>
+            <a:r>
+              <a:rPr lang="de-AT" baseline="0" dirty="0" err="1" smtClean="0"/>
+              <a:t>and</a:t>
+            </a:r>
+            <a:r>
+              <a:rPr lang="de-AT" baseline="0" dirty="0" smtClean="0"/>
+              <a:t> </a:t>
+            </a:r>
+            <a:r>
+              <a:rPr lang="de-AT" baseline="0" dirty="0" err="1" smtClean="0"/>
+              <a:t>when</a:t>
+            </a:r>
+            <a:r>
+              <a:rPr lang="de-AT" baseline="0" dirty="0" smtClean="0"/>
+              <a:t> </a:t>
+            </a:r>
+            <a:r>
+              <a:rPr lang="de-AT" baseline="0" dirty="0" err="1" smtClean="0"/>
+              <a:t>you</a:t>
+            </a:r>
+            <a:r>
+              <a:rPr lang="de-AT" baseline="0" dirty="0" smtClean="0"/>
+              <a:t> </a:t>
+            </a:r>
+            <a:r>
+              <a:rPr lang="de-AT" baseline="0" dirty="0" err="1" smtClean="0"/>
+              <a:t>want</a:t>
+            </a:r>
+            <a:r>
+              <a:rPr lang="de-AT" baseline="0" dirty="0" smtClean="0"/>
+              <a:t> </a:t>
+            </a:r>
+            <a:r>
+              <a:rPr lang="de-AT" baseline="0" dirty="0" err="1" smtClean="0"/>
+              <a:t>to</a:t>
+            </a:r>
+            <a:r>
+              <a:rPr lang="de-AT" baseline="0" dirty="0" smtClean="0"/>
+              <a:t> </a:t>
+            </a:r>
+            <a:r>
+              <a:rPr lang="de-AT" baseline="0" dirty="0" err="1" smtClean="0"/>
+              <a:t>go</a:t>
+            </a:r>
+            <a:r>
+              <a:rPr lang="de-AT" baseline="0" dirty="0" smtClean="0"/>
+              <a:t> on, </a:t>
+            </a:r>
+            <a:r>
+              <a:rPr lang="de-AT" baseline="0" dirty="0" err="1" smtClean="0"/>
+              <a:t>the</a:t>
+            </a:r>
+            <a:r>
+              <a:rPr lang="de-AT" baseline="0" dirty="0" smtClean="0"/>
+              <a:t> </a:t>
+            </a:r>
+            <a:r>
+              <a:rPr lang="de-AT" baseline="0" dirty="0" err="1" smtClean="0"/>
+              <a:t>next</a:t>
+            </a:r>
+            <a:r>
+              <a:rPr lang="de-AT" baseline="0" dirty="0" smtClean="0"/>
+              <a:t>() </a:t>
+            </a:r>
+            <a:r>
+              <a:rPr lang="de-AT" baseline="0" dirty="0" err="1" smtClean="0"/>
+              <a:t>method</a:t>
+            </a:r>
+            <a:r>
+              <a:rPr lang="de-AT" baseline="0" dirty="0" smtClean="0"/>
+              <a:t> </a:t>
+            </a:r>
+            <a:r>
+              <a:rPr lang="de-AT" baseline="0" dirty="0" err="1" smtClean="0"/>
+              <a:t>saves</a:t>
+            </a:r>
+            <a:r>
+              <a:rPr lang="de-AT" baseline="0" dirty="0" smtClean="0"/>
+              <a:t> </a:t>
+            </a:r>
+            <a:r>
+              <a:rPr lang="de-AT" baseline="0" dirty="0" err="1" smtClean="0"/>
+              <a:t>the</a:t>
+            </a:r>
+            <a:r>
+              <a:rPr lang="de-AT" baseline="0" dirty="0" smtClean="0"/>
+              <a:t> </a:t>
+            </a:r>
+            <a:r>
+              <a:rPr lang="de-AT" baseline="0" dirty="0" err="1" smtClean="0"/>
+              <a:t>changed</a:t>
+            </a:r>
+            <a:r>
+              <a:rPr lang="de-AT" baseline="0" dirty="0" smtClean="0"/>
+              <a:t> </a:t>
+            </a:r>
+            <a:r>
+              <a:rPr lang="de-AT" baseline="0" dirty="0" err="1" smtClean="0"/>
+              <a:t>data</a:t>
+            </a:r>
+            <a:r>
+              <a:rPr lang="de-AT" baseline="0" dirty="0" smtClean="0"/>
+              <a:t> </a:t>
+            </a:r>
+            <a:r>
+              <a:rPr lang="de-AT" baseline="0" dirty="0" err="1" smtClean="0"/>
+              <a:t>and</a:t>
+            </a:r>
+            <a:r>
+              <a:rPr lang="de-AT" baseline="0" dirty="0" smtClean="0"/>
+              <a:t> </a:t>
+            </a:r>
+            <a:r>
+              <a:rPr lang="de-AT" baseline="0" dirty="0" err="1" smtClean="0"/>
+              <a:t>initializes</a:t>
+            </a:r>
+            <a:r>
+              <a:rPr lang="de-AT" baseline="0" dirty="0" smtClean="0"/>
+              <a:t> </a:t>
+            </a:r>
+            <a:r>
+              <a:rPr lang="de-AT" baseline="0" dirty="0" err="1" smtClean="0"/>
+              <a:t>the</a:t>
+            </a:r>
+            <a:r>
+              <a:rPr lang="de-AT" baseline="0" dirty="0" smtClean="0"/>
+              <a:t> </a:t>
+            </a:r>
+            <a:r>
+              <a:rPr lang="de-AT" baseline="0" dirty="0" err="1" smtClean="0"/>
+              <a:t>next</a:t>
+            </a:r>
+            <a:r>
+              <a:rPr lang="de-AT" baseline="0" dirty="0" smtClean="0"/>
+              <a:t> </a:t>
+            </a:r>
+            <a:r>
+              <a:rPr lang="de-AT" baseline="0" dirty="0" err="1" smtClean="0"/>
+              <a:t>step</a:t>
+            </a:r>
+            <a:r>
+              <a:rPr lang="de-AT" baseline="0" dirty="0" smtClean="0"/>
+              <a:t>.</a:t>
+            </a:r>
+          </a:p>
+          <a:p>
+            <a:r>
+              <a:rPr lang="de-AT" baseline="0" dirty="0" err="1" smtClean="0"/>
+              <a:t>When</a:t>
+            </a:r>
+            <a:r>
+              <a:rPr lang="de-AT" baseline="0" dirty="0" smtClean="0"/>
+              <a:t> </a:t>
+            </a:r>
+            <a:r>
+              <a:rPr lang="de-AT" baseline="0" dirty="0" err="1" smtClean="0"/>
+              <a:t>the</a:t>
+            </a:r>
+            <a:r>
+              <a:rPr lang="de-AT" baseline="0" dirty="0" smtClean="0"/>
+              <a:t> </a:t>
+            </a:r>
+            <a:r>
+              <a:rPr lang="de-AT" baseline="0" dirty="0" err="1" smtClean="0"/>
+              <a:t>invoice</a:t>
+            </a:r>
+            <a:r>
+              <a:rPr lang="de-AT" baseline="0" dirty="0" smtClean="0"/>
+              <a:t> </a:t>
+            </a:r>
+            <a:r>
+              <a:rPr lang="de-AT" baseline="0" dirty="0" err="1" smtClean="0"/>
+              <a:t>gets</a:t>
+            </a:r>
+            <a:r>
+              <a:rPr lang="de-AT" baseline="0" dirty="0" smtClean="0"/>
+              <a:t> </a:t>
+            </a:r>
+            <a:r>
+              <a:rPr lang="de-AT" baseline="0" dirty="0" err="1" smtClean="0"/>
+              <a:t>paid</a:t>
+            </a:r>
+            <a:r>
+              <a:rPr lang="de-AT" baseline="0" dirty="0" smtClean="0"/>
+              <a:t>, </a:t>
+            </a:r>
+            <a:r>
+              <a:rPr lang="de-AT" baseline="0" dirty="0" err="1" smtClean="0"/>
+              <a:t>the</a:t>
+            </a:r>
+            <a:r>
+              <a:rPr lang="de-AT" baseline="0" dirty="0" smtClean="0"/>
+              <a:t> </a:t>
+            </a:r>
+            <a:r>
+              <a:rPr lang="de-AT" baseline="0" dirty="0" err="1" smtClean="0"/>
+              <a:t>next</a:t>
+            </a:r>
+            <a:r>
+              <a:rPr lang="de-AT" baseline="0" dirty="0" smtClean="0"/>
+              <a:t> </a:t>
+            </a:r>
+            <a:r>
+              <a:rPr lang="de-AT" baseline="0" dirty="0" err="1" smtClean="0"/>
+              <a:t>state</a:t>
+            </a:r>
+            <a:r>
+              <a:rPr lang="de-AT" baseline="0" dirty="0" smtClean="0"/>
+              <a:t> </a:t>
+            </a:r>
+            <a:r>
+              <a:rPr lang="de-AT" baseline="0" dirty="0" err="1" smtClean="0"/>
+              <a:t>depends</a:t>
+            </a:r>
+            <a:r>
+              <a:rPr lang="de-AT" baseline="0" dirty="0" smtClean="0"/>
+              <a:t> on </a:t>
+            </a:r>
+            <a:r>
+              <a:rPr lang="de-AT" baseline="0" dirty="0" err="1" smtClean="0"/>
+              <a:t>wheter</a:t>
+            </a:r>
+            <a:r>
+              <a:rPr lang="de-AT" baseline="0" dirty="0" smtClean="0"/>
+              <a:t> all </a:t>
+            </a:r>
+            <a:r>
+              <a:rPr lang="de-AT" baseline="0" dirty="0" err="1" smtClean="0"/>
+              <a:t>items</a:t>
+            </a:r>
+            <a:r>
+              <a:rPr lang="de-AT" baseline="0" dirty="0" smtClean="0"/>
+              <a:t> </a:t>
+            </a:r>
+            <a:r>
+              <a:rPr lang="de-AT" baseline="0" dirty="0" err="1" smtClean="0"/>
+              <a:t>are</a:t>
+            </a:r>
+            <a:r>
+              <a:rPr lang="de-AT" baseline="0" dirty="0" smtClean="0"/>
+              <a:t> </a:t>
+            </a:r>
+            <a:r>
+              <a:rPr lang="de-AT" baseline="0" dirty="0" err="1" smtClean="0"/>
+              <a:t>paid</a:t>
+            </a:r>
+            <a:r>
+              <a:rPr lang="de-AT" baseline="0" dirty="0" smtClean="0"/>
+              <a:t> </a:t>
+            </a:r>
+            <a:r>
+              <a:rPr lang="de-AT" baseline="0" dirty="0" err="1" smtClean="0"/>
+              <a:t>or</a:t>
+            </a:r>
+            <a:r>
+              <a:rPr lang="de-AT" baseline="0" dirty="0" smtClean="0"/>
+              <a:t> not. </a:t>
+            </a:r>
+            <a:r>
+              <a:rPr lang="de-AT" baseline="0" dirty="0" err="1" smtClean="0"/>
+              <a:t>If</a:t>
+            </a:r>
+            <a:r>
+              <a:rPr lang="de-AT" baseline="0" dirty="0" smtClean="0"/>
+              <a:t> </a:t>
+            </a:r>
+            <a:r>
+              <a:rPr lang="de-AT" baseline="0" dirty="0" err="1" smtClean="0"/>
+              <a:t>there</a:t>
+            </a:r>
+            <a:r>
+              <a:rPr lang="de-AT" baseline="0" dirty="0" smtClean="0"/>
+              <a:t> </a:t>
+            </a:r>
+            <a:r>
+              <a:rPr lang="de-AT" baseline="0" dirty="0" err="1" smtClean="0"/>
+              <a:t>are</a:t>
+            </a:r>
+            <a:r>
+              <a:rPr lang="de-AT" baseline="0" dirty="0" smtClean="0"/>
+              <a:t> „open“ </a:t>
+            </a:r>
+            <a:r>
+              <a:rPr lang="de-AT" baseline="0" dirty="0" err="1" smtClean="0"/>
+              <a:t>items</a:t>
+            </a:r>
+            <a:r>
+              <a:rPr lang="de-AT" baseline="0" dirty="0" smtClean="0"/>
+              <a:t>, </a:t>
+            </a:r>
+            <a:r>
+              <a:rPr lang="de-AT" baseline="0" dirty="0" err="1" smtClean="0"/>
+              <a:t>the</a:t>
+            </a:r>
+            <a:r>
+              <a:rPr lang="de-AT" baseline="0" dirty="0" smtClean="0"/>
+              <a:t> </a:t>
+            </a:r>
+            <a:r>
+              <a:rPr lang="de-AT" baseline="0" dirty="0" err="1" smtClean="0"/>
+              <a:t>next</a:t>
+            </a:r>
+            <a:r>
+              <a:rPr lang="de-AT" baseline="0" dirty="0" smtClean="0"/>
+              <a:t> </a:t>
+            </a:r>
+            <a:r>
+              <a:rPr lang="de-AT" baseline="0" dirty="0" err="1" smtClean="0"/>
+              <a:t>step</a:t>
+            </a:r>
+            <a:r>
+              <a:rPr lang="de-AT" baseline="0" dirty="0" smtClean="0"/>
+              <a:t> </a:t>
+            </a:r>
+            <a:r>
+              <a:rPr lang="de-AT" baseline="0" dirty="0" err="1" smtClean="0"/>
+              <a:t>is</a:t>
+            </a:r>
+            <a:r>
+              <a:rPr lang="de-AT" baseline="0" dirty="0" smtClean="0"/>
+              <a:t> </a:t>
+            </a:r>
+            <a:r>
+              <a:rPr lang="de-AT" baseline="0" dirty="0" err="1" smtClean="0"/>
+              <a:t>the</a:t>
+            </a:r>
+            <a:r>
+              <a:rPr lang="de-AT" baseline="0" dirty="0" smtClean="0"/>
+              <a:t> intermediate </a:t>
+            </a:r>
+            <a:r>
+              <a:rPr lang="de-AT" baseline="0" dirty="0" err="1" smtClean="0"/>
+              <a:t>invoice</a:t>
+            </a:r>
+            <a:r>
+              <a:rPr lang="de-AT" baseline="0" dirty="0" smtClean="0"/>
+              <a:t> </a:t>
+            </a:r>
+            <a:r>
+              <a:rPr lang="de-AT" baseline="0" dirty="0" err="1" smtClean="0"/>
+              <a:t>state</a:t>
+            </a:r>
+            <a:r>
+              <a:rPr lang="de-AT" baseline="0" dirty="0" smtClean="0"/>
+              <a:t>, in </a:t>
+            </a:r>
+            <a:r>
+              <a:rPr lang="de-AT" baseline="0" dirty="0" err="1" smtClean="0"/>
+              <a:t>the</a:t>
+            </a:r>
+            <a:r>
+              <a:rPr lang="de-AT" baseline="0" dirty="0" smtClean="0"/>
+              <a:t> </a:t>
+            </a:r>
+            <a:r>
+              <a:rPr lang="de-AT" baseline="0" dirty="0" err="1" smtClean="0"/>
+              <a:t>other</a:t>
+            </a:r>
+            <a:r>
+              <a:rPr lang="de-AT" baseline="0" dirty="0" smtClean="0"/>
+              <a:t> </a:t>
+            </a:r>
+            <a:r>
+              <a:rPr lang="de-AT" baseline="0" dirty="0" err="1" smtClean="0"/>
+              <a:t>case</a:t>
+            </a:r>
+            <a:r>
+              <a:rPr lang="de-AT" baseline="0" dirty="0" smtClean="0"/>
+              <a:t> </a:t>
+            </a:r>
+            <a:r>
+              <a:rPr lang="de-AT" baseline="0" dirty="0" err="1" smtClean="0"/>
+              <a:t>we</a:t>
+            </a:r>
+            <a:r>
+              <a:rPr lang="de-AT" baseline="0" dirty="0" smtClean="0"/>
+              <a:t> </a:t>
+            </a:r>
+            <a:r>
+              <a:rPr lang="de-AT" baseline="0" dirty="0" err="1" smtClean="0"/>
+              <a:t>go</a:t>
+            </a:r>
+            <a:r>
+              <a:rPr lang="de-AT" baseline="0" dirty="0" smtClean="0"/>
+              <a:t> back </a:t>
+            </a:r>
+            <a:r>
+              <a:rPr lang="de-AT" baseline="0" dirty="0" err="1" smtClean="0"/>
+              <a:t>to</a:t>
+            </a:r>
+            <a:r>
+              <a:rPr lang="de-AT" baseline="0" dirty="0" smtClean="0"/>
+              <a:t> </a:t>
+            </a:r>
+            <a:r>
+              <a:rPr lang="de-AT" baseline="0" dirty="0" err="1" smtClean="0"/>
+              <a:t>the</a:t>
+            </a:r>
+            <a:r>
+              <a:rPr lang="de-AT" baseline="0" dirty="0" smtClean="0"/>
+              <a:t> </a:t>
+            </a:r>
+            <a:r>
+              <a:rPr lang="de-AT" baseline="0" dirty="0" err="1" smtClean="0"/>
+              <a:t>search</a:t>
+            </a:r>
+            <a:r>
+              <a:rPr lang="de-AT" baseline="0" dirty="0" smtClean="0"/>
+              <a:t> </a:t>
+            </a:r>
+            <a:r>
+              <a:rPr lang="de-AT" baseline="0" dirty="0" err="1" smtClean="0"/>
+              <a:t>state</a:t>
+            </a:r>
+            <a:r>
+              <a:rPr lang="de-AT" baseline="0" dirty="0" smtClean="0"/>
+              <a:t>, </a:t>
+            </a:r>
+            <a:r>
+              <a:rPr lang="de-AT" baseline="0" dirty="0" err="1" smtClean="0"/>
+              <a:t>where</a:t>
+            </a:r>
+            <a:r>
+              <a:rPr lang="de-AT" baseline="0" dirty="0" smtClean="0"/>
+              <a:t> </a:t>
+            </a:r>
+            <a:r>
+              <a:rPr lang="de-AT" baseline="0" dirty="0" err="1" smtClean="0"/>
+              <a:t>the</a:t>
+            </a:r>
+            <a:r>
+              <a:rPr lang="de-AT" baseline="0" dirty="0" smtClean="0"/>
+              <a:t> different </a:t>
+            </a:r>
+            <a:r>
+              <a:rPr lang="en-GB" dirty="0" smtClean="0"/>
+              <a:t>Accommodation </a:t>
+            </a:r>
+            <a:r>
+              <a:rPr lang="de-AT" baseline="0" dirty="0" smtClean="0"/>
+              <a:t>s </a:t>
+            </a:r>
+            <a:r>
+              <a:rPr lang="de-AT" baseline="0" dirty="0" err="1" smtClean="0"/>
+              <a:t>can</a:t>
+            </a:r>
+            <a:r>
+              <a:rPr lang="de-AT" baseline="0" dirty="0" smtClean="0"/>
+              <a:t> </a:t>
+            </a:r>
+            <a:r>
+              <a:rPr lang="de-AT" baseline="0" dirty="0" err="1" smtClean="0"/>
+              <a:t>be</a:t>
+            </a:r>
+            <a:r>
+              <a:rPr lang="de-AT" baseline="0" dirty="0" smtClean="0"/>
+              <a:t> </a:t>
+            </a:r>
+            <a:r>
+              <a:rPr lang="de-AT" baseline="0" dirty="0" err="1" smtClean="0"/>
+              <a:t>searched</a:t>
+            </a:r>
+            <a:r>
+              <a:rPr lang="de-AT" baseline="0" dirty="0" smtClean="0"/>
+              <a:t> </a:t>
+            </a:r>
+            <a:r>
+              <a:rPr lang="de-AT" baseline="0" dirty="0" err="1" smtClean="0"/>
+              <a:t>and</a:t>
+            </a:r>
+            <a:r>
+              <a:rPr lang="de-AT" baseline="0" dirty="0" smtClean="0"/>
+              <a:t> </a:t>
+            </a:r>
+            <a:r>
+              <a:rPr lang="de-AT" baseline="0" dirty="0" err="1" smtClean="0"/>
+              <a:t>selected</a:t>
+            </a:r>
+            <a:r>
+              <a:rPr lang="de-AT" baseline="0" dirty="0" smtClean="0"/>
+              <a:t>.</a:t>
+            </a:r>
+          </a:p>
+          <a:p>
+            <a:r>
+              <a:rPr lang="de-AT" baseline="0" dirty="0" smtClean="0"/>
+              <a:t>The </a:t>
+            </a:r>
+            <a:r>
+              <a:rPr lang="de-AT" baseline="0" dirty="0" err="1" smtClean="0"/>
+              <a:t>state</a:t>
+            </a:r>
+            <a:r>
+              <a:rPr lang="de-AT" baseline="0" dirty="0" smtClean="0"/>
+              <a:t> </a:t>
+            </a:r>
+            <a:r>
+              <a:rPr lang="de-AT" baseline="0" dirty="0" err="1" smtClean="0"/>
+              <a:t>pattern</a:t>
+            </a:r>
+            <a:r>
+              <a:rPr lang="de-AT" baseline="0" dirty="0" smtClean="0"/>
+              <a:t> </a:t>
+            </a:r>
+            <a:r>
+              <a:rPr lang="de-AT" baseline="0" dirty="0" err="1" smtClean="0"/>
+              <a:t>helps</a:t>
+            </a:r>
+            <a:r>
+              <a:rPr lang="de-AT" baseline="0" dirty="0" smtClean="0"/>
+              <a:t> </a:t>
+            </a:r>
+            <a:r>
+              <a:rPr lang="de-AT" baseline="0" dirty="0" err="1" smtClean="0"/>
+              <a:t>us</a:t>
+            </a:r>
+            <a:r>
+              <a:rPr lang="de-AT" baseline="0" dirty="0" smtClean="0"/>
+              <a:t> </a:t>
+            </a:r>
+            <a:r>
+              <a:rPr lang="de-AT" baseline="0" dirty="0" err="1" smtClean="0"/>
+              <a:t>to</a:t>
+            </a:r>
+            <a:r>
+              <a:rPr lang="de-AT" baseline="0" dirty="0" smtClean="0"/>
+              <a:t> </a:t>
+            </a:r>
+            <a:r>
+              <a:rPr lang="de-AT" baseline="0" dirty="0" err="1" smtClean="0"/>
+              <a:t>guarantee</a:t>
+            </a:r>
+            <a:r>
+              <a:rPr lang="de-AT" baseline="0" dirty="0" smtClean="0"/>
+              <a:t> </a:t>
+            </a:r>
+            <a:r>
+              <a:rPr lang="de-AT" baseline="0" dirty="0" err="1" smtClean="0"/>
+              <a:t>that</a:t>
+            </a:r>
+            <a:r>
+              <a:rPr lang="de-AT" baseline="0" dirty="0" smtClean="0"/>
+              <a:t> </a:t>
+            </a:r>
+            <a:r>
+              <a:rPr lang="de-AT" baseline="0" dirty="0" err="1" smtClean="0"/>
+              <a:t>we</a:t>
+            </a:r>
+            <a:r>
+              <a:rPr lang="de-AT" baseline="0" dirty="0" smtClean="0"/>
+              <a:t> </a:t>
+            </a:r>
+            <a:r>
+              <a:rPr lang="de-AT" baseline="0" dirty="0" err="1" smtClean="0"/>
+              <a:t>are</a:t>
+            </a:r>
+            <a:r>
+              <a:rPr lang="de-AT" baseline="0" dirty="0" smtClean="0"/>
+              <a:t> not </a:t>
+            </a:r>
+            <a:r>
+              <a:rPr lang="de-AT" baseline="0" dirty="0" err="1" smtClean="0"/>
+              <a:t>able</a:t>
+            </a:r>
+            <a:r>
+              <a:rPr lang="de-AT" baseline="0" dirty="0" smtClean="0"/>
+              <a:t> </a:t>
+            </a:r>
+            <a:r>
+              <a:rPr lang="de-AT" baseline="0" dirty="0" err="1" smtClean="0"/>
+              <a:t>to</a:t>
+            </a:r>
+            <a:r>
+              <a:rPr lang="de-AT" baseline="0" dirty="0" smtClean="0"/>
+              <a:t> </a:t>
+            </a:r>
+            <a:r>
+              <a:rPr lang="de-AT" baseline="0" dirty="0" err="1" smtClean="0"/>
+              <a:t>call</a:t>
+            </a:r>
+            <a:r>
+              <a:rPr lang="de-AT" baseline="0" dirty="0" smtClean="0"/>
+              <a:t> </a:t>
+            </a:r>
+            <a:r>
+              <a:rPr lang="de-AT" baseline="0" dirty="0" err="1" smtClean="0"/>
+              <a:t>methods</a:t>
+            </a:r>
+            <a:r>
+              <a:rPr lang="de-AT" baseline="0" dirty="0" smtClean="0"/>
+              <a:t>, </a:t>
+            </a:r>
+            <a:r>
+              <a:rPr lang="de-AT" baseline="0" dirty="0" err="1" smtClean="0"/>
+              <a:t>which</a:t>
+            </a:r>
+            <a:r>
+              <a:rPr lang="de-AT" baseline="0" dirty="0" smtClean="0"/>
+              <a:t> </a:t>
+            </a:r>
+            <a:r>
+              <a:rPr lang="de-AT" baseline="0" dirty="0" err="1" smtClean="0"/>
+              <a:t>shouldn‘t</a:t>
+            </a:r>
+            <a:r>
+              <a:rPr lang="de-AT" baseline="0" dirty="0" smtClean="0"/>
+              <a:t> </a:t>
+            </a:r>
+            <a:r>
+              <a:rPr lang="de-AT" baseline="0" dirty="0" err="1" smtClean="0"/>
+              <a:t>be</a:t>
+            </a:r>
+            <a:r>
+              <a:rPr lang="de-AT" baseline="0" dirty="0" smtClean="0"/>
+              <a:t> </a:t>
+            </a:r>
+            <a:r>
+              <a:rPr lang="de-AT" baseline="0" dirty="0" err="1" smtClean="0"/>
+              <a:t>accessible</a:t>
+            </a:r>
+            <a:r>
+              <a:rPr lang="de-AT" baseline="0" dirty="0" smtClean="0"/>
+              <a:t> in different </a:t>
+            </a:r>
+            <a:r>
+              <a:rPr lang="de-AT" baseline="0" dirty="0" err="1" smtClean="0"/>
+              <a:t>cases</a:t>
+            </a:r>
+            <a:r>
+              <a:rPr lang="de-AT" baseline="0" dirty="0" smtClean="0"/>
+              <a:t> </a:t>
+            </a:r>
+            <a:r>
+              <a:rPr lang="de-AT" baseline="0" dirty="0" err="1" smtClean="0"/>
+              <a:t>and</a:t>
+            </a:r>
+            <a:r>
+              <a:rPr lang="de-AT" baseline="0" dirty="0" smtClean="0"/>
+              <a:t> also </a:t>
+            </a:r>
+            <a:r>
+              <a:rPr lang="de-AT" baseline="0" dirty="0" err="1" smtClean="0"/>
+              <a:t>manages</a:t>
+            </a:r>
+            <a:r>
+              <a:rPr lang="de-AT" baseline="0" dirty="0" smtClean="0"/>
+              <a:t> </a:t>
+            </a:r>
+            <a:r>
+              <a:rPr lang="de-AT" baseline="0" dirty="0" err="1" smtClean="0"/>
+              <a:t>the</a:t>
+            </a:r>
+            <a:r>
+              <a:rPr lang="de-AT" baseline="0" dirty="0" smtClean="0"/>
+              <a:t> </a:t>
+            </a:r>
+            <a:r>
+              <a:rPr lang="de-AT" baseline="0" dirty="0" err="1" smtClean="0"/>
+              <a:t>process</a:t>
+            </a:r>
+            <a:r>
+              <a:rPr lang="de-AT" baseline="0" dirty="0" smtClean="0"/>
+              <a:t> </a:t>
+            </a:r>
+            <a:r>
+              <a:rPr lang="de-AT" baseline="0" dirty="0" err="1" smtClean="0"/>
+              <a:t>of</a:t>
+            </a:r>
+            <a:r>
+              <a:rPr lang="de-AT" baseline="0" dirty="0" smtClean="0"/>
+              <a:t> </a:t>
+            </a:r>
+            <a:r>
+              <a:rPr lang="de-AT" baseline="0" dirty="0" err="1" smtClean="0"/>
+              <a:t>the</a:t>
+            </a:r>
+            <a:r>
+              <a:rPr lang="de-AT" baseline="0" dirty="0" smtClean="0"/>
+              <a:t> </a:t>
+            </a:r>
+            <a:r>
+              <a:rPr lang="de-AT" baseline="0" dirty="0" err="1" smtClean="0"/>
+              <a:t>use</a:t>
+            </a:r>
+            <a:r>
+              <a:rPr lang="de-AT" baseline="0" dirty="0" smtClean="0"/>
+              <a:t> </a:t>
+            </a:r>
+            <a:r>
+              <a:rPr lang="de-AT" baseline="0" dirty="0" err="1" smtClean="0"/>
+              <a:t>case</a:t>
+            </a:r>
+            <a:r>
+              <a:rPr lang="de-AT" baseline="0" dirty="0" smtClean="0"/>
+              <a:t>.</a:t>
+            </a:r>
+            <a:endParaRPr lang="de-AT" dirty="0" smtClean="0"/>
           </a:p>
         </p:txBody>
       </p:sp>
@@ -807,18 +2580,18 @@
           <a:bodyPr/>
           <a:lstStyle/>
           <a:p>
-            <a:fld id="{F02A8FBC-AF9A-4929-B417-912911A977D6}" type="slidenum">
-              <a:rPr lang="en-GB" smtClean="0"/>
-              <a:t>20</a:t>
+            <a:fld id="{0FCCB273-3FCC-4BAE-AC2F-A278774C5B5F}" type="slidenum">
+              <a:rPr lang="de-AT" smtClean="0"/>
+              <a:t>18</a:t>
             </a:fld>
-            <a:endParaRPr lang="en-GB"/>
+            <a:endParaRPr lang="de-AT"/>
           </a:p>
         </p:txBody>
       </p:sp>
     </p:spTree>
     <p:extLst>
       <p:ext uri="{BB962C8B-B14F-4D97-AF65-F5344CB8AC3E}">
-        <p14:creationId xmlns:p14="http://schemas.microsoft.com/office/powerpoint/2010/main" val="3797940835"/>
+        <p14:creationId xmlns:p14="http://schemas.microsoft.com/office/powerpoint/2010/main" val="2978896374"/>
       </p:ext>
     </p:extLst>
   </p:cSld>
@@ -873,128 +2646,92 @@
           <a:lstStyle/>
           <a:p>
             <a:r>
-              <a:rPr lang="en-US" dirty="0" smtClean="0"/>
-              <a:t>The SWT-GUI from Team F was not easy to integrate into our Swing-GUI, because they are 2 different toolkits. Fortunately the user interfaces from Team F was not extensive, so we replaced the SWT Message Box with a Swing counterpart.</a:t>
-            </a:r>
-          </a:p>
-          <a:p>
-            <a:r>
-              <a:rPr lang="en-US" dirty="0" smtClean="0"/>
-              <a:t>The payment on account booking was implemented by the Habitation-Panel from Team F, due to a conflict with the SWT-Panel integration into a Swing application. </a:t>
-            </a:r>
-          </a:p>
-          <a:p>
-            <a:r>
-              <a:rPr lang="en-US" dirty="0" smtClean="0"/>
-              <a:t>Java don’t allow multiple inheritance. This prevents us to inherit from other adapters. So we override the methods from the superclass of the adapted class.</a:t>
-            </a:r>
-          </a:p>
-          <a:p>
-            <a:endParaRPr lang="de-AT" dirty="0" smtClean="0"/>
-          </a:p>
-          <a:p>
-            <a:r>
-              <a:rPr lang="de-AT" dirty="0" err="1" smtClean="0"/>
-              <a:t>Prepayment</a:t>
-            </a:r>
-            <a:r>
-              <a:rPr lang="de-AT" dirty="0" smtClean="0"/>
-              <a:t> (</a:t>
-            </a:r>
-            <a:r>
-              <a:rPr lang="de-AT" dirty="0" err="1" smtClean="0"/>
-              <a:t>own</a:t>
-            </a:r>
-            <a:r>
-              <a:rPr lang="de-AT" dirty="0" smtClean="0"/>
-              <a:t> </a:t>
-            </a:r>
-            <a:r>
-              <a:rPr lang="de-AT" dirty="0" err="1" smtClean="0"/>
-              <a:t>console</a:t>
-            </a:r>
-            <a:r>
-              <a:rPr lang="de-AT" dirty="0" smtClean="0"/>
-              <a:t>)</a:t>
-            </a:r>
-            <a:r>
-              <a:rPr lang="de-AT" baseline="0" dirty="0" smtClean="0"/>
-              <a:t> </a:t>
-            </a:r>
-            <a:r>
-              <a:rPr lang="de-AT" baseline="0" dirty="0" err="1" smtClean="0"/>
-              <a:t>because</a:t>
-            </a:r>
-            <a:r>
-              <a:rPr lang="de-AT" baseline="0" dirty="0" smtClean="0"/>
-              <a:t> </a:t>
-            </a:r>
-            <a:r>
-              <a:rPr lang="de-AT" baseline="0" dirty="0" err="1" smtClean="0"/>
-              <a:t>of</a:t>
-            </a:r>
-            <a:r>
-              <a:rPr lang="de-AT" baseline="0" dirty="0" smtClean="0"/>
-              <a:t> </a:t>
-            </a:r>
-            <a:r>
-              <a:rPr lang="de-AT" baseline="0" dirty="0" err="1" smtClean="0"/>
-              <a:t>incompatibility</a:t>
-            </a:r>
-            <a:r>
-              <a:rPr lang="de-AT" baseline="0" dirty="0" smtClean="0"/>
-              <a:t> (ok </a:t>
-            </a:r>
-            <a:r>
-              <a:rPr lang="de-AT" baseline="0" dirty="0" err="1" smtClean="0"/>
-              <a:t>from</a:t>
-            </a:r>
-            <a:r>
-              <a:rPr lang="de-AT" baseline="0" dirty="0" smtClean="0"/>
-              <a:t> vollbrecht)</a:t>
-            </a:r>
-          </a:p>
-          <a:p>
-            <a:endParaRPr lang="de-AT" baseline="0" dirty="0" smtClean="0"/>
-          </a:p>
-          <a:p>
-            <a:r>
-              <a:rPr lang="de-AT" baseline="0" dirty="0" smtClean="0"/>
-              <a:t>Day end </a:t>
-            </a:r>
-            <a:r>
-              <a:rPr lang="de-AT" baseline="0" dirty="0" err="1" smtClean="0"/>
-              <a:t>closing</a:t>
-            </a:r>
-            <a:r>
-              <a:rPr lang="de-AT" baseline="0" dirty="0" smtClean="0"/>
-              <a:t> </a:t>
-            </a:r>
-            <a:r>
-              <a:rPr lang="de-AT" baseline="0" dirty="0" err="1" smtClean="0"/>
-              <a:t>onlay</a:t>
-            </a:r>
-            <a:r>
-              <a:rPr lang="de-AT" baseline="0" dirty="0" smtClean="0"/>
-              <a:t> </a:t>
-            </a:r>
-            <a:r>
-              <a:rPr lang="de-AT" baseline="0" dirty="0" err="1" smtClean="0"/>
-              <a:t>one</a:t>
-            </a:r>
-            <a:r>
-              <a:rPr lang="de-AT" baseline="0" dirty="0" smtClean="0"/>
-              <a:t> </a:t>
-            </a:r>
-            <a:r>
-              <a:rPr lang="de-AT" baseline="0" dirty="0" err="1" smtClean="0"/>
-              <a:t>message</a:t>
-            </a:r>
-            <a:r>
-              <a:rPr lang="de-AT" baseline="0" dirty="0" smtClean="0"/>
-              <a:t>-box</a:t>
-            </a:r>
-            <a:endParaRPr lang="en-GB" dirty="0"/>
+              <a:rPr lang="en-US" noProof="0" dirty="0" smtClean="0"/>
+              <a:t>Requirement</a:t>
+            </a:r>
+            <a:r>
+              <a:rPr lang="en-US" baseline="0" noProof="0" dirty="0" smtClean="0"/>
+              <a:t> </a:t>
+            </a:r>
+            <a:r>
+              <a:rPr lang="en-US" baseline="0" noProof="0" dirty="0" smtClean="0">
+                <a:sym typeface="Wingdings" pitchFamily="2" charset="2"/>
+              </a:rPr>
+              <a:t> easy to integrate other </a:t>
+            </a:r>
+            <a:r>
+              <a:rPr lang="en-US" baseline="0" noProof="0" dirty="0" err="1" smtClean="0">
+                <a:sym typeface="Wingdings" pitchFamily="2" charset="2"/>
+              </a:rPr>
+              <a:t>guis</a:t>
+            </a:r>
+            <a:r>
+              <a:rPr lang="en-US" baseline="0" noProof="0" dirty="0" smtClean="0">
+                <a:sym typeface="Wingdings" pitchFamily="2" charset="2"/>
+              </a:rPr>
+              <a:t>, IF THEY USE THE SAME!</a:t>
+            </a:r>
+          </a:p>
+          <a:p>
+            <a:r>
+              <a:rPr lang="en-US" baseline="0" noProof="0" dirty="0" smtClean="0">
+                <a:sym typeface="Wingdings" pitchFamily="2" charset="2"/>
+              </a:rPr>
+              <a:t>THE Java GUI Framework </a:t>
+            </a:r>
+          </a:p>
+          <a:p>
+            <a:r>
+              <a:rPr lang="en-US" baseline="0" noProof="0" dirty="0" smtClean="0">
+                <a:sym typeface="Wingdings" pitchFamily="2" charset="2"/>
+              </a:rPr>
+              <a:t>Platform independent (</a:t>
+            </a:r>
+            <a:r>
+              <a:rPr lang="en-US" baseline="0" noProof="0" dirty="0" err="1" smtClean="0">
+                <a:sym typeface="Wingdings" pitchFamily="2" charset="2"/>
+              </a:rPr>
+              <a:t>comparisson</a:t>
+            </a:r>
+            <a:r>
+              <a:rPr lang="en-US" baseline="0" noProof="0" dirty="0" smtClean="0">
+                <a:sym typeface="Wingdings" pitchFamily="2" charset="2"/>
+              </a:rPr>
+              <a:t> AWT)</a:t>
+            </a:r>
+          </a:p>
+          <a:p>
+            <a:r>
+              <a:rPr lang="en-US" baseline="0" noProof="0" dirty="0" smtClean="0">
+                <a:sym typeface="Wingdings" pitchFamily="2" charset="2"/>
+              </a:rPr>
+              <a:t>Extensible (own tables for </a:t>
+            </a:r>
+            <a:r>
+              <a:rPr lang="en-GB" dirty="0" smtClean="0"/>
+              <a:t>Accommodation </a:t>
+            </a:r>
+            <a:r>
+              <a:rPr lang="en-US" baseline="0" noProof="0" dirty="0" smtClean="0">
+                <a:sym typeface="Wingdings" pitchFamily="2" charset="2"/>
+              </a:rPr>
+              <a:t>etc</a:t>
+            </a:r>
+            <a:r>
+              <a:rPr lang="en-US" baseline="0" noProof="0" dirty="0" smtClean="0">
+                <a:sym typeface="Wingdings" pitchFamily="2" charset="2"/>
+              </a:rPr>
+              <a:t>.)</a:t>
+            </a:r>
+          </a:p>
+          <a:p>
+            <a:r>
+              <a:rPr lang="en-US" baseline="0" noProof="0" dirty="0" smtClean="0">
+                <a:sym typeface="Wingdings" pitchFamily="2" charset="2"/>
+              </a:rPr>
+              <a:t>Tab view</a:t>
+            </a:r>
+            <a:endParaRPr lang="en-US" noProof="0" dirty="0"/>
           </a:p>
         </p:txBody>
       </p:sp>
@@ -1015,7 +2752,7 @@
           <a:p>
             <a:fld id="{F02A8FBC-AF9A-4929-B417-912911A977D6}" type="slidenum">
               <a:rPr lang="en-GB" smtClean="0"/>
-              <a:t>21</a:t>
+              <a:t>19</a:t>
             </a:fld>
             <a:endParaRPr lang="en-GB"/>
           </a:p>
@@ -1024,7 +2761,7 @@
     </p:spTree>
     <p:extLst>
       <p:ext uri="{BB962C8B-B14F-4D97-AF65-F5344CB8AC3E}">
-        <p14:creationId xmlns:p14="http://schemas.microsoft.com/office/powerpoint/2010/main" val="1688720949"/>
+        <p14:creationId xmlns:p14="http://schemas.microsoft.com/office/powerpoint/2010/main" val="1179403793"/>
       </p:ext>
     </p:extLst>
   </p:cSld>
@@ -1078,119 +2815,30 @@
           <a:bodyPr/>
           <a:lstStyle/>
           <a:p>
-            <a:r>
-              <a:rPr lang="de-AT" dirty="0" smtClean="0"/>
-              <a:t>This codesample </a:t>
-            </a:r>
-            <a:r>
-              <a:rPr lang="de-AT" dirty="0" err="1" smtClean="0"/>
-              <a:t>shows</a:t>
-            </a:r>
-            <a:r>
-              <a:rPr lang="de-AT" dirty="0" smtClean="0"/>
-              <a:t> </a:t>
-            </a:r>
-            <a:r>
-              <a:rPr lang="de-AT" dirty="0" err="1" smtClean="0"/>
-              <a:t>how</a:t>
-            </a:r>
-            <a:r>
-              <a:rPr lang="de-AT" dirty="0" smtClean="0"/>
-              <a:t> easy </a:t>
-            </a:r>
-            <a:r>
-              <a:rPr lang="de-AT" dirty="0" err="1" smtClean="0"/>
-              <a:t>it</a:t>
-            </a:r>
-            <a:r>
-              <a:rPr lang="de-AT" dirty="0" smtClean="0"/>
-              <a:t> </a:t>
-            </a:r>
-            <a:r>
-              <a:rPr lang="de-AT" dirty="0" err="1" smtClean="0"/>
-              <a:t>is</a:t>
-            </a:r>
-            <a:r>
-              <a:rPr lang="de-AT" baseline="0" dirty="0" smtClean="0"/>
-              <a:t> </a:t>
-            </a:r>
-            <a:r>
-              <a:rPr lang="de-AT" baseline="0" dirty="0" err="1" smtClean="0"/>
-              <a:t>to</a:t>
-            </a:r>
-            <a:r>
-              <a:rPr lang="de-AT" baseline="0" dirty="0" smtClean="0"/>
-              <a:t> </a:t>
-            </a:r>
-            <a:r>
-              <a:rPr lang="de-AT" baseline="0" dirty="0" err="1" smtClean="0"/>
-              <a:t>use</a:t>
-            </a:r>
-            <a:r>
-              <a:rPr lang="de-AT" baseline="0" dirty="0" smtClean="0"/>
-              <a:t> </a:t>
-            </a:r>
-            <a:r>
-              <a:rPr lang="de-AT" baseline="0" dirty="0" err="1" smtClean="0"/>
-              <a:t>ajax</a:t>
-            </a:r>
-            <a:r>
-              <a:rPr lang="de-AT" baseline="0" dirty="0" smtClean="0"/>
-              <a:t> </a:t>
-            </a:r>
-            <a:r>
-              <a:rPr lang="de-AT" baseline="0" dirty="0" err="1" smtClean="0"/>
-              <a:t>with</a:t>
-            </a:r>
-            <a:r>
-              <a:rPr lang="de-AT" baseline="0" dirty="0" smtClean="0"/>
-              <a:t> </a:t>
-            </a:r>
-            <a:r>
-              <a:rPr lang="de-AT" baseline="0" dirty="0" err="1" smtClean="0"/>
-              <a:t>jsf</a:t>
-            </a:r>
-            <a:r>
-              <a:rPr lang="de-AT" baseline="0" dirty="0" smtClean="0"/>
-              <a:t>. </a:t>
-            </a:r>
-            <a:r>
-              <a:rPr lang="de-AT" baseline="0" dirty="0" err="1" smtClean="0"/>
-              <a:t>Only</a:t>
-            </a:r>
-            <a:r>
-              <a:rPr lang="de-AT" baseline="0" dirty="0" smtClean="0"/>
-              <a:t> </a:t>
-            </a:r>
-            <a:r>
-              <a:rPr lang="de-AT" baseline="0" dirty="0" err="1" smtClean="0"/>
-              <a:t>the</a:t>
-            </a:r>
-            <a:r>
-              <a:rPr lang="de-AT" baseline="0" dirty="0" smtClean="0"/>
-              <a:t> &lt;</a:t>
-            </a:r>
-            <a:r>
-              <a:rPr lang="de-AT" baseline="0" dirty="0" err="1" smtClean="0"/>
-              <a:t>f:ajax</a:t>
-            </a:r>
-            <a:r>
-              <a:rPr lang="de-AT" baseline="0" dirty="0" smtClean="0"/>
-              <a:t> tag </a:t>
-            </a:r>
-            <a:r>
-              <a:rPr lang="de-AT" baseline="0" dirty="0" err="1" smtClean="0"/>
-              <a:t>is</a:t>
-            </a:r>
-            <a:r>
-              <a:rPr lang="de-AT" baseline="0" dirty="0" smtClean="0"/>
-              <a:t> </a:t>
-            </a:r>
-            <a:r>
-              <a:rPr lang="de-AT" baseline="0" smtClean="0"/>
-              <a:t>needed</a:t>
-            </a:r>
-            <a:endParaRPr lang="de-AT" dirty="0"/>
+            <a:pPr marL="0" marR="0" indent="0" algn="l" defTabSz="914400" rtl="0" eaLnBrk="1" fontAlgn="auto" latinLnBrk="0" hangingPunct="1">
+              <a:lnSpc>
+                <a:spcPct val="100000"/>
+              </a:lnSpc>
+              <a:spcBef>
+                <a:spcPts val="0"/>
+              </a:spcBef>
+              <a:spcAft>
+                <a:spcPts val="0"/>
+              </a:spcAft>
+              <a:buClrTx/>
+              <a:buSzTx/>
+              <a:buFontTx/>
+              <a:buNone/>
+              <a:tabLst/>
+              <a:defRPr/>
+            </a:pPr>
+            <a:r>
+              <a:rPr lang="en-US" dirty="0" smtClean="0"/>
+              <a:t>The integration of the other program parts by implementation of interfaces was not possible, because we got no interfaces available. To avoid the problem, our adapter classes inherit direct from the domain objects from the other team. Also every adapter implements a generic adapter interface, to set and read its type. This enables dynamic programming, there every of our adapters support this interface and so they can get red and created by other classes.</a:t>
+            </a:r>
+          </a:p>
+          <a:p>
+            <a:endParaRPr lang="en-GB" dirty="0"/>
           </a:p>
         </p:txBody>
       </p:sp>
@@ -1209,18 +2857,18 @@
           <a:bodyPr/>
           <a:lstStyle/>
           <a:p>
-            <a:fld id="{8FA8A2D1-8AFF-4635-BD05-DAD4A81F376D}" type="slidenum">
-              <a:rPr lang="de-AT" smtClean="0"/>
-              <a:t>22</a:t>
+            <a:fld id="{F02A8FBC-AF9A-4929-B417-912911A977D6}" type="slidenum">
+              <a:rPr lang="en-GB" smtClean="0"/>
+              <a:t>21</a:t>
             </a:fld>
-            <a:endParaRPr lang="de-AT"/>
+            <a:endParaRPr lang="en-GB"/>
           </a:p>
         </p:txBody>
       </p:sp>
     </p:spTree>
     <p:extLst>
       <p:ext uri="{BB962C8B-B14F-4D97-AF65-F5344CB8AC3E}">
-        <p14:creationId xmlns:p14="http://schemas.microsoft.com/office/powerpoint/2010/main" val="3570326798"/>
+        <p14:creationId xmlns:p14="http://schemas.microsoft.com/office/powerpoint/2010/main" val="3797940835"/>
       </p:ext>
     </p:extLst>
   </p:cSld>
@@ -1275,32 +2923,138 @@
           <a:lstStyle/>
           <a:p>
             <a:r>
+              <a:rPr lang="en-US" dirty="0" smtClean="0"/>
+              <a:t>The SWT-GUI from Team F was not easy to integrate into our Swing-GUI, because they are 2 different toolkits. Fortunately the user interfaces from Team F was not extensive, so we replaced the SWT Message Box with a Swing counterpart.</a:t>
+            </a:r>
+          </a:p>
+          <a:p>
+            <a:r>
+              <a:rPr lang="en-US" dirty="0" smtClean="0"/>
+              <a:t>The payment on account booking was implemented by the </a:t>
+            </a:r>
+            <a:r>
+              <a:rPr lang="en-GB" dirty="0" smtClean="0"/>
+              <a:t>Accommodation </a:t>
+            </a:r>
+            <a:r>
+              <a:rPr lang="en-US" dirty="0" smtClean="0"/>
+              <a:t>-Panel from </a:t>
+            </a:r>
+            <a:r>
+              <a:rPr lang="en-US" dirty="0" smtClean="0"/>
+              <a:t>Team F, due to a conflict with the SWT-Panel integration into a Swing application. </a:t>
+            </a:r>
+          </a:p>
+          <a:p>
+            <a:r>
+              <a:rPr lang="en-US" dirty="0" smtClean="0"/>
+              <a:t>Java don’t allow multiple inheritance. This prevents us to inherit from other adapters. So we override the methods from the superclass of the adapted class.</a:t>
+            </a:r>
+          </a:p>
+          <a:p>
+            <a:endParaRPr lang="de-AT" dirty="0" smtClean="0"/>
+          </a:p>
+          <a:p>
+            <a:r>
               <a:rPr lang="de-AT" dirty="0" err="1" smtClean="0"/>
-              <a:t>Developement</a:t>
+              <a:t>Prepayment</a:t>
             </a:r>
             <a:r>
               <a:rPr lang="de-AT" dirty="0" smtClean="0"/>
-              <a:t>, </a:t>
+              <a:t> (</a:t>
             </a:r>
             <a:r>
               <a:rPr lang="de-AT" dirty="0" err="1" smtClean="0"/>
-              <a:t>trend</a:t>
+              <a:t>own</a:t>
             </a:r>
             <a:r>
               <a:rPr lang="de-AT" dirty="0" smtClean="0"/>
-              <a:t>,</a:t>
-            </a:r>
-            <a:r>
-              <a:rPr lang="de-AT" baseline="0" dirty="0" smtClean="0"/>
-              <a:t> </a:t>
-            </a:r>
-            <a:r>
-              <a:rPr lang="de-AT" baseline="0" dirty="0" err="1" smtClean="0"/>
-              <a:t>improvements</a:t>
-            </a:r>
-            <a:r>
-              <a:rPr lang="de-AT" baseline="0" dirty="0" smtClean="0"/>
-              <a:t>?</a:t>
+              <a:t> </a:t>
+            </a:r>
+            <a:r>
+              <a:rPr lang="de-AT" dirty="0" err="1" smtClean="0"/>
+              <a:t>console</a:t>
+            </a:r>
+            <a:r>
+              <a:rPr lang="de-AT" dirty="0" smtClean="0"/>
+              <a:t>)</a:t>
+            </a:r>
+            <a:r>
+              <a:rPr lang="de-AT" baseline="0" dirty="0" smtClean="0"/>
+              <a:t> </a:t>
+            </a:r>
+            <a:r>
+              <a:rPr lang="de-AT" baseline="0" dirty="0" err="1" smtClean="0"/>
+              <a:t>because</a:t>
+            </a:r>
+            <a:r>
+              <a:rPr lang="de-AT" baseline="0" dirty="0" smtClean="0"/>
+              <a:t> </a:t>
+            </a:r>
+            <a:r>
+              <a:rPr lang="de-AT" baseline="0" dirty="0" err="1" smtClean="0"/>
+              <a:t>of</a:t>
+            </a:r>
+            <a:r>
+              <a:rPr lang="de-AT" baseline="0" dirty="0" smtClean="0"/>
+              <a:t> </a:t>
+            </a:r>
+            <a:r>
+              <a:rPr lang="de-AT" baseline="0" dirty="0" err="1" smtClean="0"/>
+              <a:t>incompatibility</a:t>
+            </a:r>
+            <a:r>
+              <a:rPr lang="de-AT" baseline="0" dirty="0" smtClean="0"/>
+              <a:t> (ok </a:t>
+            </a:r>
+            <a:r>
+              <a:rPr lang="de-AT" baseline="0" dirty="0" err="1" smtClean="0"/>
+              <a:t>from</a:t>
+            </a:r>
+            <a:r>
+              <a:rPr lang="de-AT" baseline="0" dirty="0" smtClean="0"/>
+              <a:t> vollbrecht)</a:t>
+            </a:r>
+          </a:p>
+          <a:p>
+            <a:endParaRPr lang="de-AT" baseline="0" dirty="0" smtClean="0"/>
+          </a:p>
+          <a:p>
+            <a:r>
+              <a:rPr lang="de-AT" baseline="0" dirty="0" smtClean="0"/>
+              <a:t>Day end </a:t>
+            </a:r>
+            <a:r>
+              <a:rPr lang="de-AT" baseline="0" dirty="0" err="1" smtClean="0"/>
+              <a:t>closing</a:t>
+            </a:r>
+            <a:r>
+              <a:rPr lang="de-AT" baseline="0" dirty="0" smtClean="0"/>
+              <a:t> </a:t>
+            </a:r>
+            <a:r>
+              <a:rPr lang="de-AT" baseline="0" dirty="0" err="1" smtClean="0"/>
+              <a:t>onlay</a:t>
+            </a:r>
+            <a:r>
+              <a:rPr lang="de-AT" baseline="0" dirty="0" smtClean="0"/>
+              <a:t> </a:t>
+            </a:r>
+            <a:r>
+              <a:rPr lang="de-AT" baseline="0" dirty="0" err="1" smtClean="0"/>
+              <a:t>one</a:t>
+            </a:r>
+            <a:r>
+              <a:rPr lang="de-AT" baseline="0" dirty="0" smtClean="0"/>
+              <a:t> </a:t>
+            </a:r>
+            <a:r>
+              <a:rPr lang="de-AT" baseline="0" dirty="0" err="1" smtClean="0"/>
+              <a:t>message</a:t>
+            </a:r>
+            <a:r>
+              <a:rPr lang="de-AT" baseline="0" dirty="0" smtClean="0"/>
+              <a:t>-box</a:t>
             </a:r>
             <a:endParaRPr lang="en-GB" dirty="0"/>
           </a:p>
@@ -1323,7 +3077,7 @@
           <a:p>
             <a:fld id="{F02A8FBC-AF9A-4929-B417-912911A977D6}" type="slidenum">
               <a:rPr lang="en-GB" smtClean="0"/>
-              <a:t>23</a:t>
+              <a:t>22</a:t>
             </a:fld>
             <a:endParaRPr lang="en-GB"/>
           </a:p>
@@ -1332,7 +3086,7 @@
     </p:spTree>
     <p:extLst>
       <p:ext uri="{BB962C8B-B14F-4D97-AF65-F5344CB8AC3E}">
-        <p14:creationId xmlns:p14="http://schemas.microsoft.com/office/powerpoint/2010/main" val="2841046747"/>
+        <p14:creationId xmlns:p14="http://schemas.microsoft.com/office/powerpoint/2010/main" val="1688720949"/>
       </p:ext>
     </p:extLst>
   </p:cSld>
@@ -1387,8 +3141,12 @@
           <a:lstStyle/>
           <a:p>
             <a:r>
+              <a:rPr lang="de-AT" dirty="0" smtClean="0"/>
+              <a:t>This codesample </a:t>
+            </a:r>
+            <a:r>
               <a:rPr lang="de-AT" dirty="0" err="1" smtClean="0"/>
-              <a:t>What</a:t>
+              <a:t>shows</a:t>
             </a:r>
             <a:r>
               <a:rPr lang="de-AT" dirty="0" smtClean="0"/>
@@ -1396,23 +3154,211 @@
             </a:r>
             <a:r>
               <a:rPr lang="de-AT" dirty="0" err="1" smtClean="0"/>
-              <a:t>would</a:t>
-            </a:r>
-            <a:r>
-              <a:rPr lang="de-AT" baseline="0" dirty="0" smtClean="0"/>
-              <a:t> </a:t>
-            </a:r>
-            <a:r>
-              <a:rPr lang="de-AT" baseline="0" dirty="0" err="1" smtClean="0"/>
-              <a:t>be</a:t>
-            </a:r>
-            <a:r>
-              <a:rPr lang="de-AT" baseline="0" dirty="0" smtClean="0"/>
-              <a:t> </a:t>
-            </a:r>
-            <a:r>
-              <a:rPr lang="de-AT" baseline="0" dirty="0" err="1" smtClean="0"/>
-              <a:t>done</a:t>
+              <a:t>how</a:t>
+            </a:r>
+            <a:r>
+              <a:rPr lang="de-AT" dirty="0" smtClean="0"/>
+              <a:t> easy </a:t>
+            </a:r>
+            <a:r>
+              <a:rPr lang="de-AT" dirty="0" err="1" smtClean="0"/>
+              <a:t>it</a:t>
+            </a:r>
+            <a:r>
+              <a:rPr lang="de-AT" dirty="0" smtClean="0"/>
+              <a:t> </a:t>
+            </a:r>
+            <a:r>
+              <a:rPr lang="de-AT" dirty="0" err="1" smtClean="0"/>
+              <a:t>is</a:t>
+            </a:r>
+            <a:r>
+              <a:rPr lang="de-AT" baseline="0" dirty="0" smtClean="0"/>
+              <a:t> </a:t>
+            </a:r>
+            <a:r>
+              <a:rPr lang="de-AT" baseline="0" dirty="0" err="1" smtClean="0"/>
+              <a:t>to</a:t>
+            </a:r>
+            <a:r>
+              <a:rPr lang="de-AT" baseline="0" dirty="0" smtClean="0"/>
+              <a:t> </a:t>
+            </a:r>
+            <a:r>
+              <a:rPr lang="de-AT" baseline="0" dirty="0" err="1" smtClean="0"/>
+              <a:t>use</a:t>
+            </a:r>
+            <a:r>
+              <a:rPr lang="de-AT" baseline="0" dirty="0" smtClean="0"/>
+              <a:t> </a:t>
+            </a:r>
+            <a:r>
+              <a:rPr lang="de-AT" baseline="0" dirty="0" err="1" smtClean="0"/>
+              <a:t>ajax</a:t>
+            </a:r>
+            <a:r>
+              <a:rPr lang="de-AT" baseline="0" dirty="0" smtClean="0"/>
+              <a:t> </a:t>
+            </a:r>
+            <a:r>
+              <a:rPr lang="de-AT" baseline="0" dirty="0" err="1" smtClean="0"/>
+              <a:t>with</a:t>
+            </a:r>
+            <a:r>
+              <a:rPr lang="de-AT" baseline="0" dirty="0" smtClean="0"/>
+              <a:t> </a:t>
+            </a:r>
+            <a:r>
+              <a:rPr lang="de-AT" baseline="0" dirty="0" err="1" smtClean="0"/>
+              <a:t>jsf</a:t>
+            </a:r>
+            <a:r>
+              <a:rPr lang="de-AT" baseline="0" dirty="0" smtClean="0"/>
+              <a:t>. </a:t>
+            </a:r>
+            <a:r>
+              <a:rPr lang="de-AT" baseline="0" dirty="0" err="1" smtClean="0"/>
+              <a:t>Only</a:t>
+            </a:r>
+            <a:r>
+              <a:rPr lang="de-AT" baseline="0" dirty="0" smtClean="0"/>
+              <a:t> </a:t>
+            </a:r>
+            <a:r>
+              <a:rPr lang="de-AT" baseline="0" dirty="0" err="1" smtClean="0"/>
+              <a:t>the</a:t>
+            </a:r>
+            <a:r>
+              <a:rPr lang="de-AT" baseline="0" dirty="0" smtClean="0"/>
+              <a:t> &lt;</a:t>
+            </a:r>
+            <a:r>
+              <a:rPr lang="de-AT" baseline="0" dirty="0" err="1" smtClean="0"/>
+              <a:t>f:ajax</a:t>
+            </a:r>
+            <a:r>
+              <a:rPr lang="de-AT" baseline="0" dirty="0" smtClean="0"/>
+              <a:t> tag </a:t>
+            </a:r>
+            <a:r>
+              <a:rPr lang="de-AT" baseline="0" dirty="0" err="1" smtClean="0"/>
+              <a:t>is</a:t>
+            </a:r>
+            <a:r>
+              <a:rPr lang="de-AT" baseline="0" dirty="0" smtClean="0"/>
+              <a:t> </a:t>
+            </a:r>
+            <a:r>
+              <a:rPr lang="de-AT" baseline="0" smtClean="0"/>
+              <a:t>needed</a:t>
+            </a:r>
+            <a:endParaRPr lang="de-AT" dirty="0"/>
+          </a:p>
+        </p:txBody>
+      </p:sp>
+      <p:sp>
+        <p:nvSpPr>
+          <p:cNvPr id="4" name="Foliennummernplatzhalter 3"/>
+          <p:cNvSpPr>
+            <a:spLocks noGrp="1"/>
+          </p:cNvSpPr>
+          <p:nvPr>
+            <p:ph type="sldNum" sz="quarter" idx="10"/>
+          </p:nvPr>
+        </p:nvSpPr>
+        <p:spPr/>
+        <p:txBody>
+          <a:bodyPr/>
+          <a:lstStyle/>
+          <a:p>
+            <a:fld id="{8FA8A2D1-8AFF-4635-BD05-DAD4A81F376D}" type="slidenum">
+              <a:rPr lang="de-AT" smtClean="0"/>
+              <a:t>23</a:t>
+            </a:fld>
+            <a:endParaRPr lang="de-AT"/>
+          </a:p>
+        </p:txBody>
+      </p:sp>
+    </p:spTree>
+    <p:extLst>
+      <p:ext uri="{BB962C8B-B14F-4D97-AF65-F5344CB8AC3E}">
+        <p14:creationId xmlns:p14="http://schemas.microsoft.com/office/powerpoint/2010/main" val="3570326798"/>
+      </p:ext>
+    </p:extLst>
+  </p:cSld>
+  <p:clrMapOvr>
+    <a:masterClrMapping/>
+  </p:clrMapOvr>
+</p:notes>
+</file>
+
+<file path=ppt/notesSlides/notesSlide16.xml><?xml version="1.0" encoding="utf-8"?>
+<p:notes xmlns:a="http://schemas.openxmlformats.org/drawingml/2006/main" xmlns:r="http://schemas.openxmlformats.org/officeDocument/2006/relationships" xmlns:p="http://schemas.openxmlformats.org/presentationml/2006/main">
+  <p:cSld>
+    <p:spTree>
+      <p:nvGrpSpPr>
+        <p:cNvPr id="1" name=""/>
+        <p:cNvGrpSpPr/>
+        <p:nvPr/>
+      </p:nvGrpSpPr>
+      <p:grpSpPr>
+        <a:xfrm>
+          <a:off x="0" y="0"/>
+          <a:ext cx="0" cy="0"/>
+          <a:chOff x="0" y="0"/>
+          <a:chExt cx="0" cy="0"/>
+        </a:xfrm>
+      </p:grpSpPr>
+      <p:sp>
+        <p:nvSpPr>
+          <p:cNvPr id="2" name="Folienbildplatzhalter 1"/>
+          <p:cNvSpPr>
+            <a:spLocks noGrp="1" noRot="1" noChangeAspect="1"/>
+          </p:cNvSpPr>
+          <p:nvPr>
+            <p:ph type="sldImg"/>
+          </p:nvPr>
+        </p:nvSpPr>
+        <p:spPr/>
+      </p:sp>
+      <p:sp>
+        <p:nvSpPr>
+          <p:cNvPr id="3" name="Notizenplatzhalter 2"/>
+          <p:cNvSpPr>
+            <a:spLocks noGrp="1"/>
+          </p:cNvSpPr>
+          <p:nvPr>
+            <p:ph type="body" idx="1"/>
+          </p:nvPr>
+        </p:nvSpPr>
+        <p:spPr/>
+        <p:txBody>
+          <a:bodyPr/>
+          <a:lstStyle/>
+          <a:p>
+            <a:r>
+              <a:rPr lang="de-AT" dirty="0" err="1" smtClean="0"/>
+              <a:t>Developement</a:t>
+            </a:r>
+            <a:r>
+              <a:rPr lang="de-AT" dirty="0" smtClean="0"/>
+              <a:t>, </a:t>
+            </a:r>
+            <a:r>
+              <a:rPr lang="de-AT" dirty="0" err="1" smtClean="0"/>
+              <a:t>trend</a:t>
+            </a:r>
+            <a:r>
+              <a:rPr lang="de-AT" dirty="0" smtClean="0"/>
+              <a:t>,</a:t>
+            </a:r>
+            <a:r>
+              <a:rPr lang="de-AT" baseline="0" dirty="0" smtClean="0"/>
+              <a:t> </a:t>
+            </a:r>
+            <a:r>
+              <a:rPr lang="de-AT" baseline="0" dirty="0" err="1" smtClean="0"/>
+              <a:t>improvements</a:t>
             </a:r>
             <a:r>
               <a:rPr lang="de-AT" baseline="0" dirty="0" smtClean="0"/>
@@ -1440,6 +3386,122 @@
             <a:fld id="{F02A8FBC-AF9A-4929-B417-912911A977D6}" type="slidenum">
               <a:rPr lang="en-GB" smtClean="0"/>
               <a:t>24</a:t>
+            </a:fld>
+            <a:endParaRPr lang="en-GB"/>
+          </a:p>
+        </p:txBody>
+      </p:sp>
+    </p:spTree>
+    <p:extLst>
+      <p:ext uri="{BB962C8B-B14F-4D97-AF65-F5344CB8AC3E}">
+        <p14:creationId xmlns:p14="http://schemas.microsoft.com/office/powerpoint/2010/main" val="2841046747"/>
+      </p:ext>
+    </p:extLst>
+  </p:cSld>
+  <p:clrMapOvr>
+    <a:masterClrMapping/>
+  </p:clrMapOvr>
+</p:notes>
+</file>
+
+<file path=ppt/notesSlides/notesSlide17.xml><?xml version="1.0" encoding="utf-8"?>
+<p:notes xmlns:a="http://schemas.openxmlformats.org/drawingml/2006/main" xmlns:r="http://schemas.openxmlformats.org/officeDocument/2006/relationships" xmlns:p="http://schemas.openxmlformats.org/presentationml/2006/main">
+  <p:cSld>
+    <p:spTree>
+      <p:nvGrpSpPr>
+        <p:cNvPr id="1" name=""/>
+        <p:cNvGrpSpPr/>
+        <p:nvPr/>
+      </p:nvGrpSpPr>
+      <p:grpSpPr>
+        <a:xfrm>
+          <a:off x="0" y="0"/>
+          <a:ext cx="0" cy="0"/>
+          <a:chOff x="0" y="0"/>
+          <a:chExt cx="0" cy="0"/>
+        </a:xfrm>
+      </p:grpSpPr>
+      <p:sp>
+        <p:nvSpPr>
+          <p:cNvPr id="2" name="Folienbildplatzhalter 1"/>
+          <p:cNvSpPr>
+            <a:spLocks noGrp="1" noRot="1" noChangeAspect="1"/>
+          </p:cNvSpPr>
+          <p:nvPr>
+            <p:ph type="sldImg"/>
+          </p:nvPr>
+        </p:nvSpPr>
+        <p:spPr/>
+      </p:sp>
+      <p:sp>
+        <p:nvSpPr>
+          <p:cNvPr id="3" name="Notizenplatzhalter 2"/>
+          <p:cNvSpPr>
+            <a:spLocks noGrp="1"/>
+          </p:cNvSpPr>
+          <p:nvPr>
+            <p:ph type="body" idx="1"/>
+          </p:nvPr>
+        </p:nvSpPr>
+        <p:spPr/>
+        <p:txBody>
+          <a:bodyPr/>
+          <a:lstStyle/>
+          <a:p>
+            <a:r>
+              <a:rPr lang="de-AT" dirty="0" err="1" smtClean="0"/>
+              <a:t>What</a:t>
+            </a:r>
+            <a:r>
+              <a:rPr lang="de-AT" dirty="0" smtClean="0"/>
+              <a:t> </a:t>
+            </a:r>
+            <a:r>
+              <a:rPr lang="de-AT" dirty="0" err="1" smtClean="0"/>
+              <a:t>would</a:t>
+            </a:r>
+            <a:r>
+              <a:rPr lang="de-AT" baseline="0" dirty="0" smtClean="0"/>
+              <a:t> </a:t>
+            </a:r>
+            <a:r>
+              <a:rPr lang="de-AT" baseline="0" dirty="0" err="1" smtClean="0"/>
+              <a:t>be</a:t>
+            </a:r>
+            <a:r>
+              <a:rPr lang="de-AT" baseline="0" dirty="0" smtClean="0"/>
+              <a:t> </a:t>
+            </a:r>
+            <a:r>
+              <a:rPr lang="de-AT" baseline="0" dirty="0" err="1" smtClean="0"/>
+              <a:t>done</a:t>
+            </a:r>
+            <a:r>
+              <a:rPr lang="de-AT" baseline="0" dirty="0" smtClean="0"/>
+              <a:t>?</a:t>
+            </a:r>
+            <a:endParaRPr lang="en-GB" dirty="0"/>
+          </a:p>
+        </p:txBody>
+      </p:sp>
+      <p:sp>
+        <p:nvSpPr>
+          <p:cNvPr id="4" name="Foliennummernplatzhalter 3"/>
+          <p:cNvSpPr>
+            <a:spLocks noGrp="1"/>
+          </p:cNvSpPr>
+          <p:nvPr>
+            <p:ph type="sldNum" sz="quarter" idx="10"/>
+          </p:nvPr>
+        </p:nvSpPr>
+        <p:spPr/>
+        <p:txBody>
+          <a:bodyPr/>
+          <a:lstStyle/>
+          <a:p>
+            <a:fld id="{F02A8FBC-AF9A-4929-B417-912911A977D6}" type="slidenum">
+              <a:rPr lang="en-GB" smtClean="0"/>
+              <a:t>25</a:t>
             </a:fld>
             <a:endParaRPr lang="en-GB"/>
           </a:p>
@@ -1502,6 +3564,90 @@
           <a:bodyPr/>
           <a:lstStyle/>
           <a:p>
+            <a:endParaRPr lang="en-GB" dirty="0"/>
+          </a:p>
+        </p:txBody>
+      </p:sp>
+      <p:sp>
+        <p:nvSpPr>
+          <p:cNvPr id="4" name="Foliennummernplatzhalter 3"/>
+          <p:cNvSpPr>
+            <a:spLocks noGrp="1"/>
+          </p:cNvSpPr>
+          <p:nvPr>
+            <p:ph type="sldNum" sz="quarter" idx="10"/>
+          </p:nvPr>
+        </p:nvSpPr>
+        <p:spPr/>
+        <p:txBody>
+          <a:bodyPr/>
+          <a:lstStyle/>
+          <a:p>
+            <a:fld id="{F02A8FBC-AF9A-4929-B417-912911A977D6}" type="slidenum">
+              <a:rPr lang="en-GB" smtClean="0"/>
+              <a:t>2</a:t>
+            </a:fld>
+            <a:endParaRPr lang="en-GB"/>
+          </a:p>
+        </p:txBody>
+      </p:sp>
+    </p:spTree>
+    <p:extLst>
+      <p:ext uri="{BB962C8B-B14F-4D97-AF65-F5344CB8AC3E}">
+        <p14:creationId xmlns:p14="http://schemas.microsoft.com/office/powerpoint/2010/main" val="2386758982"/>
+      </p:ext>
+    </p:extLst>
+  </p:cSld>
+  <p:clrMapOvr>
+    <a:masterClrMapping/>
+  </p:clrMapOvr>
+</p:notes>
+</file>
+
+<file path=ppt/notesSlides/notesSlide3.xml><?xml version="1.0" encoding="utf-8"?>
+<p:notes xmlns:a="http://schemas.openxmlformats.org/drawingml/2006/main" xmlns:r="http://schemas.openxmlformats.org/officeDocument/2006/relationships" xmlns:p="http://schemas.openxmlformats.org/presentationml/2006/main">
+  <p:cSld>
+    <p:spTree>
+      <p:nvGrpSpPr>
+        <p:cNvPr id="1" name=""/>
+        <p:cNvGrpSpPr/>
+        <p:nvPr/>
+      </p:nvGrpSpPr>
+      <p:grpSpPr>
+        <a:xfrm>
+          <a:off x="0" y="0"/>
+          <a:ext cx="0" cy="0"/>
+          <a:chOff x="0" y="0"/>
+          <a:chExt cx="0" cy="0"/>
+        </a:xfrm>
+      </p:grpSpPr>
+      <p:sp>
+        <p:nvSpPr>
+          <p:cNvPr id="2" name="Folienbildplatzhalter 1"/>
+          <p:cNvSpPr>
+            <a:spLocks noGrp="1" noRot="1" noChangeAspect="1"/>
+          </p:cNvSpPr>
+          <p:nvPr>
+            <p:ph type="sldImg"/>
+          </p:nvPr>
+        </p:nvSpPr>
+        <p:spPr/>
+      </p:sp>
+      <p:sp>
+        <p:nvSpPr>
+          <p:cNvPr id="3" name="Notizenplatzhalter 2"/>
+          <p:cNvSpPr>
+            <a:spLocks noGrp="1"/>
+          </p:cNvSpPr>
+          <p:nvPr>
+            <p:ph type="body" idx="1"/>
+          </p:nvPr>
+        </p:nvSpPr>
+        <p:spPr/>
+        <p:txBody>
+          <a:bodyPr/>
+          <a:lstStyle/>
+          <a:p>
             <a:r>
               <a:rPr lang="de-AT" dirty="0" err="1" smtClean="0"/>
               <a:t>Introduction</a:t>
@@ -1546,7 +3692,7 @@
 </p:notes>
 </file>
 
-<file path=ppt/notesSlides/notesSlide3.xml><?xml version="1.0" encoding="utf-8"?>
+<file path=ppt/notesSlides/notesSlide4.xml><?xml version="1.0" encoding="utf-8"?>
 <p:notes xmlns:a="http://schemas.openxmlformats.org/drawingml/2006/main" xmlns:r="http://schemas.openxmlformats.org/officeDocument/2006/relationships" xmlns:p="http://schemas.openxmlformats.org/presentationml/2006/main">
   <p:cSld>
     <p:bg>
@@ -1704,7 +3850,7 @@
 </p:notes>
 </file>
 
-<file path=ppt/notesSlides/notesSlide4.xml><?xml version="1.0" encoding="utf-8"?>
+<file path=ppt/notesSlides/notesSlide5.xml><?xml version="1.0" encoding="utf-8"?>
 <p:notes xmlns:a="http://schemas.openxmlformats.org/drawingml/2006/main" xmlns:r="http://schemas.openxmlformats.org/officeDocument/2006/relationships" xmlns:p="http://schemas.openxmlformats.org/presentationml/2006/main">
   <p:cSld>
     <p:bg>
@@ -1767,8 +3913,8 @@
         </p:nvSpPr>
         <p:spPr bwMode="auto">
           <a:xfrm>
-            <a:off x="1003786" y="695134"/>
-            <a:ext cx="4848989" cy="3428152"/>
+            <a:off x="1143000" y="695325"/>
+            <a:ext cx="4570413" cy="3427413"/>
           </a:xfrm>
           <a:prstGeom prst="rect">
             <a:avLst/>
@@ -1862,7 +4008,7 @@
 </p:notes>
 </file>
 
-<file path=ppt/notesSlides/notesSlide5.xml><?xml version="1.0" encoding="utf-8"?>
+<file path=ppt/notesSlides/notesSlide6.xml><?xml version="1.0" encoding="utf-8"?>
 <p:notes xmlns:a="http://schemas.openxmlformats.org/drawingml/2006/main" xmlns:r="http://schemas.openxmlformats.org/officeDocument/2006/relationships" xmlns:p="http://schemas.openxmlformats.org/presentationml/2006/main">
   <p:cSld>
     <p:bg>
@@ -2020,7 +4166,7 @@
 </p:notes>
 </file>
 
-<file path=ppt/notesSlides/notesSlide6.xml><?xml version="1.0" encoding="utf-8"?>
+<file path=ppt/notesSlides/notesSlide7.xml><?xml version="1.0" encoding="utf-8"?>
 <p:notes xmlns:a="http://schemas.openxmlformats.org/drawingml/2006/main" xmlns:r="http://schemas.openxmlformats.org/officeDocument/2006/relationships" xmlns:p="http://schemas.openxmlformats.org/presentationml/2006/main">
   <p:cSld>
     <p:bg>
@@ -2178,98 +4324,6 @@
 </p:notes>
 </file>
 
-<file path=ppt/notesSlides/notesSlide7.xml><?xml version="1.0" encoding="utf-8"?>
-<p:notes xmlns:a="http://schemas.openxmlformats.org/drawingml/2006/main" xmlns:r="http://schemas.openxmlformats.org/officeDocument/2006/relationships" xmlns:p="http://schemas.openxmlformats.org/presentationml/2006/main">
-  <p:cSld>
-    <p:spTree>
-      <p:nvGrpSpPr>
-        <p:cNvPr id="1" name=""/>
-        <p:cNvGrpSpPr/>
-        <p:nvPr/>
-      </p:nvGrpSpPr>
-      <p:grpSpPr>
-        <a:xfrm>
-          <a:off x="0" y="0"/>
-          <a:ext cx="0" cy="0"/>
-          <a:chOff x="0" y="0"/>
-          <a:chExt cx="0" cy="0"/>
-        </a:xfrm>
-      </p:grpSpPr>
-      <p:sp>
-        <p:nvSpPr>
-          <p:cNvPr id="2" name="Folienbildplatzhalter 1"/>
-          <p:cNvSpPr>
-            <a:spLocks noGrp="1" noRot="1" noChangeAspect="1"/>
-          </p:cNvSpPr>
-          <p:nvPr>
-            <p:ph type="sldImg"/>
-          </p:nvPr>
-        </p:nvSpPr>
-        <p:spPr/>
-      </p:sp>
-      <p:sp>
-        <p:nvSpPr>
-          <p:cNvPr id="3" name="Notizenplatzhalter 2"/>
-          <p:cNvSpPr>
-            <a:spLocks noGrp="1"/>
-          </p:cNvSpPr>
-          <p:nvPr>
-            <p:ph type="body" idx="1"/>
-          </p:nvPr>
-        </p:nvSpPr>
-        <p:spPr/>
-        <p:txBody>
-          <a:bodyPr/>
-          <a:lstStyle/>
-          <a:p>
-            <a:r>
-              <a:rPr lang="de-AT" dirty="0" smtClean="0"/>
-              <a:t>Schaut</a:t>
-            </a:r>
-            <a:r>
-              <a:rPr lang="de-AT" baseline="0" dirty="0" smtClean="0"/>
-              <a:t> unübersichtlich aus! Eventuell nur ein Pfeil anstatt den vielen.</a:t>
-            </a:r>
-            <a:endParaRPr lang="en-GB" dirty="0"/>
-          </a:p>
-        </p:txBody>
-      </p:sp>
-      <p:sp>
-        <p:nvSpPr>
-          <p:cNvPr id="4" name="Foliennummernplatzhalter 3"/>
-          <p:cNvSpPr>
-            <a:spLocks noGrp="1"/>
-          </p:cNvSpPr>
-          <p:nvPr>
-            <p:ph type="sldNum" sz="quarter" idx="10"/>
-          </p:nvPr>
-        </p:nvSpPr>
-        <p:spPr/>
-        <p:txBody>
-          <a:bodyPr/>
-          <a:lstStyle/>
-          <a:p>
-            <a:fld id="{F02A8FBC-AF9A-4929-B417-912911A977D6}" type="slidenum">
-              <a:rPr lang="en-GB" smtClean="0"/>
-              <a:t>13</a:t>
-            </a:fld>
-            <a:endParaRPr lang="en-GB"/>
-          </a:p>
-        </p:txBody>
-      </p:sp>
-    </p:spTree>
-    <p:extLst>
-      <p:ext uri="{BB962C8B-B14F-4D97-AF65-F5344CB8AC3E}">
-        <p14:creationId xmlns:p14="http://schemas.microsoft.com/office/powerpoint/2010/main" val="2655761818"/>
-      </p:ext>
-    </p:extLst>
-  </p:cSld>
-  <p:clrMapOvr>
-    <a:masterClrMapping/>
-  </p:clrMapOvr>
-</p:notes>
-</file>
-
 <file path=ppt/notesSlides/notesSlide8.xml><?xml version="1.0" encoding="utf-8"?>
 <p:notes xmlns:a="http://schemas.openxmlformats.org/drawingml/2006/main" xmlns:r="http://schemas.openxmlformats.org/officeDocument/2006/relationships" xmlns:p="http://schemas.openxmlformats.org/presentationml/2006/main">
   <p:cSld>
@@ -2316,985 +4370,13 @@
           <a:p>
             <a:r>
               <a:rPr lang="de-AT" dirty="0" smtClean="0"/>
-              <a:t>Eigenes </a:t>
-            </a:r>
-            <a:r>
-              <a:rPr lang="de-AT" smtClean="0"/>
-              <a:t>Diagramm</a:t>
-            </a:r>
-            <a:r>
-              <a:rPr lang="de-AT" baseline="0" smtClean="0"/>
-              <a:t> erstellen?</a:t>
-            </a:r>
-            <a:endParaRPr lang="de-AT" baseline="0" dirty="0" smtClean="0"/>
-          </a:p>
-          <a:p>
-            <a:endParaRPr lang="de-AT" baseline="0" dirty="0" smtClean="0"/>
-          </a:p>
-          <a:p>
-            <a:r>
-              <a:rPr lang="de-AT" baseline="0" dirty="0" err="1" smtClean="0"/>
-              <a:t>Our</a:t>
-            </a:r>
-            <a:r>
-              <a:rPr lang="de-AT" baseline="0" dirty="0" smtClean="0"/>
-              <a:t> </a:t>
-            </a:r>
-            <a:r>
-              <a:rPr lang="de-AT" baseline="0" dirty="0" err="1" smtClean="0"/>
-              <a:t>team</a:t>
-            </a:r>
-            <a:r>
-              <a:rPr lang="de-AT" baseline="0" dirty="0" smtClean="0"/>
-              <a:t> </a:t>
-            </a:r>
-            <a:r>
-              <a:rPr lang="de-AT" baseline="0" dirty="0" err="1" smtClean="0"/>
-              <a:t>made</a:t>
-            </a:r>
-            <a:r>
-              <a:rPr lang="de-AT" baseline="0" dirty="0" smtClean="0"/>
-              <a:t> </a:t>
-            </a:r>
-            <a:r>
-              <a:rPr lang="de-AT" baseline="0" dirty="0" err="1" smtClean="0"/>
-              <a:t>the</a:t>
-            </a:r>
-            <a:r>
-              <a:rPr lang="de-AT" baseline="0" dirty="0" smtClean="0"/>
-              <a:t> </a:t>
-            </a:r>
-            <a:r>
-              <a:rPr lang="de-AT" baseline="0" dirty="0" err="1" smtClean="0"/>
-              <a:t>decission</a:t>
-            </a:r>
-            <a:r>
-              <a:rPr lang="de-AT" baseline="0" dirty="0" smtClean="0"/>
-              <a:t> </a:t>
-            </a:r>
-            <a:r>
-              <a:rPr lang="de-AT" baseline="0" dirty="0" err="1" smtClean="0"/>
-              <a:t>to</a:t>
-            </a:r>
-            <a:r>
-              <a:rPr lang="de-AT" baseline="0" dirty="0" smtClean="0"/>
-              <a:t> </a:t>
-            </a:r>
-            <a:r>
-              <a:rPr lang="de-AT" baseline="0" dirty="0" err="1" smtClean="0"/>
-              <a:t>use</a:t>
-            </a:r>
-            <a:r>
-              <a:rPr lang="de-AT" baseline="0" dirty="0" smtClean="0"/>
-              <a:t> </a:t>
-            </a:r>
-            <a:r>
-              <a:rPr lang="de-AT" baseline="0" dirty="0" err="1" smtClean="0"/>
-              <a:t>the</a:t>
-            </a:r>
-            <a:r>
-              <a:rPr lang="de-AT" baseline="0" dirty="0" smtClean="0"/>
-              <a:t> </a:t>
-            </a:r>
-            <a:r>
-              <a:rPr lang="de-AT" baseline="0" dirty="0" err="1" smtClean="0"/>
-              <a:t>state</a:t>
-            </a:r>
-            <a:r>
-              <a:rPr lang="de-AT" baseline="0" dirty="0" smtClean="0"/>
-              <a:t> </a:t>
-            </a:r>
-            <a:r>
-              <a:rPr lang="de-AT" baseline="0" dirty="0" err="1" smtClean="0"/>
-              <a:t>pattern</a:t>
-            </a:r>
-            <a:r>
-              <a:rPr lang="de-AT" baseline="0" dirty="0" smtClean="0"/>
-              <a:t> in </a:t>
-            </a:r>
-            <a:r>
-              <a:rPr lang="de-AT" baseline="0" dirty="0" err="1" smtClean="0"/>
-              <a:t>our</a:t>
-            </a:r>
-            <a:r>
-              <a:rPr lang="de-AT" baseline="0" dirty="0" smtClean="0"/>
-              <a:t> </a:t>
-            </a:r>
-            <a:r>
-              <a:rPr lang="de-AT" baseline="0" dirty="0" err="1" smtClean="0"/>
-              <a:t>use</a:t>
-            </a:r>
-            <a:r>
-              <a:rPr lang="de-AT" baseline="0" dirty="0" smtClean="0"/>
-              <a:t> </a:t>
-            </a:r>
-            <a:r>
-              <a:rPr lang="de-AT" baseline="0" dirty="0" err="1" smtClean="0"/>
-              <a:t>case</a:t>
-            </a:r>
-            <a:r>
-              <a:rPr lang="de-AT" baseline="0" dirty="0" smtClean="0"/>
-              <a:t> </a:t>
-            </a:r>
-            <a:r>
-              <a:rPr lang="de-AT" baseline="0" dirty="0" err="1" smtClean="0"/>
-              <a:t>controllers</a:t>
-            </a:r>
-            <a:r>
-              <a:rPr lang="de-AT" baseline="0" dirty="0" smtClean="0"/>
-              <a:t>.</a:t>
-            </a:r>
-          </a:p>
-          <a:p>
-            <a:r>
-              <a:rPr lang="de-AT" baseline="0" dirty="0" err="1" smtClean="0"/>
-              <a:t>For</a:t>
-            </a:r>
-            <a:r>
-              <a:rPr lang="de-AT" baseline="0" dirty="0" smtClean="0"/>
-              <a:t> </a:t>
-            </a:r>
-            <a:r>
-              <a:rPr lang="de-AT" baseline="0" dirty="0" err="1" smtClean="0"/>
-              <a:t>each</a:t>
-            </a:r>
-            <a:r>
-              <a:rPr lang="de-AT" baseline="0" dirty="0" smtClean="0"/>
-              <a:t> </a:t>
-            </a:r>
-            <a:r>
-              <a:rPr lang="de-AT" baseline="0" dirty="0" err="1" smtClean="0"/>
-              <a:t>step</a:t>
-            </a:r>
-            <a:r>
-              <a:rPr lang="de-AT" baseline="0" dirty="0" smtClean="0"/>
-              <a:t> in </a:t>
-            </a:r>
-            <a:r>
-              <a:rPr lang="de-AT" baseline="0" dirty="0" err="1" smtClean="0"/>
-              <a:t>the</a:t>
-            </a:r>
-            <a:r>
-              <a:rPr lang="de-AT" baseline="0" dirty="0" smtClean="0"/>
-              <a:t> </a:t>
-            </a:r>
-            <a:r>
-              <a:rPr lang="de-AT" baseline="0" dirty="0" err="1" smtClean="0"/>
-              <a:t>process</a:t>
-            </a:r>
-            <a:r>
-              <a:rPr lang="de-AT" baseline="0" dirty="0" smtClean="0"/>
-              <a:t>, </a:t>
-            </a:r>
-            <a:r>
-              <a:rPr lang="de-AT" baseline="0" dirty="0" err="1" smtClean="0"/>
-              <a:t>displayed</a:t>
-            </a:r>
-            <a:r>
-              <a:rPr lang="de-AT" baseline="0" dirty="0" smtClean="0"/>
-              <a:t> </a:t>
-            </a:r>
-            <a:r>
-              <a:rPr lang="de-AT" baseline="0" dirty="0" err="1" smtClean="0"/>
-              <a:t>as</a:t>
-            </a:r>
-            <a:r>
-              <a:rPr lang="de-AT" baseline="0" dirty="0" smtClean="0"/>
-              <a:t> a </a:t>
-            </a:r>
-            <a:r>
-              <a:rPr lang="de-AT" baseline="0" dirty="0" err="1" smtClean="0"/>
-              <a:t>single</a:t>
-            </a:r>
-            <a:r>
-              <a:rPr lang="de-AT" baseline="0" dirty="0" smtClean="0"/>
-              <a:t> </a:t>
-            </a:r>
-            <a:r>
-              <a:rPr lang="de-AT" baseline="0" dirty="0" err="1" smtClean="0"/>
-              <a:t>view</a:t>
-            </a:r>
-            <a:r>
-              <a:rPr lang="de-AT" baseline="0" dirty="0" smtClean="0"/>
-              <a:t> in </a:t>
-            </a:r>
-            <a:r>
-              <a:rPr lang="de-AT" baseline="0" dirty="0" err="1" smtClean="0"/>
-              <a:t>the</a:t>
-            </a:r>
-            <a:r>
-              <a:rPr lang="de-AT" baseline="0" dirty="0" smtClean="0"/>
-              <a:t> </a:t>
-            </a:r>
-            <a:r>
-              <a:rPr lang="de-AT" baseline="0" dirty="0" err="1" smtClean="0"/>
-              <a:t>user</a:t>
-            </a:r>
-            <a:r>
-              <a:rPr lang="de-AT" baseline="0" dirty="0" smtClean="0"/>
-              <a:t> </a:t>
-            </a:r>
-            <a:r>
-              <a:rPr lang="de-AT" baseline="0" dirty="0" err="1" smtClean="0"/>
-              <a:t>interface</a:t>
-            </a:r>
-            <a:r>
-              <a:rPr lang="de-AT" baseline="0" dirty="0" smtClean="0"/>
-              <a:t> </a:t>
-            </a:r>
-            <a:r>
-              <a:rPr lang="de-AT" baseline="0" dirty="0" err="1" smtClean="0"/>
-              <a:t>we</a:t>
-            </a:r>
-            <a:r>
-              <a:rPr lang="de-AT" baseline="0" dirty="0" smtClean="0"/>
-              <a:t> </a:t>
-            </a:r>
-            <a:r>
-              <a:rPr lang="de-AT" baseline="0" dirty="0" err="1" smtClean="0"/>
-              <a:t>created</a:t>
-            </a:r>
-            <a:r>
-              <a:rPr lang="de-AT" baseline="0" dirty="0" smtClean="0"/>
-              <a:t> </a:t>
-            </a:r>
-            <a:r>
-              <a:rPr lang="de-AT" baseline="0" dirty="0" err="1" smtClean="0"/>
-              <a:t>one</a:t>
-            </a:r>
-            <a:r>
-              <a:rPr lang="de-AT" baseline="0" dirty="0" smtClean="0"/>
-              <a:t> </a:t>
-            </a:r>
-            <a:r>
-              <a:rPr lang="de-AT" baseline="0" dirty="0" err="1" smtClean="0"/>
-              <a:t>state</a:t>
-            </a:r>
-            <a:r>
-              <a:rPr lang="de-AT" baseline="0" dirty="0" smtClean="0"/>
-              <a:t>.</a:t>
-            </a:r>
-          </a:p>
-          <a:p>
-            <a:r>
-              <a:rPr lang="de-AT" baseline="0" dirty="0" err="1" smtClean="0"/>
-              <a:t>From</a:t>
-            </a:r>
-            <a:r>
-              <a:rPr lang="de-AT" baseline="0" dirty="0" smtClean="0"/>
-              <a:t> </a:t>
-            </a:r>
-            <a:r>
-              <a:rPr lang="de-AT" baseline="0" dirty="0" err="1" smtClean="0"/>
-              <a:t>the</a:t>
-            </a:r>
-            <a:r>
-              <a:rPr lang="de-AT" baseline="0" dirty="0" smtClean="0"/>
-              <a:t> outside, </a:t>
-            </a:r>
-            <a:r>
-              <a:rPr lang="de-AT" baseline="0" dirty="0" err="1" smtClean="0"/>
-              <a:t>we</a:t>
-            </a:r>
-            <a:r>
-              <a:rPr lang="de-AT" baseline="0" dirty="0" smtClean="0"/>
-              <a:t> </a:t>
-            </a:r>
-            <a:r>
-              <a:rPr lang="de-AT" baseline="0" dirty="0" err="1" smtClean="0"/>
-              <a:t>always</a:t>
-            </a:r>
-            <a:r>
-              <a:rPr lang="de-AT" baseline="0" dirty="0" smtClean="0"/>
-              <a:t> </a:t>
-            </a:r>
-            <a:r>
-              <a:rPr lang="de-AT" baseline="0" dirty="0" err="1" smtClean="0"/>
-              <a:t>use</a:t>
-            </a:r>
-            <a:r>
-              <a:rPr lang="de-AT" baseline="0" dirty="0" smtClean="0"/>
-              <a:t> </a:t>
-            </a:r>
-            <a:r>
-              <a:rPr lang="de-AT" baseline="0" dirty="0" err="1" smtClean="0"/>
-              <a:t>the</a:t>
-            </a:r>
-            <a:r>
-              <a:rPr lang="de-AT" baseline="0" dirty="0" smtClean="0"/>
-              <a:t> same </a:t>
-            </a:r>
-            <a:r>
-              <a:rPr lang="de-AT" baseline="0" dirty="0" err="1" smtClean="0"/>
-              <a:t>controller</a:t>
-            </a:r>
-            <a:r>
-              <a:rPr lang="de-AT" baseline="0" dirty="0" smtClean="0"/>
-              <a:t>, but </a:t>
-            </a:r>
-            <a:r>
-              <a:rPr lang="de-AT" baseline="0" dirty="0" err="1" smtClean="0"/>
-              <a:t>depending</a:t>
-            </a:r>
-            <a:r>
-              <a:rPr lang="de-AT" baseline="0" dirty="0" smtClean="0"/>
-              <a:t> on </a:t>
-            </a:r>
-            <a:r>
-              <a:rPr lang="de-AT" baseline="0" dirty="0" err="1" smtClean="0"/>
-              <a:t>the</a:t>
-            </a:r>
-            <a:r>
-              <a:rPr lang="de-AT" baseline="0" dirty="0" smtClean="0"/>
-              <a:t> </a:t>
-            </a:r>
-            <a:r>
-              <a:rPr lang="de-AT" baseline="0" dirty="0" err="1" smtClean="0"/>
-              <a:t>current</a:t>
-            </a:r>
-            <a:r>
-              <a:rPr lang="de-AT" baseline="0" dirty="0" smtClean="0"/>
-              <a:t> </a:t>
-            </a:r>
-            <a:r>
-              <a:rPr lang="de-AT" baseline="0" dirty="0" err="1" smtClean="0"/>
-              <a:t>state</a:t>
-            </a:r>
-            <a:r>
-              <a:rPr lang="de-AT" baseline="0" dirty="0" smtClean="0"/>
-              <a:t>, </a:t>
-            </a:r>
-            <a:r>
-              <a:rPr lang="de-AT" baseline="0" dirty="0" err="1" smtClean="0"/>
-              <a:t>differents</a:t>
-            </a:r>
-            <a:r>
-              <a:rPr lang="de-AT" baseline="0" dirty="0" smtClean="0"/>
-              <a:t> </a:t>
-            </a:r>
-            <a:r>
-              <a:rPr lang="de-AT" baseline="0" dirty="0" err="1" smtClean="0"/>
-              <a:t>actions</a:t>
-            </a:r>
-            <a:r>
-              <a:rPr lang="de-AT" baseline="0" dirty="0" smtClean="0"/>
-              <a:t> </a:t>
-            </a:r>
-            <a:r>
-              <a:rPr lang="de-AT" baseline="0" dirty="0" err="1" smtClean="0"/>
-              <a:t>are</a:t>
-            </a:r>
-            <a:r>
-              <a:rPr lang="de-AT" baseline="0" dirty="0" smtClean="0"/>
-              <a:t> </a:t>
-            </a:r>
-            <a:r>
-              <a:rPr lang="de-AT" baseline="0" dirty="0" err="1" smtClean="0"/>
-              <a:t>performed</a:t>
-            </a:r>
-            <a:r>
-              <a:rPr lang="de-AT" baseline="0" dirty="0" smtClean="0"/>
-              <a:t> </a:t>
-            </a:r>
-            <a:r>
-              <a:rPr lang="de-AT" baseline="0" dirty="0" err="1" smtClean="0"/>
-              <a:t>or</a:t>
-            </a:r>
-            <a:r>
-              <a:rPr lang="de-AT" baseline="0" dirty="0" smtClean="0"/>
-              <a:t> an </a:t>
-            </a:r>
-            <a:r>
-              <a:rPr lang="de-AT" baseline="0" dirty="0" err="1" smtClean="0"/>
-              <a:t>exception</a:t>
-            </a:r>
-            <a:r>
-              <a:rPr lang="de-AT" baseline="0" dirty="0" smtClean="0"/>
-              <a:t> </a:t>
-            </a:r>
-            <a:r>
-              <a:rPr lang="de-AT" baseline="0" dirty="0" err="1" smtClean="0"/>
-              <a:t>is</a:t>
-            </a:r>
-            <a:r>
-              <a:rPr lang="de-AT" baseline="0" dirty="0" smtClean="0"/>
-              <a:t> </a:t>
-            </a:r>
-            <a:r>
-              <a:rPr lang="de-AT" baseline="0" dirty="0" err="1" smtClean="0"/>
-              <a:t>thrown</a:t>
-            </a:r>
-            <a:r>
-              <a:rPr lang="de-AT" baseline="0" dirty="0" smtClean="0"/>
-              <a:t> in </a:t>
-            </a:r>
-            <a:r>
-              <a:rPr lang="de-AT" baseline="0" dirty="0" err="1" smtClean="0"/>
-              <a:t>the</a:t>
-            </a:r>
-            <a:r>
-              <a:rPr lang="de-AT" baseline="0" dirty="0" smtClean="0"/>
-              <a:t> </a:t>
-            </a:r>
-            <a:r>
-              <a:rPr lang="de-AT" baseline="0" dirty="0" err="1" smtClean="0"/>
-              <a:t>case</a:t>
-            </a:r>
-            <a:r>
-              <a:rPr lang="de-AT" baseline="0" dirty="0" smtClean="0"/>
-              <a:t>, </a:t>
-            </a:r>
-            <a:r>
-              <a:rPr lang="de-AT" baseline="0" dirty="0" err="1" smtClean="0"/>
-              <a:t>that</a:t>
-            </a:r>
-            <a:r>
-              <a:rPr lang="de-AT" baseline="0" dirty="0" smtClean="0"/>
-              <a:t> </a:t>
-            </a:r>
-            <a:r>
-              <a:rPr lang="de-AT" baseline="0" dirty="0" err="1" smtClean="0"/>
-              <a:t>this</a:t>
-            </a:r>
-            <a:r>
-              <a:rPr lang="de-AT" baseline="0" dirty="0" smtClean="0"/>
-              <a:t> </a:t>
-            </a:r>
-            <a:r>
-              <a:rPr lang="de-AT" baseline="0" dirty="0" err="1" smtClean="0"/>
-              <a:t>operation</a:t>
-            </a:r>
-            <a:r>
-              <a:rPr lang="de-AT" baseline="0" dirty="0" smtClean="0"/>
-              <a:t> </a:t>
-            </a:r>
-            <a:r>
-              <a:rPr lang="de-AT" baseline="0" dirty="0" err="1" smtClean="0"/>
-              <a:t>is</a:t>
-            </a:r>
-            <a:r>
-              <a:rPr lang="de-AT" baseline="0" dirty="0" smtClean="0"/>
-              <a:t> not </a:t>
-            </a:r>
-            <a:r>
-              <a:rPr lang="de-AT" baseline="0" dirty="0" err="1" smtClean="0"/>
-              <a:t>accessible</a:t>
-            </a:r>
-            <a:r>
-              <a:rPr lang="de-AT" baseline="0" dirty="0" smtClean="0"/>
-              <a:t> in </a:t>
-            </a:r>
-            <a:r>
-              <a:rPr lang="de-AT" baseline="0" dirty="0" err="1" smtClean="0"/>
-              <a:t>the</a:t>
-            </a:r>
-            <a:r>
-              <a:rPr lang="de-AT" baseline="0" dirty="0" smtClean="0"/>
-              <a:t> </a:t>
-            </a:r>
-            <a:r>
-              <a:rPr lang="de-AT" baseline="0" dirty="0" err="1" smtClean="0"/>
-              <a:t>current</a:t>
-            </a:r>
-            <a:r>
-              <a:rPr lang="de-AT" baseline="0" dirty="0" smtClean="0"/>
-              <a:t> </a:t>
-            </a:r>
-            <a:r>
-              <a:rPr lang="de-AT" baseline="0" dirty="0" err="1" smtClean="0"/>
-              <a:t>state</a:t>
-            </a:r>
-            <a:r>
-              <a:rPr lang="de-AT" baseline="0" dirty="0" smtClean="0"/>
-              <a:t>.</a:t>
-            </a:r>
-          </a:p>
-          <a:p>
-            <a:r>
-              <a:rPr lang="de-AT" baseline="0" dirty="0" smtClean="0"/>
-              <a:t>In </a:t>
-            </a:r>
-            <a:r>
-              <a:rPr lang="de-AT" baseline="0" dirty="0" err="1" smtClean="0"/>
-              <a:t>example</a:t>
-            </a:r>
-            <a:r>
-              <a:rPr lang="de-AT" baseline="0" dirty="0" smtClean="0"/>
-              <a:t>: </a:t>
-            </a:r>
-            <a:r>
-              <a:rPr lang="de-AT" baseline="0" dirty="0" err="1" smtClean="0"/>
-              <a:t>the</a:t>
-            </a:r>
-            <a:r>
-              <a:rPr lang="de-AT" baseline="0" dirty="0" smtClean="0"/>
-              <a:t> </a:t>
-            </a:r>
-            <a:r>
-              <a:rPr lang="de-AT" baseline="0" dirty="0" err="1" smtClean="0"/>
-              <a:t>next</a:t>
-            </a:r>
-            <a:r>
-              <a:rPr lang="de-AT" baseline="0" dirty="0" smtClean="0"/>
-              <a:t> </a:t>
-            </a:r>
-            <a:r>
-              <a:rPr lang="de-AT" baseline="0" dirty="0" err="1" smtClean="0"/>
-              <a:t>method</a:t>
-            </a:r>
-            <a:r>
-              <a:rPr lang="de-AT" baseline="0" dirty="0" smtClean="0"/>
-              <a:t> </a:t>
-            </a:r>
-            <a:r>
-              <a:rPr lang="de-AT" baseline="0" dirty="0" err="1" smtClean="0"/>
-              <a:t>is</a:t>
-            </a:r>
-            <a:r>
-              <a:rPr lang="de-AT" baseline="0" dirty="0" smtClean="0"/>
-              <a:t> </a:t>
-            </a:r>
-            <a:r>
-              <a:rPr lang="de-AT" baseline="0" dirty="0" err="1" smtClean="0"/>
-              <a:t>implemented</a:t>
-            </a:r>
-            <a:r>
-              <a:rPr lang="de-AT" baseline="0" dirty="0" smtClean="0"/>
-              <a:t> in </a:t>
-            </a:r>
-            <a:r>
-              <a:rPr lang="de-AT" baseline="0" dirty="0" err="1" smtClean="0"/>
-              <a:t>every</a:t>
-            </a:r>
-            <a:r>
-              <a:rPr lang="de-AT" baseline="0" dirty="0" smtClean="0"/>
-              <a:t> </a:t>
-            </a:r>
-            <a:r>
-              <a:rPr lang="de-AT" baseline="0" dirty="0" err="1" smtClean="0"/>
-              <a:t>state</a:t>
-            </a:r>
-            <a:r>
-              <a:rPr lang="de-AT" baseline="0" dirty="0" smtClean="0"/>
-              <a:t>, but </a:t>
-            </a:r>
-            <a:r>
-              <a:rPr lang="de-AT" baseline="0" dirty="0" err="1" smtClean="0"/>
-              <a:t>depending</a:t>
-            </a:r>
-            <a:r>
-              <a:rPr lang="de-AT" baseline="0" dirty="0" smtClean="0"/>
-              <a:t> on </a:t>
-            </a:r>
-            <a:r>
-              <a:rPr lang="de-AT" baseline="0" dirty="0" err="1" smtClean="0"/>
-              <a:t>the</a:t>
-            </a:r>
-            <a:r>
-              <a:rPr lang="de-AT" baseline="0" dirty="0" smtClean="0"/>
-              <a:t> </a:t>
-            </a:r>
-            <a:r>
-              <a:rPr lang="de-AT" baseline="0" dirty="0" err="1" smtClean="0"/>
-              <a:t>state</a:t>
-            </a:r>
-            <a:r>
-              <a:rPr lang="de-AT" baseline="0" dirty="0" smtClean="0"/>
-              <a:t>, </a:t>
-            </a:r>
-            <a:r>
-              <a:rPr lang="de-AT" baseline="0" dirty="0" err="1" smtClean="0"/>
-              <a:t>the</a:t>
-            </a:r>
-            <a:r>
-              <a:rPr lang="de-AT" baseline="0" dirty="0" smtClean="0"/>
-              <a:t> </a:t>
-            </a:r>
-            <a:r>
-              <a:rPr lang="de-AT" baseline="0" dirty="0" err="1" smtClean="0"/>
-              <a:t>next</a:t>
-            </a:r>
-            <a:r>
-              <a:rPr lang="de-AT" baseline="0" dirty="0" smtClean="0"/>
-              <a:t> </a:t>
-            </a:r>
-            <a:r>
-              <a:rPr lang="de-AT" baseline="0" dirty="0" err="1" smtClean="0"/>
-              <a:t>state</a:t>
-            </a:r>
-            <a:r>
-              <a:rPr lang="de-AT" baseline="0" dirty="0" smtClean="0"/>
-              <a:t> </a:t>
-            </a:r>
-            <a:r>
-              <a:rPr lang="de-AT" baseline="0" dirty="0" err="1" smtClean="0"/>
-              <a:t>is</a:t>
-            </a:r>
-            <a:r>
-              <a:rPr lang="de-AT" baseline="0" dirty="0" smtClean="0"/>
-              <a:t> </a:t>
-            </a:r>
-            <a:r>
-              <a:rPr lang="de-AT" baseline="0" dirty="0" err="1" smtClean="0"/>
-              <a:t>another</a:t>
-            </a:r>
-            <a:r>
-              <a:rPr lang="de-AT" baseline="0" dirty="0" smtClean="0"/>
-              <a:t> </a:t>
-            </a:r>
-            <a:r>
-              <a:rPr lang="de-AT" baseline="0" dirty="0" err="1" smtClean="0"/>
-              <a:t>one</a:t>
-            </a:r>
-            <a:r>
-              <a:rPr lang="de-AT" baseline="0" dirty="0" smtClean="0"/>
-              <a:t>.</a:t>
-            </a:r>
-          </a:p>
-          <a:p>
-            <a:r>
-              <a:rPr lang="de-AT" baseline="0" dirty="0" smtClean="0"/>
-              <a:t>Other </a:t>
-            </a:r>
-            <a:r>
-              <a:rPr lang="de-AT" baseline="0" dirty="0" err="1" smtClean="0"/>
-              <a:t>functions</a:t>
-            </a:r>
-            <a:r>
-              <a:rPr lang="de-AT" baseline="0" dirty="0" smtClean="0"/>
-              <a:t>, </a:t>
-            </a:r>
-            <a:r>
-              <a:rPr lang="de-AT" baseline="0" dirty="0" err="1" smtClean="0"/>
-              <a:t>like</a:t>
-            </a:r>
-            <a:r>
-              <a:rPr lang="de-AT" baseline="0" dirty="0" smtClean="0"/>
-              <a:t> </a:t>
-            </a:r>
-            <a:r>
-              <a:rPr lang="de-AT" baseline="0" dirty="0" err="1" smtClean="0"/>
-              <a:t>for</a:t>
-            </a:r>
-            <a:r>
-              <a:rPr lang="de-AT" baseline="0" dirty="0" smtClean="0"/>
-              <a:t> </a:t>
-            </a:r>
-            <a:r>
-              <a:rPr lang="de-AT" baseline="0" dirty="0" err="1" smtClean="0"/>
-              <a:t>instance</a:t>
-            </a:r>
-            <a:r>
-              <a:rPr lang="de-AT" baseline="0" dirty="0" smtClean="0"/>
-              <a:t> </a:t>
-            </a:r>
-            <a:r>
-              <a:rPr lang="de-AT" baseline="0" dirty="0" err="1" smtClean="0"/>
-              <a:t>the</a:t>
-            </a:r>
-            <a:r>
-              <a:rPr lang="de-AT" baseline="0" dirty="0" smtClean="0"/>
-              <a:t> </a:t>
-            </a:r>
-            <a:r>
-              <a:rPr lang="de-AT" baseline="0" dirty="0" err="1" smtClean="0"/>
-              <a:t>pay</a:t>
-            </a:r>
-            <a:r>
-              <a:rPr lang="de-AT" baseline="0" dirty="0" smtClean="0"/>
-              <a:t> </a:t>
-            </a:r>
-            <a:r>
-              <a:rPr lang="de-AT" baseline="0" dirty="0" err="1" smtClean="0"/>
-              <a:t>function</a:t>
-            </a:r>
-            <a:r>
-              <a:rPr lang="de-AT" baseline="0" dirty="0" smtClean="0"/>
-              <a:t>, </a:t>
-            </a:r>
-            <a:r>
-              <a:rPr lang="de-AT" baseline="0" dirty="0" err="1" smtClean="0"/>
-              <a:t>are</a:t>
-            </a:r>
-            <a:r>
-              <a:rPr lang="de-AT" baseline="0" dirty="0" smtClean="0"/>
-              <a:t> </a:t>
-            </a:r>
-            <a:r>
-              <a:rPr lang="de-AT" baseline="0" dirty="0" err="1" smtClean="0"/>
-              <a:t>only</a:t>
-            </a:r>
-            <a:r>
-              <a:rPr lang="de-AT" baseline="0" dirty="0" smtClean="0"/>
-              <a:t> </a:t>
-            </a:r>
-            <a:r>
-              <a:rPr lang="de-AT" baseline="0" dirty="0" err="1" smtClean="0"/>
-              <a:t>implemented</a:t>
-            </a:r>
-            <a:r>
-              <a:rPr lang="de-AT" baseline="0" dirty="0" smtClean="0"/>
-              <a:t> in </a:t>
-            </a:r>
-            <a:r>
-              <a:rPr lang="de-AT" baseline="0" dirty="0" err="1" smtClean="0"/>
-              <a:t>one</a:t>
-            </a:r>
-            <a:r>
-              <a:rPr lang="de-AT" baseline="0" dirty="0" smtClean="0"/>
-              <a:t> </a:t>
-            </a:r>
-            <a:r>
-              <a:rPr lang="de-AT" baseline="0" dirty="0" err="1" smtClean="0"/>
-              <a:t>state</a:t>
-            </a:r>
-            <a:r>
-              <a:rPr lang="de-AT" baseline="0" dirty="0" smtClean="0"/>
-              <a:t>.</a:t>
-            </a:r>
-          </a:p>
-          <a:p>
-            <a:r>
-              <a:rPr lang="de-AT" baseline="0" dirty="0" err="1" smtClean="0"/>
-              <a:t>Another</a:t>
-            </a:r>
-            <a:r>
-              <a:rPr lang="de-AT" baseline="0" dirty="0" smtClean="0"/>
-              <a:t> </a:t>
-            </a:r>
-            <a:r>
-              <a:rPr lang="de-AT" baseline="0" dirty="0" err="1" smtClean="0"/>
-              <a:t>advantage</a:t>
-            </a:r>
-            <a:r>
-              <a:rPr lang="de-AT" baseline="0" dirty="0" smtClean="0"/>
-              <a:t> </a:t>
-            </a:r>
-            <a:r>
-              <a:rPr lang="de-AT" baseline="0" dirty="0" err="1" smtClean="0"/>
-              <a:t>of</a:t>
-            </a:r>
-            <a:r>
-              <a:rPr lang="de-AT" baseline="0" dirty="0" smtClean="0"/>
-              <a:t> </a:t>
-            </a:r>
-            <a:r>
-              <a:rPr lang="de-AT" baseline="0" dirty="0" err="1" smtClean="0"/>
-              <a:t>of</a:t>
-            </a:r>
-            <a:r>
-              <a:rPr lang="de-AT" baseline="0" dirty="0" smtClean="0"/>
-              <a:t> </a:t>
-            </a:r>
-            <a:r>
-              <a:rPr lang="de-AT" baseline="0" dirty="0" err="1" smtClean="0"/>
-              <a:t>the</a:t>
-            </a:r>
-            <a:r>
-              <a:rPr lang="de-AT" baseline="0" dirty="0" smtClean="0"/>
-              <a:t> </a:t>
-            </a:r>
-            <a:r>
-              <a:rPr lang="de-AT" baseline="0" dirty="0" err="1" smtClean="0"/>
-              <a:t>state</a:t>
-            </a:r>
-            <a:r>
-              <a:rPr lang="de-AT" baseline="0" dirty="0" smtClean="0"/>
-              <a:t> </a:t>
-            </a:r>
-            <a:r>
-              <a:rPr lang="de-AT" baseline="0" dirty="0" err="1" smtClean="0"/>
-              <a:t>pattern</a:t>
-            </a:r>
-            <a:r>
-              <a:rPr lang="de-AT" baseline="0" dirty="0" smtClean="0"/>
-              <a:t> </a:t>
-            </a:r>
-            <a:r>
-              <a:rPr lang="de-AT" baseline="0" dirty="0" err="1" smtClean="0"/>
-              <a:t>is</a:t>
-            </a:r>
-            <a:r>
-              <a:rPr lang="de-AT" baseline="0" dirty="0" smtClean="0"/>
-              <a:t> </a:t>
-            </a:r>
-            <a:r>
-              <a:rPr lang="de-AT" baseline="0" dirty="0" err="1" smtClean="0"/>
-              <a:t>the</a:t>
-            </a:r>
-            <a:r>
-              <a:rPr lang="de-AT" baseline="0" dirty="0" smtClean="0"/>
-              <a:t> easy </a:t>
-            </a:r>
-            <a:r>
-              <a:rPr lang="de-AT" baseline="0" dirty="0" err="1" smtClean="0"/>
-              <a:t>way</a:t>
-            </a:r>
-            <a:r>
-              <a:rPr lang="de-AT" baseline="0" dirty="0" smtClean="0"/>
-              <a:t> </a:t>
-            </a:r>
-            <a:r>
-              <a:rPr lang="de-AT" baseline="0" dirty="0" err="1" smtClean="0"/>
-              <a:t>to</a:t>
-            </a:r>
-            <a:r>
-              <a:rPr lang="de-AT" baseline="0" dirty="0" smtClean="0"/>
-              <a:t> </a:t>
-            </a:r>
-            <a:r>
-              <a:rPr lang="de-AT" baseline="0" dirty="0" err="1" smtClean="0"/>
-              <a:t>create</a:t>
-            </a:r>
-            <a:r>
-              <a:rPr lang="de-AT" baseline="0" dirty="0" smtClean="0"/>
-              <a:t> </a:t>
-            </a:r>
-            <a:r>
-              <a:rPr lang="de-AT" baseline="0" dirty="0" err="1" smtClean="0"/>
-              <a:t>new</a:t>
-            </a:r>
-            <a:r>
-              <a:rPr lang="de-AT" baseline="0" dirty="0" smtClean="0"/>
-              <a:t> </a:t>
-            </a:r>
-            <a:r>
-              <a:rPr lang="de-AT" baseline="0" dirty="0" err="1" smtClean="0"/>
-              <a:t>states</a:t>
-            </a:r>
-            <a:r>
-              <a:rPr lang="de-AT" baseline="0" dirty="0" smtClean="0"/>
-              <a:t>. </a:t>
-            </a:r>
-            <a:r>
-              <a:rPr lang="de-AT" baseline="0" dirty="0" err="1" smtClean="0"/>
-              <a:t>You</a:t>
-            </a:r>
-            <a:r>
-              <a:rPr lang="de-AT" baseline="0" dirty="0" smtClean="0"/>
-              <a:t> </a:t>
-            </a:r>
-            <a:r>
-              <a:rPr lang="de-AT" baseline="0" dirty="0" err="1" smtClean="0"/>
-              <a:t>can</a:t>
-            </a:r>
-            <a:r>
-              <a:rPr lang="de-AT" baseline="0" dirty="0" smtClean="0"/>
-              <a:t> just </a:t>
-            </a:r>
-            <a:r>
-              <a:rPr lang="de-AT" baseline="0" dirty="0" err="1" smtClean="0"/>
-              <a:t>insert</a:t>
-            </a:r>
-            <a:r>
-              <a:rPr lang="de-AT" baseline="0" dirty="0" smtClean="0"/>
-              <a:t> a </a:t>
-            </a:r>
-            <a:r>
-              <a:rPr lang="de-AT" baseline="0" dirty="0" err="1" smtClean="0"/>
-              <a:t>new</a:t>
-            </a:r>
-            <a:r>
-              <a:rPr lang="de-AT" baseline="0" dirty="0" smtClean="0"/>
-              <a:t> </a:t>
-            </a:r>
-            <a:r>
-              <a:rPr lang="de-AT" baseline="0" dirty="0" err="1" smtClean="0"/>
-              <a:t>class</a:t>
-            </a:r>
-            <a:r>
-              <a:rPr lang="de-AT" baseline="0" dirty="0" smtClean="0"/>
-              <a:t> </a:t>
-            </a:r>
-            <a:r>
-              <a:rPr lang="de-AT" baseline="0" dirty="0" err="1" smtClean="0"/>
-              <a:t>and</a:t>
-            </a:r>
-            <a:r>
-              <a:rPr lang="de-AT" baseline="0" dirty="0" smtClean="0"/>
-              <a:t> link </a:t>
-            </a:r>
-            <a:r>
-              <a:rPr lang="de-AT" baseline="0" dirty="0" err="1" smtClean="0"/>
-              <a:t>it</a:t>
-            </a:r>
-            <a:r>
-              <a:rPr lang="de-AT" baseline="0" dirty="0" smtClean="0"/>
-              <a:t> </a:t>
-            </a:r>
-            <a:r>
-              <a:rPr lang="de-AT" baseline="0" dirty="0" err="1" smtClean="0"/>
-              <a:t>depending</a:t>
-            </a:r>
-            <a:r>
-              <a:rPr lang="de-AT" baseline="0" dirty="0" smtClean="0"/>
-              <a:t> on </a:t>
-            </a:r>
-            <a:r>
-              <a:rPr lang="de-AT" baseline="0" dirty="0" err="1" smtClean="0"/>
-              <a:t>the</a:t>
-            </a:r>
-            <a:r>
-              <a:rPr lang="de-AT" baseline="0" dirty="0" smtClean="0"/>
-              <a:t> </a:t>
-            </a:r>
-            <a:r>
-              <a:rPr lang="de-AT" baseline="0" dirty="0" err="1" smtClean="0"/>
-              <a:t>called</a:t>
-            </a:r>
-            <a:r>
-              <a:rPr lang="de-AT" baseline="0" dirty="0" smtClean="0"/>
-              <a:t> </a:t>
-            </a:r>
-            <a:r>
-              <a:rPr lang="de-AT" baseline="0" dirty="0" err="1" smtClean="0"/>
-              <a:t>functions</a:t>
-            </a:r>
-            <a:r>
-              <a:rPr lang="de-AT" baseline="0" dirty="0" smtClean="0"/>
-              <a:t> </a:t>
-            </a:r>
-            <a:r>
-              <a:rPr lang="de-AT" baseline="0" dirty="0" err="1" smtClean="0"/>
-              <a:t>together</a:t>
-            </a:r>
-            <a:r>
-              <a:rPr lang="de-AT" baseline="0" dirty="0" smtClean="0"/>
-              <a:t> </a:t>
-            </a:r>
-            <a:r>
-              <a:rPr lang="de-AT" baseline="0" dirty="0" err="1" smtClean="0"/>
-              <a:t>with</a:t>
-            </a:r>
-            <a:r>
-              <a:rPr lang="de-AT" baseline="0" dirty="0" smtClean="0"/>
-              <a:t> </a:t>
-            </a:r>
-            <a:r>
-              <a:rPr lang="de-AT" baseline="0" dirty="0" err="1" smtClean="0"/>
-              <a:t>the</a:t>
-            </a:r>
-            <a:r>
-              <a:rPr lang="de-AT" baseline="0" dirty="0" smtClean="0"/>
-              <a:t> </a:t>
-            </a:r>
-            <a:r>
-              <a:rPr lang="de-AT" baseline="0" dirty="0" err="1" smtClean="0"/>
-              <a:t>ither</a:t>
-            </a:r>
-            <a:r>
-              <a:rPr lang="de-AT" baseline="0" dirty="0" smtClean="0"/>
-              <a:t> </a:t>
-            </a:r>
-            <a:r>
-              <a:rPr lang="de-AT" baseline="0" dirty="0" err="1" smtClean="0"/>
-              <a:t>states</a:t>
-            </a:r>
-            <a:r>
-              <a:rPr lang="de-AT" baseline="0" dirty="0" smtClean="0"/>
-              <a:t>.</a:t>
-            </a:r>
-            <a:endParaRPr lang="de-AT" dirty="0"/>
+              <a:t>Schaut</a:t>
+            </a:r>
+            <a:r>
+              <a:rPr lang="de-AT" baseline="0" dirty="0" smtClean="0"/>
+              <a:t> unübersichtlich aus! Eventuell nur ein Pfeil anstatt den vielen.</a:t>
+            </a:r>
+            <a:endParaRPr lang="en-GB" dirty="0"/>
           </a:p>
         </p:txBody>
       </p:sp>
@@ -3313,18 +4395,18 @@
           <a:bodyPr/>
           <a:lstStyle/>
           <a:p>
-            <a:fld id="{0FCCB273-3FCC-4BAE-AC2F-A278774C5B5F}" type="slidenum">
-              <a:rPr lang="de-AT" smtClean="0"/>
-              <a:t>16</a:t>
+            <a:fld id="{F02A8FBC-AF9A-4929-B417-912911A977D6}" type="slidenum">
+              <a:rPr lang="en-GB" smtClean="0"/>
+              <a:t>13</a:t>
             </a:fld>
-            <a:endParaRPr lang="de-AT"/>
+            <a:endParaRPr lang="en-GB"/>
           </a:p>
         </p:txBody>
       </p:sp>
     </p:spTree>
     <p:extLst>
       <p:ext uri="{BB962C8B-B14F-4D97-AF65-F5344CB8AC3E}">
-        <p14:creationId xmlns:p14="http://schemas.microsoft.com/office/powerpoint/2010/main" val="2790846356"/>
+        <p14:creationId xmlns:p14="http://schemas.microsoft.com/office/powerpoint/2010/main" val="2655761818"/>
       </p:ext>
     </p:extLst>
   </p:cSld>
@@ -3380,88 +4462,911 @@
           <a:p>
             <a:r>
               <a:rPr lang="de-AT" dirty="0" smtClean="0"/>
-              <a:t>Diagramm übersetzen? Notwendig? Nur </a:t>
-            </a:r>
-            <a:r>
-              <a:rPr lang="de-AT" dirty="0" err="1" smtClean="0"/>
+              <a:t>Eigenes </a:t>
+            </a:r>
+            <a:r>
+              <a:rPr lang="de-AT" smtClean="0"/>
+              <a:t>Diagramm</a:t>
+            </a:r>
+            <a:r>
+              <a:rPr lang="de-AT" baseline="0" smtClean="0"/>
+              <a:t> erstellen?</a:t>
+            </a:r>
+            <a:endParaRPr lang="de-AT" baseline="0" dirty="0" smtClean="0"/>
+          </a:p>
+          <a:p>
+            <a:endParaRPr lang="de-AT" baseline="0" dirty="0" smtClean="0"/>
+          </a:p>
+          <a:p>
+            <a:r>
+              <a:rPr lang="de-AT" baseline="0" dirty="0" err="1" smtClean="0"/>
+              <a:t>Our</a:t>
+            </a:r>
+            <a:r>
+              <a:rPr lang="de-AT" baseline="0" dirty="0" smtClean="0"/>
+              <a:t> </a:t>
+            </a:r>
+            <a:r>
+              <a:rPr lang="de-AT" baseline="0" dirty="0" err="1" smtClean="0"/>
+              <a:t>team</a:t>
+            </a:r>
+            <a:r>
+              <a:rPr lang="de-AT" baseline="0" dirty="0" smtClean="0"/>
+              <a:t> </a:t>
+            </a:r>
+            <a:r>
+              <a:rPr lang="de-AT" baseline="0" dirty="0" err="1" smtClean="0"/>
+              <a:t>made</a:t>
+            </a:r>
+            <a:r>
+              <a:rPr lang="de-AT" baseline="0" dirty="0" smtClean="0"/>
+              <a:t> </a:t>
+            </a:r>
+            <a:r>
+              <a:rPr lang="de-AT" baseline="0" dirty="0" err="1" smtClean="0"/>
+              <a:t>the</a:t>
+            </a:r>
+            <a:r>
+              <a:rPr lang="de-AT" baseline="0" dirty="0" smtClean="0"/>
+              <a:t> </a:t>
+            </a:r>
+            <a:r>
+              <a:rPr lang="de-AT" baseline="0" dirty="0" err="1" smtClean="0"/>
+              <a:t>decission</a:t>
+            </a:r>
+            <a:r>
+              <a:rPr lang="de-AT" baseline="0" dirty="0" smtClean="0"/>
+              <a:t> </a:t>
+            </a:r>
+            <a:r>
+              <a:rPr lang="de-AT" baseline="0" dirty="0" err="1" smtClean="0"/>
+              <a:t>to</a:t>
+            </a:r>
+            <a:r>
+              <a:rPr lang="de-AT" baseline="0" dirty="0" smtClean="0"/>
+              <a:t> </a:t>
+            </a:r>
+            <a:r>
+              <a:rPr lang="de-AT" baseline="0" dirty="0" err="1" smtClean="0"/>
+              <a:t>use</a:t>
+            </a:r>
+            <a:r>
+              <a:rPr lang="de-AT" baseline="0" dirty="0" smtClean="0"/>
+              <a:t> </a:t>
+            </a:r>
+            <a:r>
+              <a:rPr lang="de-AT" baseline="0" dirty="0" err="1" smtClean="0"/>
+              <a:t>the</a:t>
+            </a:r>
+            <a:r>
+              <a:rPr lang="de-AT" baseline="0" dirty="0" smtClean="0"/>
+              <a:t> </a:t>
+            </a:r>
+            <a:r>
+              <a:rPr lang="de-AT" baseline="0" dirty="0" err="1" smtClean="0"/>
+              <a:t>state</a:t>
+            </a:r>
+            <a:r>
+              <a:rPr lang="de-AT" baseline="0" dirty="0" smtClean="0"/>
+              <a:t> </a:t>
+            </a:r>
+            <a:r>
+              <a:rPr lang="de-AT" baseline="0" dirty="0" err="1" smtClean="0"/>
+              <a:t>pattern</a:t>
+            </a:r>
+            <a:r>
+              <a:rPr lang="de-AT" baseline="0" dirty="0" smtClean="0"/>
+              <a:t> in </a:t>
+            </a:r>
+            <a:r>
+              <a:rPr lang="de-AT" baseline="0" dirty="0" err="1" smtClean="0"/>
+              <a:t>our</a:t>
+            </a:r>
+            <a:r>
+              <a:rPr lang="de-AT" baseline="0" dirty="0" smtClean="0"/>
+              <a:t> </a:t>
+            </a:r>
+            <a:r>
+              <a:rPr lang="de-AT" baseline="0" dirty="0" err="1" smtClean="0"/>
+              <a:t>use</a:t>
+            </a:r>
+            <a:r>
+              <a:rPr lang="de-AT" baseline="0" dirty="0" smtClean="0"/>
+              <a:t> </a:t>
+            </a:r>
+            <a:r>
+              <a:rPr lang="de-AT" baseline="0" dirty="0" err="1" smtClean="0"/>
+              <a:t>case</a:t>
+            </a:r>
+            <a:r>
+              <a:rPr lang="de-AT" baseline="0" dirty="0" smtClean="0"/>
+              <a:t> </a:t>
+            </a:r>
+            <a:r>
+              <a:rPr lang="de-AT" baseline="0" dirty="0" err="1" smtClean="0"/>
+              <a:t>controllers</a:t>
+            </a:r>
+            <a:r>
+              <a:rPr lang="de-AT" baseline="0" dirty="0" smtClean="0"/>
+              <a:t>.</a:t>
+            </a:r>
+          </a:p>
+          <a:p>
+            <a:r>
+              <a:rPr lang="de-AT" baseline="0" dirty="0" err="1" smtClean="0"/>
+              <a:t>For</a:t>
+            </a:r>
+            <a:r>
+              <a:rPr lang="de-AT" baseline="0" dirty="0" smtClean="0"/>
+              <a:t> </a:t>
+            </a:r>
+            <a:r>
+              <a:rPr lang="de-AT" baseline="0" dirty="0" err="1" smtClean="0"/>
+              <a:t>each</a:t>
+            </a:r>
+            <a:r>
+              <a:rPr lang="de-AT" baseline="0" dirty="0" smtClean="0"/>
+              <a:t> </a:t>
+            </a:r>
+            <a:r>
+              <a:rPr lang="de-AT" baseline="0" dirty="0" err="1" smtClean="0"/>
+              <a:t>step</a:t>
+            </a:r>
+            <a:r>
+              <a:rPr lang="de-AT" baseline="0" dirty="0" smtClean="0"/>
+              <a:t> in </a:t>
+            </a:r>
+            <a:r>
+              <a:rPr lang="de-AT" baseline="0" dirty="0" err="1" smtClean="0"/>
+              <a:t>the</a:t>
+            </a:r>
+            <a:r>
+              <a:rPr lang="de-AT" baseline="0" dirty="0" smtClean="0"/>
+              <a:t> </a:t>
+            </a:r>
+            <a:r>
+              <a:rPr lang="de-AT" baseline="0" dirty="0" err="1" smtClean="0"/>
+              <a:t>process</a:t>
+            </a:r>
+            <a:r>
+              <a:rPr lang="de-AT" baseline="0" dirty="0" smtClean="0"/>
+              <a:t>, </a:t>
+            </a:r>
+            <a:r>
+              <a:rPr lang="de-AT" baseline="0" dirty="0" err="1" smtClean="0"/>
+              <a:t>displayed</a:t>
+            </a:r>
+            <a:r>
+              <a:rPr lang="de-AT" baseline="0" dirty="0" smtClean="0"/>
+              <a:t> </a:t>
+            </a:r>
+            <a:r>
+              <a:rPr lang="de-AT" baseline="0" dirty="0" err="1" smtClean="0"/>
+              <a:t>as</a:t>
+            </a:r>
+            <a:r>
+              <a:rPr lang="de-AT" baseline="0" dirty="0" smtClean="0"/>
+              <a:t> a </a:t>
+            </a:r>
+            <a:r>
+              <a:rPr lang="de-AT" baseline="0" dirty="0" err="1" smtClean="0"/>
+              <a:t>single</a:t>
+            </a:r>
+            <a:r>
+              <a:rPr lang="de-AT" baseline="0" dirty="0" smtClean="0"/>
+              <a:t> </a:t>
+            </a:r>
+            <a:r>
+              <a:rPr lang="de-AT" baseline="0" dirty="0" err="1" smtClean="0"/>
+              <a:t>view</a:t>
+            </a:r>
+            <a:r>
+              <a:rPr lang="de-AT" baseline="0" dirty="0" smtClean="0"/>
+              <a:t> in </a:t>
+            </a:r>
+            <a:r>
+              <a:rPr lang="de-AT" baseline="0" dirty="0" err="1" smtClean="0"/>
+              <a:t>the</a:t>
+            </a:r>
+            <a:r>
+              <a:rPr lang="de-AT" baseline="0" dirty="0" smtClean="0"/>
+              <a:t> </a:t>
+            </a:r>
+            <a:r>
+              <a:rPr lang="de-AT" baseline="0" dirty="0" err="1" smtClean="0"/>
+              <a:t>user</a:t>
+            </a:r>
+            <a:r>
+              <a:rPr lang="de-AT" baseline="0" dirty="0" smtClean="0"/>
+              <a:t> </a:t>
+            </a:r>
+            <a:r>
+              <a:rPr lang="de-AT" baseline="0" dirty="0" err="1" smtClean="0"/>
+              <a:t>interface</a:t>
+            </a:r>
+            <a:r>
+              <a:rPr lang="de-AT" baseline="0" dirty="0" smtClean="0"/>
+              <a:t> </a:t>
+            </a:r>
+            <a:r>
+              <a:rPr lang="de-AT" baseline="0" dirty="0" err="1" smtClean="0"/>
+              <a:t>we</a:t>
+            </a:r>
+            <a:r>
+              <a:rPr lang="de-AT" baseline="0" dirty="0" smtClean="0"/>
+              <a:t> </a:t>
+            </a:r>
+            <a:r>
+              <a:rPr lang="de-AT" baseline="0" dirty="0" err="1" smtClean="0"/>
+              <a:t>created</a:t>
+            </a:r>
+            <a:r>
+              <a:rPr lang="de-AT" baseline="0" dirty="0" smtClean="0"/>
+              <a:t> </a:t>
+            </a:r>
+            <a:r>
+              <a:rPr lang="de-AT" baseline="0" dirty="0" err="1" smtClean="0"/>
+              <a:t>one</a:t>
+            </a:r>
+            <a:r>
+              <a:rPr lang="de-AT" baseline="0" dirty="0" smtClean="0"/>
+              <a:t> </a:t>
+            </a:r>
+            <a:r>
+              <a:rPr lang="de-AT" baseline="0" dirty="0" err="1" smtClean="0"/>
+              <a:t>state</a:t>
+            </a:r>
+            <a:r>
+              <a:rPr lang="de-AT" baseline="0" dirty="0" smtClean="0"/>
+              <a:t>.</a:t>
+            </a:r>
+          </a:p>
+          <a:p>
+            <a:r>
+              <a:rPr lang="de-AT" baseline="0" dirty="0" err="1" smtClean="0"/>
+              <a:t>From</a:t>
+            </a:r>
+            <a:r>
+              <a:rPr lang="de-AT" baseline="0" dirty="0" smtClean="0"/>
+              <a:t> </a:t>
+            </a:r>
+            <a:r>
+              <a:rPr lang="de-AT" baseline="0" dirty="0" err="1" smtClean="0"/>
+              <a:t>the</a:t>
+            </a:r>
+            <a:r>
+              <a:rPr lang="de-AT" baseline="0" dirty="0" smtClean="0"/>
+              <a:t> outside, </a:t>
+            </a:r>
+            <a:r>
+              <a:rPr lang="de-AT" baseline="0" dirty="0" err="1" smtClean="0"/>
+              <a:t>we</a:t>
+            </a:r>
+            <a:r>
+              <a:rPr lang="de-AT" baseline="0" dirty="0" smtClean="0"/>
+              <a:t> </a:t>
+            </a:r>
+            <a:r>
+              <a:rPr lang="de-AT" baseline="0" dirty="0" err="1" smtClean="0"/>
+              <a:t>always</a:t>
+            </a:r>
+            <a:r>
+              <a:rPr lang="de-AT" baseline="0" dirty="0" smtClean="0"/>
+              <a:t> </a:t>
+            </a:r>
+            <a:r>
+              <a:rPr lang="de-AT" baseline="0" dirty="0" err="1" smtClean="0"/>
+              <a:t>use</a:t>
+            </a:r>
+            <a:r>
+              <a:rPr lang="de-AT" baseline="0" dirty="0" smtClean="0"/>
+              <a:t> </a:t>
+            </a:r>
+            <a:r>
+              <a:rPr lang="de-AT" baseline="0" dirty="0" err="1" smtClean="0"/>
+              <a:t>the</a:t>
+            </a:r>
+            <a:r>
+              <a:rPr lang="de-AT" baseline="0" dirty="0" smtClean="0"/>
+              <a:t> same </a:t>
+            </a:r>
+            <a:r>
+              <a:rPr lang="de-AT" baseline="0" dirty="0" err="1" smtClean="0"/>
+              <a:t>controller</a:t>
+            </a:r>
+            <a:r>
+              <a:rPr lang="de-AT" baseline="0" dirty="0" smtClean="0"/>
+              <a:t>, but </a:t>
+            </a:r>
+            <a:r>
+              <a:rPr lang="de-AT" baseline="0" dirty="0" err="1" smtClean="0"/>
+              <a:t>depending</a:t>
+            </a:r>
+            <a:r>
+              <a:rPr lang="de-AT" baseline="0" dirty="0" smtClean="0"/>
+              <a:t> on </a:t>
+            </a:r>
+            <a:r>
+              <a:rPr lang="de-AT" baseline="0" dirty="0" err="1" smtClean="0"/>
+              <a:t>the</a:t>
+            </a:r>
+            <a:r>
+              <a:rPr lang="de-AT" baseline="0" dirty="0" smtClean="0"/>
+              <a:t> </a:t>
+            </a:r>
+            <a:r>
+              <a:rPr lang="de-AT" baseline="0" dirty="0" err="1" smtClean="0"/>
+              <a:t>current</a:t>
+            </a:r>
+            <a:r>
+              <a:rPr lang="de-AT" baseline="0" dirty="0" smtClean="0"/>
+              <a:t> </a:t>
+            </a:r>
+            <a:r>
+              <a:rPr lang="de-AT" baseline="0" dirty="0" err="1" smtClean="0"/>
+              <a:t>state</a:t>
+            </a:r>
+            <a:r>
+              <a:rPr lang="de-AT" baseline="0" dirty="0" smtClean="0"/>
+              <a:t>, </a:t>
+            </a:r>
+            <a:r>
+              <a:rPr lang="de-AT" baseline="0" dirty="0" err="1" smtClean="0"/>
+              <a:t>differents</a:t>
+            </a:r>
+            <a:r>
+              <a:rPr lang="de-AT" baseline="0" dirty="0" smtClean="0"/>
+              <a:t> </a:t>
+            </a:r>
+            <a:r>
+              <a:rPr lang="de-AT" baseline="0" dirty="0" err="1" smtClean="0"/>
+              <a:t>actions</a:t>
+            </a:r>
+            <a:r>
+              <a:rPr lang="de-AT" baseline="0" dirty="0" smtClean="0"/>
+              <a:t> </a:t>
+            </a:r>
+            <a:r>
+              <a:rPr lang="de-AT" baseline="0" dirty="0" err="1" smtClean="0"/>
+              <a:t>are</a:t>
+            </a:r>
+            <a:r>
+              <a:rPr lang="de-AT" baseline="0" dirty="0" smtClean="0"/>
+              <a:t> </a:t>
+            </a:r>
+            <a:r>
+              <a:rPr lang="de-AT" baseline="0" dirty="0" err="1" smtClean="0"/>
+              <a:t>performed</a:t>
+            </a:r>
+            <a:r>
+              <a:rPr lang="de-AT" baseline="0" dirty="0" smtClean="0"/>
+              <a:t> </a:t>
+            </a:r>
+            <a:r>
+              <a:rPr lang="de-AT" baseline="0" dirty="0" err="1" smtClean="0"/>
+              <a:t>or</a:t>
+            </a:r>
+            <a:r>
+              <a:rPr lang="de-AT" baseline="0" dirty="0" smtClean="0"/>
+              <a:t> an </a:t>
+            </a:r>
+            <a:r>
+              <a:rPr lang="de-AT" baseline="0" dirty="0" err="1" smtClean="0"/>
+              <a:t>exception</a:t>
+            </a:r>
+            <a:r>
+              <a:rPr lang="de-AT" baseline="0" dirty="0" smtClean="0"/>
+              <a:t> </a:t>
+            </a:r>
+            <a:r>
+              <a:rPr lang="de-AT" baseline="0" dirty="0" err="1" smtClean="0"/>
+              <a:t>is</a:t>
+            </a:r>
+            <a:r>
+              <a:rPr lang="de-AT" baseline="0" dirty="0" smtClean="0"/>
+              <a:t> </a:t>
+            </a:r>
+            <a:r>
+              <a:rPr lang="de-AT" baseline="0" dirty="0" err="1" smtClean="0"/>
+              <a:t>thrown</a:t>
+            </a:r>
+            <a:r>
+              <a:rPr lang="de-AT" baseline="0" dirty="0" smtClean="0"/>
+              <a:t> in </a:t>
+            </a:r>
+            <a:r>
+              <a:rPr lang="de-AT" baseline="0" dirty="0" err="1" smtClean="0"/>
+              <a:t>the</a:t>
+            </a:r>
+            <a:r>
+              <a:rPr lang="de-AT" baseline="0" dirty="0" smtClean="0"/>
+              <a:t> </a:t>
+            </a:r>
+            <a:r>
+              <a:rPr lang="de-AT" baseline="0" dirty="0" err="1" smtClean="0"/>
+              <a:t>case</a:t>
+            </a:r>
+            <a:r>
+              <a:rPr lang="de-AT" baseline="0" dirty="0" smtClean="0"/>
+              <a:t>, </a:t>
+            </a:r>
+            <a:r>
+              <a:rPr lang="de-AT" baseline="0" dirty="0" err="1" smtClean="0"/>
+              <a:t>that</a:t>
+            </a:r>
+            <a:r>
+              <a:rPr lang="de-AT" baseline="0" dirty="0" smtClean="0"/>
+              <a:t> </a:t>
+            </a:r>
+            <a:r>
+              <a:rPr lang="de-AT" baseline="0" dirty="0" err="1" smtClean="0"/>
+              <a:t>this</a:t>
+            </a:r>
+            <a:r>
+              <a:rPr lang="de-AT" baseline="0" dirty="0" smtClean="0"/>
+              <a:t> </a:t>
+            </a:r>
+            <a:r>
+              <a:rPr lang="de-AT" baseline="0" dirty="0" err="1" smtClean="0"/>
+              <a:t>operation</a:t>
+            </a:r>
+            <a:r>
+              <a:rPr lang="de-AT" baseline="0" dirty="0" smtClean="0"/>
+              <a:t> </a:t>
+            </a:r>
+            <a:r>
+              <a:rPr lang="de-AT" baseline="0" dirty="0" err="1" smtClean="0"/>
+              <a:t>is</a:t>
+            </a:r>
+            <a:r>
+              <a:rPr lang="de-AT" baseline="0" dirty="0" smtClean="0"/>
+              <a:t> not </a:t>
+            </a:r>
+            <a:r>
+              <a:rPr lang="de-AT" baseline="0" dirty="0" err="1" smtClean="0"/>
+              <a:t>accessible</a:t>
+            </a:r>
+            <a:r>
+              <a:rPr lang="de-AT" baseline="0" dirty="0" smtClean="0"/>
+              <a:t> in </a:t>
+            </a:r>
+            <a:r>
+              <a:rPr lang="de-AT" baseline="0" dirty="0" err="1" smtClean="0"/>
+              <a:t>the</a:t>
+            </a:r>
+            <a:r>
+              <a:rPr lang="de-AT" baseline="0" dirty="0" smtClean="0"/>
+              <a:t> </a:t>
+            </a:r>
+            <a:r>
+              <a:rPr lang="de-AT" baseline="0" dirty="0" err="1" smtClean="0"/>
+              <a:t>current</a:t>
+            </a:r>
+            <a:r>
+              <a:rPr lang="de-AT" baseline="0" dirty="0" smtClean="0"/>
+              <a:t> </a:t>
+            </a:r>
+            <a:r>
+              <a:rPr lang="de-AT" baseline="0" dirty="0" err="1" smtClean="0"/>
+              <a:t>state</a:t>
+            </a:r>
+            <a:r>
+              <a:rPr lang="de-AT" baseline="0" dirty="0" smtClean="0"/>
+              <a:t>.</a:t>
+            </a:r>
+          </a:p>
+          <a:p>
+            <a:r>
+              <a:rPr lang="de-AT" baseline="0" dirty="0" smtClean="0"/>
+              <a:t>In </a:t>
+            </a:r>
+            <a:r>
+              <a:rPr lang="de-AT" baseline="0" dirty="0" err="1" smtClean="0"/>
+              <a:t>example</a:t>
+            </a:r>
+            <a:r>
+              <a:rPr lang="de-AT" baseline="0" dirty="0" smtClean="0"/>
+              <a:t>: </a:t>
+            </a:r>
+            <a:r>
+              <a:rPr lang="de-AT" baseline="0" dirty="0" err="1" smtClean="0"/>
+              <a:t>the</a:t>
+            </a:r>
+            <a:r>
+              <a:rPr lang="de-AT" baseline="0" dirty="0" smtClean="0"/>
+              <a:t> </a:t>
+            </a:r>
+            <a:r>
+              <a:rPr lang="de-AT" baseline="0" dirty="0" err="1" smtClean="0"/>
+              <a:t>next</a:t>
+            </a:r>
+            <a:r>
+              <a:rPr lang="de-AT" baseline="0" dirty="0" smtClean="0"/>
+              <a:t> </a:t>
+            </a:r>
+            <a:r>
+              <a:rPr lang="de-AT" baseline="0" dirty="0" err="1" smtClean="0"/>
+              <a:t>method</a:t>
+            </a:r>
+            <a:r>
+              <a:rPr lang="de-AT" baseline="0" dirty="0" smtClean="0"/>
+              <a:t> </a:t>
+            </a:r>
+            <a:r>
+              <a:rPr lang="de-AT" baseline="0" dirty="0" err="1" smtClean="0"/>
+              <a:t>is</a:t>
+            </a:r>
+            <a:r>
+              <a:rPr lang="de-AT" baseline="0" dirty="0" smtClean="0"/>
+              <a:t> </a:t>
+            </a:r>
+            <a:r>
+              <a:rPr lang="de-AT" baseline="0" dirty="0" err="1" smtClean="0"/>
+              <a:t>implemented</a:t>
+            </a:r>
+            <a:r>
+              <a:rPr lang="de-AT" baseline="0" dirty="0" smtClean="0"/>
+              <a:t> in </a:t>
+            </a:r>
+            <a:r>
+              <a:rPr lang="de-AT" baseline="0" dirty="0" err="1" smtClean="0"/>
+              <a:t>every</a:t>
+            </a:r>
+            <a:r>
+              <a:rPr lang="de-AT" baseline="0" dirty="0" smtClean="0"/>
+              <a:t> </a:t>
+            </a:r>
+            <a:r>
+              <a:rPr lang="de-AT" baseline="0" dirty="0" err="1" smtClean="0"/>
+              <a:t>state</a:t>
+            </a:r>
+            <a:r>
+              <a:rPr lang="de-AT" baseline="0" dirty="0" smtClean="0"/>
+              <a:t>, but </a:t>
+            </a:r>
+            <a:r>
+              <a:rPr lang="de-AT" baseline="0" dirty="0" err="1" smtClean="0"/>
+              <a:t>depending</a:t>
+            </a:r>
+            <a:r>
+              <a:rPr lang="de-AT" baseline="0" dirty="0" smtClean="0"/>
+              <a:t> on </a:t>
+            </a:r>
+            <a:r>
+              <a:rPr lang="de-AT" baseline="0" dirty="0" err="1" smtClean="0"/>
+              <a:t>the</a:t>
+            </a:r>
+            <a:r>
+              <a:rPr lang="de-AT" baseline="0" dirty="0" smtClean="0"/>
+              <a:t> </a:t>
+            </a:r>
+            <a:r>
+              <a:rPr lang="de-AT" baseline="0" dirty="0" err="1" smtClean="0"/>
+              <a:t>state</a:t>
+            </a:r>
+            <a:r>
+              <a:rPr lang="de-AT" baseline="0" dirty="0" smtClean="0"/>
+              <a:t>, </a:t>
+            </a:r>
+            <a:r>
+              <a:rPr lang="de-AT" baseline="0" dirty="0" err="1" smtClean="0"/>
+              <a:t>the</a:t>
+            </a:r>
+            <a:r>
+              <a:rPr lang="de-AT" baseline="0" dirty="0" smtClean="0"/>
+              <a:t> </a:t>
+            </a:r>
+            <a:r>
+              <a:rPr lang="de-AT" baseline="0" dirty="0" err="1" smtClean="0"/>
+              <a:t>next</a:t>
+            </a:r>
+            <a:r>
+              <a:rPr lang="de-AT" baseline="0" dirty="0" smtClean="0"/>
+              <a:t> </a:t>
+            </a:r>
+            <a:r>
+              <a:rPr lang="de-AT" baseline="0" dirty="0" err="1" smtClean="0"/>
+              <a:t>state</a:t>
+            </a:r>
+            <a:r>
+              <a:rPr lang="de-AT" baseline="0" dirty="0" smtClean="0"/>
+              <a:t> </a:t>
+            </a:r>
+            <a:r>
+              <a:rPr lang="de-AT" baseline="0" dirty="0" err="1" smtClean="0"/>
+              <a:t>is</a:t>
+            </a:r>
+            <a:r>
+              <a:rPr lang="de-AT" baseline="0" dirty="0" smtClean="0"/>
+              <a:t> </a:t>
+            </a:r>
+            <a:r>
+              <a:rPr lang="de-AT" baseline="0" dirty="0" err="1" smtClean="0"/>
+              <a:t>another</a:t>
+            </a:r>
+            <a:r>
+              <a:rPr lang="de-AT" baseline="0" dirty="0" smtClean="0"/>
+              <a:t> </a:t>
+            </a:r>
+            <a:r>
+              <a:rPr lang="de-AT" baseline="0" dirty="0" err="1" smtClean="0"/>
+              <a:t>one</a:t>
+            </a:r>
+            <a:r>
+              <a:rPr lang="de-AT" baseline="0" dirty="0" smtClean="0"/>
+              <a:t>.</a:t>
+            </a:r>
+          </a:p>
+          <a:p>
+            <a:r>
+              <a:rPr lang="de-AT" baseline="0" dirty="0" smtClean="0"/>
+              <a:t>Other </a:t>
+            </a:r>
+            <a:r>
+              <a:rPr lang="de-AT" baseline="0" dirty="0" err="1" smtClean="0"/>
+              <a:t>functions</a:t>
+            </a:r>
+            <a:r>
+              <a:rPr lang="de-AT" baseline="0" dirty="0" smtClean="0"/>
+              <a:t>, </a:t>
+            </a:r>
+            <a:r>
+              <a:rPr lang="de-AT" baseline="0" dirty="0" err="1" smtClean="0"/>
+              <a:t>like</a:t>
+            </a:r>
+            <a:r>
+              <a:rPr lang="de-AT" baseline="0" dirty="0" smtClean="0"/>
+              <a:t> </a:t>
+            </a:r>
+            <a:r>
+              <a:rPr lang="de-AT" baseline="0" dirty="0" err="1" smtClean="0"/>
+              <a:t>for</a:t>
+            </a:r>
+            <a:r>
+              <a:rPr lang="de-AT" baseline="0" dirty="0" smtClean="0"/>
+              <a:t> </a:t>
+            </a:r>
+            <a:r>
+              <a:rPr lang="de-AT" baseline="0" dirty="0" err="1" smtClean="0"/>
+              <a:t>instance</a:t>
+            </a:r>
+            <a:r>
+              <a:rPr lang="de-AT" baseline="0" dirty="0" smtClean="0"/>
+              <a:t> </a:t>
+            </a:r>
+            <a:r>
+              <a:rPr lang="de-AT" baseline="0" dirty="0" err="1" smtClean="0"/>
+              <a:t>the</a:t>
+            </a:r>
+            <a:r>
+              <a:rPr lang="de-AT" baseline="0" dirty="0" smtClean="0"/>
+              <a:t> </a:t>
+            </a:r>
+            <a:r>
+              <a:rPr lang="de-AT" baseline="0" dirty="0" err="1" smtClean="0"/>
+              <a:t>pay</a:t>
+            </a:r>
+            <a:r>
+              <a:rPr lang="de-AT" baseline="0" dirty="0" smtClean="0"/>
+              <a:t> </a:t>
+            </a:r>
+            <a:r>
+              <a:rPr lang="de-AT" baseline="0" dirty="0" err="1" smtClean="0"/>
+              <a:t>function</a:t>
+            </a:r>
+            <a:r>
+              <a:rPr lang="de-AT" baseline="0" dirty="0" smtClean="0"/>
+              <a:t>, </a:t>
+            </a:r>
+            <a:r>
+              <a:rPr lang="de-AT" baseline="0" dirty="0" err="1" smtClean="0"/>
+              <a:t>are</a:t>
+            </a:r>
+            <a:r>
+              <a:rPr lang="de-AT" baseline="0" dirty="0" smtClean="0"/>
+              <a:t> </a:t>
+            </a:r>
+            <a:r>
+              <a:rPr lang="de-AT" baseline="0" dirty="0" err="1" smtClean="0"/>
+              <a:t>only</a:t>
+            </a:r>
+            <a:r>
+              <a:rPr lang="de-AT" baseline="0" dirty="0" smtClean="0"/>
+              <a:t> </a:t>
+            </a:r>
+            <a:r>
+              <a:rPr lang="de-AT" baseline="0" dirty="0" err="1" smtClean="0"/>
+              <a:t>implemented</a:t>
+            </a:r>
+            <a:r>
+              <a:rPr lang="de-AT" baseline="0" dirty="0" smtClean="0"/>
+              <a:t> in </a:t>
+            </a:r>
+            <a:r>
+              <a:rPr lang="de-AT" baseline="0" dirty="0" err="1" smtClean="0"/>
+              <a:t>one</a:t>
+            </a:r>
+            <a:r>
+              <a:rPr lang="de-AT" baseline="0" dirty="0" smtClean="0"/>
+              <a:t> </a:t>
+            </a:r>
+            <a:r>
+              <a:rPr lang="de-AT" baseline="0" dirty="0" err="1" smtClean="0"/>
+              <a:t>state</a:t>
+            </a:r>
+            <a:r>
+              <a:rPr lang="de-AT" baseline="0" dirty="0" smtClean="0"/>
+              <a:t>.</a:t>
+            </a:r>
+          </a:p>
+          <a:p>
+            <a:r>
+              <a:rPr lang="de-AT" baseline="0" dirty="0" err="1" smtClean="0"/>
+              <a:t>Another</a:t>
+            </a:r>
+            <a:r>
+              <a:rPr lang="de-AT" baseline="0" dirty="0" smtClean="0"/>
+              <a:t> </a:t>
+            </a:r>
+            <a:r>
+              <a:rPr lang="de-AT" baseline="0" dirty="0" err="1" smtClean="0"/>
+              <a:t>advantage</a:t>
+            </a:r>
+            <a:r>
+              <a:rPr lang="de-AT" baseline="0" dirty="0" smtClean="0"/>
+              <a:t> </a:t>
+            </a:r>
+            <a:r>
+              <a:rPr lang="de-AT" baseline="0" dirty="0" err="1" smtClean="0"/>
+              <a:t>of</a:t>
+            </a:r>
+            <a:r>
+              <a:rPr lang="de-AT" baseline="0" dirty="0" smtClean="0"/>
+              <a:t> </a:t>
+            </a:r>
+            <a:r>
+              <a:rPr lang="de-AT" baseline="0" dirty="0" err="1" smtClean="0"/>
+              <a:t>of</a:t>
+            </a:r>
+            <a:r>
+              <a:rPr lang="de-AT" baseline="0" dirty="0" smtClean="0"/>
+              <a:t> </a:t>
+            </a:r>
+            <a:r>
+              <a:rPr lang="de-AT" baseline="0" dirty="0" err="1" smtClean="0"/>
+              <a:t>the</a:t>
+            </a:r>
+            <a:r>
+              <a:rPr lang="de-AT" baseline="0" dirty="0" smtClean="0"/>
+              <a:t> </a:t>
+            </a:r>
+            <a:r>
+              <a:rPr lang="de-AT" baseline="0" dirty="0" err="1" smtClean="0"/>
+              <a:t>state</a:t>
+            </a:r>
+            <a:r>
+              <a:rPr lang="de-AT" baseline="0" dirty="0" smtClean="0"/>
+              <a:t> </a:t>
+            </a:r>
+            <a:r>
+              <a:rPr lang="de-AT" baseline="0" dirty="0" err="1" smtClean="0"/>
+              <a:t>pattern</a:t>
+            </a:r>
+            <a:r>
+              <a:rPr lang="de-AT" baseline="0" dirty="0" smtClean="0"/>
+              <a:t> </a:t>
+            </a:r>
+            <a:r>
+              <a:rPr lang="de-AT" baseline="0" dirty="0" err="1" smtClean="0"/>
+              <a:t>is</a:t>
+            </a:r>
+            <a:r>
+              <a:rPr lang="de-AT" baseline="0" dirty="0" smtClean="0"/>
+              <a:t> </a:t>
+            </a:r>
+            <a:r>
+              <a:rPr lang="de-AT" baseline="0" dirty="0" err="1" smtClean="0"/>
+              <a:t>the</a:t>
+            </a:r>
+            <a:r>
+              <a:rPr lang="de-AT" baseline="0" dirty="0" smtClean="0"/>
+              <a:t> easy </a:t>
+            </a:r>
+            <a:r>
+              <a:rPr lang="de-AT" baseline="0" dirty="0" err="1" smtClean="0"/>
+              <a:t>way</a:t>
+            </a:r>
+            <a:r>
+              <a:rPr lang="de-AT" baseline="0" dirty="0" smtClean="0"/>
+              <a:t> </a:t>
+            </a:r>
+            <a:r>
+              <a:rPr lang="de-AT" baseline="0" dirty="0" err="1" smtClean="0"/>
+              <a:t>to</a:t>
+            </a:r>
+            <a:r>
+              <a:rPr lang="de-AT" baseline="0" dirty="0" smtClean="0"/>
+              <a:t> </a:t>
+            </a:r>
+            <a:r>
+              <a:rPr lang="de-AT" baseline="0" dirty="0" err="1" smtClean="0"/>
+              <a:t>create</a:t>
+            </a:r>
+            <a:r>
+              <a:rPr lang="de-AT" baseline="0" dirty="0" smtClean="0"/>
+              <a:t> </a:t>
+            </a:r>
+            <a:r>
+              <a:rPr lang="de-AT" baseline="0" dirty="0" err="1" smtClean="0"/>
+              <a:t>new</a:t>
+            </a:r>
+            <a:r>
+              <a:rPr lang="de-AT" baseline="0" dirty="0" smtClean="0"/>
+              <a:t> </a:t>
+            </a:r>
+            <a:r>
+              <a:rPr lang="de-AT" baseline="0" dirty="0" err="1" smtClean="0"/>
               <a:t>states</a:t>
             </a:r>
             <a:r>
-              <a:rPr lang="de-AT" dirty="0" smtClean="0"/>
-              <a:t>, dafür größer?</a:t>
-            </a:r>
-          </a:p>
-          <a:p>
-            <a:endParaRPr lang="de-AT" dirty="0" smtClean="0"/>
-          </a:p>
-          <a:p>
-            <a:r>
-              <a:rPr lang="de-AT" dirty="0" smtClean="0"/>
-              <a:t>The </a:t>
-            </a:r>
-            <a:r>
-              <a:rPr lang="de-AT" dirty="0" err="1" smtClean="0"/>
-              <a:t>creation</a:t>
-            </a:r>
-            <a:r>
-              <a:rPr lang="de-AT" dirty="0" smtClean="0"/>
-              <a:t> </a:t>
-            </a:r>
-            <a:r>
-              <a:rPr lang="de-AT" dirty="0" err="1" smtClean="0"/>
-              <a:t>of</a:t>
-            </a:r>
-            <a:r>
-              <a:rPr lang="de-AT" dirty="0" smtClean="0"/>
-              <a:t> </a:t>
-            </a:r>
-            <a:r>
-              <a:rPr lang="de-AT" dirty="0" err="1" smtClean="0"/>
-              <a:t>invoices</a:t>
-            </a:r>
-            <a:r>
-              <a:rPr lang="de-AT" baseline="0" dirty="0" smtClean="0"/>
-              <a:t> </a:t>
-            </a:r>
-            <a:r>
-              <a:rPr lang="de-AT" baseline="0" dirty="0" err="1" smtClean="0"/>
-              <a:t>needs</a:t>
-            </a:r>
-            <a:r>
-              <a:rPr lang="de-AT" baseline="0" dirty="0" smtClean="0"/>
-              <a:t> </a:t>
-            </a:r>
-            <a:r>
-              <a:rPr lang="de-AT" baseline="0" dirty="0" err="1" smtClean="0"/>
-              <a:t>four</a:t>
-            </a:r>
-            <a:r>
-              <a:rPr lang="de-AT" baseline="0" dirty="0" smtClean="0"/>
-              <a:t> </a:t>
-            </a:r>
-            <a:r>
-              <a:rPr lang="de-AT" baseline="0" dirty="0" err="1" smtClean="0"/>
-              <a:t>or</a:t>
-            </a:r>
-            <a:r>
-              <a:rPr lang="de-AT" baseline="0" dirty="0" smtClean="0"/>
-              <a:t> </a:t>
-            </a:r>
-            <a:r>
-              <a:rPr lang="de-AT" baseline="0" dirty="0" err="1" smtClean="0"/>
-              <a:t>five</a:t>
-            </a:r>
-            <a:r>
-              <a:rPr lang="de-AT" baseline="0" dirty="0" smtClean="0"/>
-              <a:t> </a:t>
-            </a:r>
-            <a:r>
-              <a:rPr lang="de-AT" baseline="0" dirty="0" err="1" smtClean="0"/>
-              <a:t>steps</a:t>
-            </a:r>
-            <a:r>
-              <a:rPr lang="de-AT" baseline="0" dirty="0" smtClean="0"/>
-              <a:t>, </a:t>
+              <a:rPr lang="de-AT" baseline="0" dirty="0" smtClean="0"/>
+              <a:t>. </a:t>
+            </a:r>
+            <a:r>
+              <a:rPr lang="de-AT" baseline="0" dirty="0" err="1" smtClean="0"/>
+              <a:t>You</a:t>
+            </a:r>
+            <a:r>
+              <a:rPr lang="de-AT" baseline="0" dirty="0" smtClean="0"/>
+              <a:t> </a:t>
+            </a:r>
+            <a:r>
+              <a:rPr lang="de-AT" baseline="0" dirty="0" err="1" smtClean="0"/>
+              <a:t>can</a:t>
+            </a:r>
+            <a:r>
+              <a:rPr lang="de-AT" baseline="0" dirty="0" smtClean="0"/>
+              <a:t> just </a:t>
+            </a:r>
+            <a:r>
+              <a:rPr lang="de-AT" baseline="0" dirty="0" err="1" smtClean="0"/>
+              <a:t>insert</a:t>
+            </a:r>
+            <a:r>
+              <a:rPr lang="de-AT" baseline="0" dirty="0" smtClean="0"/>
+              <a:t> a </a:t>
+            </a:r>
+            <a:r>
+              <a:rPr lang="de-AT" baseline="0" dirty="0" err="1" smtClean="0"/>
+              <a:t>new</a:t>
+            </a:r>
+            <a:r>
+              <a:rPr lang="de-AT" baseline="0" dirty="0" smtClean="0"/>
+              <a:t> </a:t>
+            </a:r>
+            <a:r>
+              <a:rPr lang="de-AT" baseline="0" dirty="0" err="1" smtClean="0"/>
+              <a:t>class</a:t>
+            </a:r>
+            <a:r>
+              <a:rPr lang="de-AT" baseline="0" dirty="0" smtClean="0"/>
+              <a:t> </a:t>
+            </a:r>
+            <a:r>
+              <a:rPr lang="de-AT" baseline="0" dirty="0" err="1" smtClean="0"/>
+              <a:t>and</a:t>
+            </a:r>
+            <a:r>
+              <a:rPr lang="de-AT" baseline="0" dirty="0" smtClean="0"/>
+              <a:t> link </a:t>
+            </a:r>
+            <a:r>
+              <a:rPr lang="de-AT" baseline="0" dirty="0" err="1" smtClean="0"/>
+              <a:t>it</a:t>
+            </a:r>
+            <a:r>
+              <a:rPr lang="de-AT" baseline="0" dirty="0" smtClean="0"/>
+              <a:t> </a:t>
             </a:r>
             <a:r>
               <a:rPr lang="de-AT" baseline="0" dirty="0" err="1" smtClean="0"/>
@@ -3481,23 +5386,31 @@
             </a:r>
             <a:r>
               <a:rPr lang="de-AT" baseline="0" dirty="0" err="1" smtClean="0"/>
-              <a:t>need</a:t>
-            </a:r>
-            <a:r>
-              <a:rPr lang="de-AT" baseline="0" dirty="0" smtClean="0"/>
-              <a:t> </a:t>
-            </a:r>
-            <a:r>
-              <a:rPr lang="de-AT" baseline="0" dirty="0" err="1" smtClean="0"/>
-              <a:t>of</a:t>
-            </a:r>
-            <a:r>
-              <a:rPr lang="de-AT" baseline="0" dirty="0" smtClean="0"/>
-              <a:t> </a:t>
-            </a:r>
-            <a:r>
-              <a:rPr lang="de-AT" baseline="0" dirty="0" err="1" smtClean="0"/>
-              <a:t>splitting</a:t>
+              <a:t>called</a:t>
+            </a:r>
+            <a:r>
+              <a:rPr lang="de-AT" baseline="0" dirty="0" smtClean="0"/>
+              <a:t> </a:t>
+            </a:r>
+            <a:r>
+              <a:rPr lang="de-AT" baseline="0" dirty="0" err="1" smtClean="0"/>
+              <a:t>functions</a:t>
+            </a:r>
+            <a:r>
+              <a:rPr lang="de-AT" baseline="0" dirty="0" smtClean="0"/>
+              <a:t> </a:t>
+            </a:r>
+            <a:r>
+              <a:rPr lang="de-AT" baseline="0" dirty="0" err="1" smtClean="0"/>
+              <a:t>together</a:t>
+            </a:r>
+            <a:r>
+              <a:rPr lang="de-AT" baseline="0" dirty="0" smtClean="0"/>
+              <a:t> </a:t>
+            </a:r>
+            <a:r>
+              <a:rPr lang="de-AT" baseline="0" dirty="0" err="1" smtClean="0"/>
+              <a:t>with</a:t>
             </a:r>
             <a:r>
               <a:rPr lang="de-AT" baseline="0" dirty="0" smtClean="0"/>
@@ -3513,743 +5426,21 @@
             </a:r>
             <a:r>
               <a:rPr lang="de-AT" baseline="0" dirty="0" err="1" smtClean="0"/>
-              <a:t>invoice</a:t>
+              <a:t>ither</a:t>
+            </a:r>
+            <a:r>
+              <a:rPr lang="de-AT" baseline="0" dirty="0" smtClean="0"/>
+              <a:t> </a:t>
+            </a:r>
+            <a:r>
+              <a:rPr lang="de-AT" baseline="0" dirty="0" err="1" smtClean="0"/>
+              <a:t>states</a:t>
             </a:r>
             <a:r>
               <a:rPr lang="de-AT" baseline="0" dirty="0" smtClean="0"/>
               <a:t>.</a:t>
             </a:r>
-          </a:p>
-          <a:p>
-            <a:r>
-              <a:rPr lang="de-AT" baseline="0" dirty="0" err="1" smtClean="0"/>
-              <a:t>Each</a:t>
-            </a:r>
-            <a:r>
-              <a:rPr lang="de-AT" baseline="0" dirty="0" smtClean="0"/>
-              <a:t> </a:t>
-            </a:r>
-            <a:r>
-              <a:rPr lang="de-AT" baseline="0" dirty="0" err="1" smtClean="0"/>
-              <a:t>step</a:t>
-            </a:r>
-            <a:r>
-              <a:rPr lang="de-AT" baseline="0" dirty="0" smtClean="0"/>
-              <a:t> </a:t>
-            </a:r>
-            <a:r>
-              <a:rPr lang="de-AT" baseline="0" dirty="0" err="1" smtClean="0"/>
-              <a:t>provides</a:t>
-            </a:r>
-            <a:r>
-              <a:rPr lang="de-AT" baseline="0" dirty="0" smtClean="0"/>
-              <a:t> different </a:t>
-            </a:r>
-            <a:r>
-              <a:rPr lang="de-AT" baseline="0" dirty="0" err="1" smtClean="0"/>
-              <a:t>functionalities</a:t>
-            </a:r>
-            <a:r>
-              <a:rPr lang="de-AT" baseline="0" dirty="0" smtClean="0"/>
-              <a:t> </a:t>
-            </a:r>
-            <a:r>
-              <a:rPr lang="de-AT" baseline="0" dirty="0" err="1" smtClean="0"/>
-              <a:t>and</a:t>
-            </a:r>
-            <a:r>
-              <a:rPr lang="de-AT" baseline="0" dirty="0" smtClean="0"/>
-              <a:t> </a:t>
-            </a:r>
-            <a:r>
-              <a:rPr lang="de-AT" baseline="0" dirty="0" err="1" smtClean="0"/>
-              <a:t>when</a:t>
-            </a:r>
-            <a:r>
-              <a:rPr lang="de-AT" baseline="0" dirty="0" smtClean="0"/>
-              <a:t> </a:t>
-            </a:r>
-            <a:r>
-              <a:rPr lang="de-AT" baseline="0" dirty="0" err="1" smtClean="0"/>
-              <a:t>you</a:t>
-            </a:r>
-            <a:r>
-              <a:rPr lang="de-AT" baseline="0" dirty="0" smtClean="0"/>
-              <a:t> </a:t>
-            </a:r>
-            <a:r>
-              <a:rPr lang="de-AT" baseline="0" dirty="0" err="1" smtClean="0"/>
-              <a:t>want</a:t>
-            </a:r>
-            <a:r>
-              <a:rPr lang="de-AT" baseline="0" dirty="0" smtClean="0"/>
-              <a:t> </a:t>
-            </a:r>
-            <a:r>
-              <a:rPr lang="de-AT" baseline="0" dirty="0" err="1" smtClean="0"/>
-              <a:t>to</a:t>
-            </a:r>
-            <a:r>
-              <a:rPr lang="de-AT" baseline="0" dirty="0" smtClean="0"/>
-              <a:t> </a:t>
-            </a:r>
-            <a:r>
-              <a:rPr lang="de-AT" baseline="0" dirty="0" err="1" smtClean="0"/>
-              <a:t>go</a:t>
-            </a:r>
-            <a:r>
-              <a:rPr lang="de-AT" baseline="0" dirty="0" smtClean="0"/>
-              <a:t> on, </a:t>
-            </a:r>
-            <a:r>
-              <a:rPr lang="de-AT" baseline="0" dirty="0" err="1" smtClean="0"/>
-              <a:t>the</a:t>
-            </a:r>
-            <a:r>
-              <a:rPr lang="de-AT" baseline="0" dirty="0" smtClean="0"/>
-              <a:t> </a:t>
-            </a:r>
-            <a:r>
-              <a:rPr lang="de-AT" baseline="0" dirty="0" err="1" smtClean="0"/>
-              <a:t>next</a:t>
-            </a:r>
-            <a:r>
-              <a:rPr lang="de-AT" baseline="0" dirty="0" smtClean="0"/>
-              <a:t>() </a:t>
-            </a:r>
-            <a:r>
-              <a:rPr lang="de-AT" baseline="0" dirty="0" err="1" smtClean="0"/>
-              <a:t>method</a:t>
-            </a:r>
-            <a:r>
-              <a:rPr lang="de-AT" baseline="0" dirty="0" smtClean="0"/>
-              <a:t> </a:t>
-            </a:r>
-            <a:r>
-              <a:rPr lang="de-AT" baseline="0" dirty="0" err="1" smtClean="0"/>
-              <a:t>saves</a:t>
-            </a:r>
-            <a:r>
-              <a:rPr lang="de-AT" baseline="0" dirty="0" smtClean="0"/>
-              <a:t> </a:t>
-            </a:r>
-            <a:r>
-              <a:rPr lang="de-AT" baseline="0" dirty="0" err="1" smtClean="0"/>
-              <a:t>the</a:t>
-            </a:r>
-            <a:r>
-              <a:rPr lang="de-AT" baseline="0" dirty="0" smtClean="0"/>
-              <a:t> </a:t>
-            </a:r>
-            <a:r>
-              <a:rPr lang="de-AT" baseline="0" dirty="0" err="1" smtClean="0"/>
-              <a:t>changed</a:t>
-            </a:r>
-            <a:r>
-              <a:rPr lang="de-AT" baseline="0" dirty="0" smtClean="0"/>
-              <a:t> </a:t>
-            </a:r>
-            <a:r>
-              <a:rPr lang="de-AT" baseline="0" dirty="0" err="1" smtClean="0"/>
-              <a:t>data</a:t>
-            </a:r>
-            <a:r>
-              <a:rPr lang="de-AT" baseline="0" dirty="0" smtClean="0"/>
-              <a:t> </a:t>
-            </a:r>
-            <a:r>
-              <a:rPr lang="de-AT" baseline="0" dirty="0" err="1" smtClean="0"/>
-              <a:t>and</a:t>
-            </a:r>
-            <a:r>
-              <a:rPr lang="de-AT" baseline="0" dirty="0" smtClean="0"/>
-              <a:t> </a:t>
-            </a:r>
-            <a:r>
-              <a:rPr lang="de-AT" baseline="0" dirty="0" err="1" smtClean="0"/>
-              <a:t>initializes</a:t>
-            </a:r>
-            <a:r>
-              <a:rPr lang="de-AT" baseline="0" dirty="0" smtClean="0"/>
-              <a:t> </a:t>
-            </a:r>
-            <a:r>
-              <a:rPr lang="de-AT" baseline="0" dirty="0" err="1" smtClean="0"/>
-              <a:t>the</a:t>
-            </a:r>
-            <a:r>
-              <a:rPr lang="de-AT" baseline="0" dirty="0" smtClean="0"/>
-              <a:t> </a:t>
-            </a:r>
-            <a:r>
-              <a:rPr lang="de-AT" baseline="0" dirty="0" err="1" smtClean="0"/>
-              <a:t>next</a:t>
-            </a:r>
-            <a:r>
-              <a:rPr lang="de-AT" baseline="0" dirty="0" smtClean="0"/>
-              <a:t> </a:t>
-            </a:r>
-            <a:r>
-              <a:rPr lang="de-AT" baseline="0" dirty="0" err="1" smtClean="0"/>
-              <a:t>step</a:t>
-            </a:r>
-            <a:r>
-              <a:rPr lang="de-AT" baseline="0" dirty="0" smtClean="0"/>
-              <a:t>.</a:t>
-            </a:r>
-          </a:p>
-          <a:p>
-            <a:r>
-              <a:rPr lang="de-AT" baseline="0" dirty="0" err="1" smtClean="0"/>
-              <a:t>When</a:t>
-            </a:r>
-            <a:r>
-              <a:rPr lang="de-AT" baseline="0" dirty="0" smtClean="0"/>
-              <a:t> </a:t>
-            </a:r>
-            <a:r>
-              <a:rPr lang="de-AT" baseline="0" dirty="0" err="1" smtClean="0"/>
-              <a:t>the</a:t>
-            </a:r>
-            <a:r>
-              <a:rPr lang="de-AT" baseline="0" dirty="0" smtClean="0"/>
-              <a:t> </a:t>
-            </a:r>
-            <a:r>
-              <a:rPr lang="de-AT" baseline="0" dirty="0" err="1" smtClean="0"/>
-              <a:t>invoice</a:t>
-            </a:r>
-            <a:r>
-              <a:rPr lang="de-AT" baseline="0" dirty="0" smtClean="0"/>
-              <a:t> </a:t>
-            </a:r>
-            <a:r>
-              <a:rPr lang="de-AT" baseline="0" dirty="0" err="1" smtClean="0"/>
-              <a:t>gets</a:t>
-            </a:r>
-            <a:r>
-              <a:rPr lang="de-AT" baseline="0" dirty="0" smtClean="0"/>
-              <a:t> </a:t>
-            </a:r>
-            <a:r>
-              <a:rPr lang="de-AT" baseline="0" dirty="0" err="1" smtClean="0"/>
-              <a:t>paid</a:t>
-            </a:r>
-            <a:r>
-              <a:rPr lang="de-AT" baseline="0" dirty="0" smtClean="0"/>
-              <a:t>, </a:t>
-            </a:r>
-            <a:r>
-              <a:rPr lang="de-AT" baseline="0" dirty="0" err="1" smtClean="0"/>
-              <a:t>the</a:t>
-            </a:r>
-            <a:r>
-              <a:rPr lang="de-AT" baseline="0" dirty="0" smtClean="0"/>
-              <a:t> </a:t>
-            </a:r>
-            <a:r>
-              <a:rPr lang="de-AT" baseline="0" dirty="0" err="1" smtClean="0"/>
-              <a:t>next</a:t>
-            </a:r>
-            <a:r>
-              <a:rPr lang="de-AT" baseline="0" dirty="0" smtClean="0"/>
-              <a:t> </a:t>
-            </a:r>
-            <a:r>
-              <a:rPr lang="de-AT" baseline="0" dirty="0" err="1" smtClean="0"/>
-              <a:t>state</a:t>
-            </a:r>
-            <a:r>
-              <a:rPr lang="de-AT" baseline="0" dirty="0" smtClean="0"/>
-              <a:t> </a:t>
-            </a:r>
-            <a:r>
-              <a:rPr lang="de-AT" baseline="0" dirty="0" err="1" smtClean="0"/>
-              <a:t>depends</a:t>
-            </a:r>
-            <a:r>
-              <a:rPr lang="de-AT" baseline="0" dirty="0" smtClean="0"/>
-              <a:t> on </a:t>
-            </a:r>
-            <a:r>
-              <a:rPr lang="de-AT" baseline="0" dirty="0" err="1" smtClean="0"/>
-              <a:t>wheter</a:t>
-            </a:r>
-            <a:r>
-              <a:rPr lang="de-AT" baseline="0" dirty="0" smtClean="0"/>
-              <a:t> all </a:t>
-            </a:r>
-            <a:r>
-              <a:rPr lang="de-AT" baseline="0" dirty="0" err="1" smtClean="0"/>
-              <a:t>items</a:t>
-            </a:r>
-            <a:r>
-              <a:rPr lang="de-AT" baseline="0" dirty="0" smtClean="0"/>
-              <a:t> </a:t>
-            </a:r>
-            <a:r>
-              <a:rPr lang="de-AT" baseline="0" dirty="0" err="1" smtClean="0"/>
-              <a:t>are</a:t>
-            </a:r>
-            <a:r>
-              <a:rPr lang="de-AT" baseline="0" dirty="0" smtClean="0"/>
-              <a:t> </a:t>
-            </a:r>
-            <a:r>
-              <a:rPr lang="de-AT" baseline="0" dirty="0" err="1" smtClean="0"/>
-              <a:t>paid</a:t>
-            </a:r>
-            <a:r>
-              <a:rPr lang="de-AT" baseline="0" dirty="0" smtClean="0"/>
-              <a:t> </a:t>
-            </a:r>
-            <a:r>
-              <a:rPr lang="de-AT" baseline="0" dirty="0" err="1" smtClean="0"/>
-              <a:t>or</a:t>
-            </a:r>
-            <a:r>
-              <a:rPr lang="de-AT" baseline="0" dirty="0" smtClean="0"/>
-              <a:t> not. </a:t>
-            </a:r>
-            <a:r>
-              <a:rPr lang="de-AT" baseline="0" dirty="0" err="1" smtClean="0"/>
-              <a:t>If</a:t>
-            </a:r>
-            <a:r>
-              <a:rPr lang="de-AT" baseline="0" dirty="0" smtClean="0"/>
-              <a:t> </a:t>
-            </a:r>
-            <a:r>
-              <a:rPr lang="de-AT" baseline="0" dirty="0" err="1" smtClean="0"/>
-              <a:t>there</a:t>
-            </a:r>
-            <a:r>
-              <a:rPr lang="de-AT" baseline="0" dirty="0" smtClean="0"/>
-              <a:t> </a:t>
-            </a:r>
-            <a:r>
-              <a:rPr lang="de-AT" baseline="0" dirty="0" err="1" smtClean="0"/>
-              <a:t>are</a:t>
-            </a:r>
-            <a:r>
-              <a:rPr lang="de-AT" baseline="0" dirty="0" smtClean="0"/>
-              <a:t> „open“ </a:t>
-            </a:r>
-            <a:r>
-              <a:rPr lang="de-AT" baseline="0" dirty="0" err="1" smtClean="0"/>
-              <a:t>items</a:t>
-            </a:r>
-            <a:r>
-              <a:rPr lang="de-AT" baseline="0" dirty="0" smtClean="0"/>
-              <a:t>, </a:t>
-            </a:r>
-            <a:r>
-              <a:rPr lang="de-AT" baseline="0" dirty="0" err="1" smtClean="0"/>
-              <a:t>the</a:t>
-            </a:r>
-            <a:r>
-              <a:rPr lang="de-AT" baseline="0" dirty="0" smtClean="0"/>
-              <a:t> </a:t>
-            </a:r>
-            <a:r>
-              <a:rPr lang="de-AT" baseline="0" dirty="0" err="1" smtClean="0"/>
-              <a:t>next</a:t>
-            </a:r>
-            <a:r>
-              <a:rPr lang="de-AT" baseline="0" dirty="0" smtClean="0"/>
-              <a:t> </a:t>
-            </a:r>
-            <a:r>
-              <a:rPr lang="de-AT" baseline="0" dirty="0" err="1" smtClean="0"/>
-              <a:t>step</a:t>
-            </a:r>
-            <a:r>
-              <a:rPr lang="de-AT" baseline="0" dirty="0" smtClean="0"/>
-              <a:t> </a:t>
-            </a:r>
-            <a:r>
-              <a:rPr lang="de-AT" baseline="0" dirty="0" err="1" smtClean="0"/>
-              <a:t>is</a:t>
-            </a:r>
-            <a:r>
-              <a:rPr lang="de-AT" baseline="0" dirty="0" smtClean="0"/>
-              <a:t> </a:t>
-            </a:r>
-            <a:r>
-              <a:rPr lang="de-AT" baseline="0" dirty="0" err="1" smtClean="0"/>
-              <a:t>the</a:t>
-            </a:r>
-            <a:r>
-              <a:rPr lang="de-AT" baseline="0" dirty="0" smtClean="0"/>
-              <a:t> intermediate </a:t>
-            </a:r>
-            <a:r>
-              <a:rPr lang="de-AT" baseline="0" dirty="0" err="1" smtClean="0"/>
-              <a:t>invoice</a:t>
-            </a:r>
-            <a:r>
-              <a:rPr lang="de-AT" baseline="0" dirty="0" smtClean="0"/>
-              <a:t> </a:t>
-            </a:r>
-            <a:r>
-              <a:rPr lang="de-AT" baseline="0" dirty="0" err="1" smtClean="0"/>
-              <a:t>state</a:t>
-            </a:r>
-            <a:r>
-              <a:rPr lang="de-AT" baseline="0" dirty="0" smtClean="0"/>
-              <a:t>, in </a:t>
-            </a:r>
-            <a:r>
-              <a:rPr lang="de-AT" baseline="0" dirty="0" err="1" smtClean="0"/>
-              <a:t>the</a:t>
-            </a:r>
-            <a:r>
-              <a:rPr lang="de-AT" baseline="0" dirty="0" smtClean="0"/>
-              <a:t> </a:t>
-            </a:r>
-            <a:r>
-              <a:rPr lang="de-AT" baseline="0" dirty="0" err="1" smtClean="0"/>
-              <a:t>other</a:t>
-            </a:r>
-            <a:r>
-              <a:rPr lang="de-AT" baseline="0" dirty="0" smtClean="0"/>
-              <a:t> </a:t>
-            </a:r>
-            <a:r>
-              <a:rPr lang="de-AT" baseline="0" dirty="0" err="1" smtClean="0"/>
-              <a:t>case</a:t>
-            </a:r>
-            <a:r>
-              <a:rPr lang="de-AT" baseline="0" dirty="0" smtClean="0"/>
-              <a:t> </a:t>
-            </a:r>
-            <a:r>
-              <a:rPr lang="de-AT" baseline="0" dirty="0" err="1" smtClean="0"/>
-              <a:t>we</a:t>
-            </a:r>
-            <a:r>
-              <a:rPr lang="de-AT" baseline="0" dirty="0" smtClean="0"/>
-              <a:t> </a:t>
-            </a:r>
-            <a:r>
-              <a:rPr lang="de-AT" baseline="0" dirty="0" err="1" smtClean="0"/>
-              <a:t>go</a:t>
-            </a:r>
-            <a:r>
-              <a:rPr lang="de-AT" baseline="0" dirty="0" smtClean="0"/>
-              <a:t> back </a:t>
-            </a:r>
-            <a:r>
-              <a:rPr lang="de-AT" baseline="0" dirty="0" err="1" smtClean="0"/>
-              <a:t>to</a:t>
-            </a:r>
-            <a:r>
-              <a:rPr lang="de-AT" baseline="0" dirty="0" smtClean="0"/>
-              <a:t> </a:t>
-            </a:r>
-            <a:r>
-              <a:rPr lang="de-AT" baseline="0" dirty="0" err="1" smtClean="0"/>
-              <a:t>the</a:t>
-            </a:r>
-            <a:r>
-              <a:rPr lang="de-AT" baseline="0" dirty="0" smtClean="0"/>
-              <a:t> </a:t>
-            </a:r>
-            <a:r>
-              <a:rPr lang="de-AT" baseline="0" dirty="0" err="1" smtClean="0"/>
-              <a:t>search</a:t>
-            </a:r>
-            <a:r>
-              <a:rPr lang="de-AT" baseline="0" dirty="0" smtClean="0"/>
-              <a:t> </a:t>
-            </a:r>
-            <a:r>
-              <a:rPr lang="de-AT" baseline="0" dirty="0" err="1" smtClean="0"/>
-              <a:t>state</a:t>
-            </a:r>
-            <a:r>
-              <a:rPr lang="de-AT" baseline="0" dirty="0" smtClean="0"/>
-              <a:t>, </a:t>
-            </a:r>
-            <a:r>
-              <a:rPr lang="de-AT" baseline="0" dirty="0" err="1" smtClean="0"/>
-              <a:t>where</a:t>
-            </a:r>
-            <a:r>
-              <a:rPr lang="de-AT" baseline="0" dirty="0" smtClean="0"/>
-              <a:t> </a:t>
-            </a:r>
-            <a:r>
-              <a:rPr lang="de-AT" baseline="0" dirty="0" err="1" smtClean="0"/>
-              <a:t>the</a:t>
-            </a:r>
-            <a:r>
-              <a:rPr lang="de-AT" baseline="0" dirty="0" smtClean="0"/>
-              <a:t> different </a:t>
-            </a:r>
-            <a:r>
-              <a:rPr lang="de-AT" baseline="0" dirty="0" err="1" smtClean="0"/>
-              <a:t>habitations</a:t>
-            </a:r>
-            <a:r>
-              <a:rPr lang="de-AT" baseline="0" dirty="0" smtClean="0"/>
-              <a:t> </a:t>
-            </a:r>
-            <a:r>
-              <a:rPr lang="de-AT" baseline="0" dirty="0" err="1" smtClean="0"/>
-              <a:t>can</a:t>
-            </a:r>
-            <a:r>
-              <a:rPr lang="de-AT" baseline="0" dirty="0" smtClean="0"/>
-              <a:t> </a:t>
-            </a:r>
-            <a:r>
-              <a:rPr lang="de-AT" baseline="0" dirty="0" err="1" smtClean="0"/>
-              <a:t>be</a:t>
-            </a:r>
-            <a:r>
-              <a:rPr lang="de-AT" baseline="0" dirty="0" smtClean="0"/>
-              <a:t> </a:t>
-            </a:r>
-            <a:r>
-              <a:rPr lang="de-AT" baseline="0" dirty="0" err="1" smtClean="0"/>
-              <a:t>searched</a:t>
-            </a:r>
-            <a:r>
-              <a:rPr lang="de-AT" baseline="0" dirty="0" smtClean="0"/>
-              <a:t> </a:t>
-            </a:r>
-            <a:r>
-              <a:rPr lang="de-AT" baseline="0" dirty="0" err="1" smtClean="0"/>
-              <a:t>and</a:t>
-            </a:r>
-            <a:r>
-              <a:rPr lang="de-AT" baseline="0" dirty="0" smtClean="0"/>
-              <a:t> </a:t>
-            </a:r>
-            <a:r>
-              <a:rPr lang="de-AT" baseline="0" dirty="0" err="1" smtClean="0"/>
-              <a:t>selected</a:t>
-            </a:r>
-            <a:r>
-              <a:rPr lang="de-AT" baseline="0" dirty="0" smtClean="0"/>
-              <a:t>.</a:t>
-            </a:r>
-          </a:p>
-          <a:p>
-            <a:r>
-              <a:rPr lang="de-AT" baseline="0" dirty="0" smtClean="0"/>
-              <a:t>The </a:t>
-            </a:r>
-            <a:r>
-              <a:rPr lang="de-AT" baseline="0" dirty="0" err="1" smtClean="0"/>
-              <a:t>state</a:t>
-            </a:r>
-            <a:r>
-              <a:rPr lang="de-AT" baseline="0" dirty="0" smtClean="0"/>
-              <a:t> </a:t>
-            </a:r>
-            <a:r>
-              <a:rPr lang="de-AT" baseline="0" dirty="0" err="1" smtClean="0"/>
-              <a:t>pattern</a:t>
-            </a:r>
-            <a:r>
-              <a:rPr lang="de-AT" baseline="0" dirty="0" smtClean="0"/>
-              <a:t> </a:t>
-            </a:r>
-            <a:r>
-              <a:rPr lang="de-AT" baseline="0" dirty="0" err="1" smtClean="0"/>
-              <a:t>helps</a:t>
-            </a:r>
-            <a:r>
-              <a:rPr lang="de-AT" baseline="0" dirty="0" smtClean="0"/>
-              <a:t> </a:t>
-            </a:r>
-            <a:r>
-              <a:rPr lang="de-AT" baseline="0" dirty="0" err="1" smtClean="0"/>
-              <a:t>us</a:t>
-            </a:r>
-            <a:r>
-              <a:rPr lang="de-AT" baseline="0" dirty="0" smtClean="0"/>
-              <a:t> </a:t>
-            </a:r>
-            <a:r>
-              <a:rPr lang="de-AT" baseline="0" dirty="0" err="1" smtClean="0"/>
-              <a:t>to</a:t>
-            </a:r>
-            <a:r>
-              <a:rPr lang="de-AT" baseline="0" dirty="0" smtClean="0"/>
-              <a:t> </a:t>
-            </a:r>
-            <a:r>
-              <a:rPr lang="de-AT" baseline="0" dirty="0" err="1" smtClean="0"/>
-              <a:t>guarantee</a:t>
-            </a:r>
-            <a:r>
-              <a:rPr lang="de-AT" baseline="0" dirty="0" smtClean="0"/>
-              <a:t> </a:t>
-            </a:r>
-            <a:r>
-              <a:rPr lang="de-AT" baseline="0" dirty="0" err="1" smtClean="0"/>
-              <a:t>that</a:t>
-            </a:r>
-            <a:r>
-              <a:rPr lang="de-AT" baseline="0" dirty="0" smtClean="0"/>
-              <a:t> </a:t>
-            </a:r>
-            <a:r>
-              <a:rPr lang="de-AT" baseline="0" dirty="0" err="1" smtClean="0"/>
-              <a:t>we</a:t>
-            </a:r>
-            <a:r>
-              <a:rPr lang="de-AT" baseline="0" dirty="0" smtClean="0"/>
-              <a:t> </a:t>
-            </a:r>
-            <a:r>
-              <a:rPr lang="de-AT" baseline="0" dirty="0" err="1" smtClean="0"/>
-              <a:t>are</a:t>
-            </a:r>
-            <a:r>
-              <a:rPr lang="de-AT" baseline="0" dirty="0" smtClean="0"/>
-              <a:t> not </a:t>
-            </a:r>
-            <a:r>
-              <a:rPr lang="de-AT" baseline="0" dirty="0" err="1" smtClean="0"/>
-              <a:t>able</a:t>
-            </a:r>
-            <a:r>
-              <a:rPr lang="de-AT" baseline="0" dirty="0" smtClean="0"/>
-              <a:t> </a:t>
-            </a:r>
-            <a:r>
-              <a:rPr lang="de-AT" baseline="0" dirty="0" err="1" smtClean="0"/>
-              <a:t>to</a:t>
-            </a:r>
-            <a:r>
-              <a:rPr lang="de-AT" baseline="0" dirty="0" smtClean="0"/>
-              <a:t> </a:t>
-            </a:r>
-            <a:r>
-              <a:rPr lang="de-AT" baseline="0" dirty="0" err="1" smtClean="0"/>
-              <a:t>call</a:t>
-            </a:r>
-            <a:r>
-              <a:rPr lang="de-AT" baseline="0" dirty="0" smtClean="0"/>
-              <a:t> </a:t>
-            </a:r>
-            <a:r>
-              <a:rPr lang="de-AT" baseline="0" dirty="0" err="1" smtClean="0"/>
-              <a:t>methods</a:t>
-            </a:r>
-            <a:r>
-              <a:rPr lang="de-AT" baseline="0" dirty="0" smtClean="0"/>
-              <a:t>, </a:t>
-            </a:r>
-            <a:r>
-              <a:rPr lang="de-AT" baseline="0" dirty="0" err="1" smtClean="0"/>
-              <a:t>which</a:t>
-            </a:r>
-            <a:r>
-              <a:rPr lang="de-AT" baseline="0" dirty="0" smtClean="0"/>
-              <a:t> </a:t>
-            </a:r>
-            <a:r>
-              <a:rPr lang="de-AT" baseline="0" dirty="0" err="1" smtClean="0"/>
-              <a:t>shouldn‘t</a:t>
-            </a:r>
-            <a:r>
-              <a:rPr lang="de-AT" baseline="0" dirty="0" smtClean="0"/>
-              <a:t> </a:t>
-            </a:r>
-            <a:r>
-              <a:rPr lang="de-AT" baseline="0" dirty="0" err="1" smtClean="0"/>
-              <a:t>be</a:t>
-            </a:r>
-            <a:r>
-              <a:rPr lang="de-AT" baseline="0" dirty="0" smtClean="0"/>
-              <a:t> </a:t>
-            </a:r>
-            <a:r>
-              <a:rPr lang="de-AT" baseline="0" dirty="0" err="1" smtClean="0"/>
-              <a:t>accessible</a:t>
-            </a:r>
-            <a:r>
-              <a:rPr lang="de-AT" baseline="0" dirty="0" smtClean="0"/>
-              <a:t> in different </a:t>
-            </a:r>
-            <a:r>
-              <a:rPr lang="de-AT" baseline="0" dirty="0" err="1" smtClean="0"/>
-              <a:t>cases</a:t>
-            </a:r>
-            <a:r>
-              <a:rPr lang="de-AT" baseline="0" dirty="0" smtClean="0"/>
-              <a:t> </a:t>
-            </a:r>
-            <a:r>
-              <a:rPr lang="de-AT" baseline="0" dirty="0" err="1" smtClean="0"/>
-              <a:t>and</a:t>
-            </a:r>
-            <a:r>
-              <a:rPr lang="de-AT" baseline="0" dirty="0" smtClean="0"/>
-              <a:t> also </a:t>
-            </a:r>
-            <a:r>
-              <a:rPr lang="de-AT" baseline="0" dirty="0" err="1" smtClean="0"/>
-              <a:t>manages</a:t>
-            </a:r>
-            <a:r>
-              <a:rPr lang="de-AT" baseline="0" dirty="0" smtClean="0"/>
-              <a:t> </a:t>
-            </a:r>
-            <a:r>
-              <a:rPr lang="de-AT" baseline="0" dirty="0" err="1" smtClean="0"/>
-              <a:t>the</a:t>
-            </a:r>
-            <a:r>
-              <a:rPr lang="de-AT" baseline="0" dirty="0" smtClean="0"/>
-              <a:t> </a:t>
-            </a:r>
-            <a:r>
-              <a:rPr lang="de-AT" baseline="0" dirty="0" err="1" smtClean="0"/>
-              <a:t>process</a:t>
-            </a:r>
-            <a:r>
-              <a:rPr lang="de-AT" baseline="0" dirty="0" smtClean="0"/>
-              <a:t> </a:t>
-            </a:r>
-            <a:r>
-              <a:rPr lang="de-AT" baseline="0" dirty="0" err="1" smtClean="0"/>
-              <a:t>of</a:t>
-            </a:r>
-            <a:r>
-              <a:rPr lang="de-AT" baseline="0" dirty="0" smtClean="0"/>
-              <a:t> </a:t>
-            </a:r>
-            <a:r>
-              <a:rPr lang="de-AT" baseline="0" dirty="0" err="1" smtClean="0"/>
-              <a:t>the</a:t>
-            </a:r>
-            <a:r>
-              <a:rPr lang="de-AT" baseline="0" dirty="0" smtClean="0"/>
-              <a:t> </a:t>
-            </a:r>
-            <a:r>
-              <a:rPr lang="de-AT" baseline="0" dirty="0" err="1" smtClean="0"/>
-              <a:t>use</a:t>
-            </a:r>
-            <a:r>
-              <a:rPr lang="de-AT" baseline="0" dirty="0" smtClean="0"/>
-              <a:t> </a:t>
-            </a:r>
-            <a:r>
-              <a:rPr lang="de-AT" baseline="0" dirty="0" err="1" smtClean="0"/>
-              <a:t>case</a:t>
-            </a:r>
-            <a:r>
-              <a:rPr lang="de-AT" baseline="0" dirty="0" smtClean="0"/>
-              <a:t>.</a:t>
-            </a:r>
-            <a:endParaRPr lang="de-AT" dirty="0" smtClean="0"/>
+            <a:endParaRPr lang="de-AT" dirty="0"/>
           </a:p>
         </p:txBody>
       </p:sp>
@@ -4270,7 +5461,7 @@
           <a:p>
             <a:fld id="{0FCCB273-3FCC-4BAE-AC2F-A278774C5B5F}" type="slidenum">
               <a:rPr lang="de-AT" smtClean="0"/>
-              <a:t>17</a:t>
+              <a:t>16</a:t>
             </a:fld>
             <a:endParaRPr lang="de-AT"/>
           </a:p>
@@ -4279,7 +5470,7 @@
     </p:spTree>
     <p:extLst>
       <p:ext uri="{BB962C8B-B14F-4D97-AF65-F5344CB8AC3E}">
-        <p14:creationId xmlns:p14="http://schemas.microsoft.com/office/powerpoint/2010/main" val="2978896374"/>
+        <p14:creationId xmlns:p14="http://schemas.microsoft.com/office/powerpoint/2010/main" val="2790846356"/>
       </p:ext>
     </p:extLst>
   </p:cSld>
@@ -4470,7 +5661,7 @@
           <a:p>
             <a:fld id="{1BA50D42-C9CD-4801-B293-61D1F53EC57E}" type="datetimeFigureOut">
               <a:rPr lang="de-DE" smtClean="0"/>
-              <a:t>05.06.2012</a:t>
+              <a:t>06.06.2012</a:t>
             </a:fld>
             <a:endParaRPr lang="de-DE"/>
           </a:p>
@@ -4635,7 +5826,7 @@
           <a:p>
             <a:fld id="{1BA50D42-C9CD-4801-B293-61D1F53EC57E}" type="datetimeFigureOut">
               <a:rPr lang="de-DE" smtClean="0"/>
-              <a:t>05.06.2012</a:t>
+              <a:t>06.06.2012</a:t>
             </a:fld>
             <a:endParaRPr lang="de-DE"/>
           </a:p>
@@ -4810,7 +6001,7 @@
           <a:p>
             <a:fld id="{1BA50D42-C9CD-4801-B293-61D1F53EC57E}" type="datetimeFigureOut">
               <a:rPr lang="de-DE" smtClean="0"/>
-              <a:t>05.06.2012</a:t>
+              <a:t>06.06.2012</a:t>
             </a:fld>
             <a:endParaRPr lang="de-DE"/>
           </a:p>
@@ -5122,7 +6313,7 @@
           <a:p>
             <a:fld id="{1BA50D42-C9CD-4801-B293-61D1F53EC57E}" type="datetimeFigureOut">
               <a:rPr lang="de-DE" smtClean="0"/>
-              <a:t>05.06.2012</a:t>
+              <a:t>06.06.2012</a:t>
             </a:fld>
             <a:endParaRPr lang="de-DE"/>
           </a:p>
@@ -5363,7 +6554,7 @@
           <a:p>
             <a:fld id="{1BA50D42-C9CD-4801-B293-61D1F53EC57E}" type="datetimeFigureOut">
               <a:rPr lang="de-DE" smtClean="0"/>
-              <a:t>05.06.2012</a:t>
+              <a:t>06.06.2012</a:t>
             </a:fld>
             <a:endParaRPr lang="de-DE"/>
           </a:p>
@@ -5646,7 +6837,7 @@
           <a:p>
             <a:fld id="{1BA50D42-C9CD-4801-B293-61D1F53EC57E}" type="datetimeFigureOut">
               <a:rPr lang="de-DE" smtClean="0"/>
-              <a:t>05.06.2012</a:t>
+              <a:t>06.06.2012</a:t>
             </a:fld>
             <a:endParaRPr lang="de-DE"/>
           </a:p>
@@ -6063,7 +7254,7 @@
           <a:p>
             <a:fld id="{1BA50D42-C9CD-4801-B293-61D1F53EC57E}" type="datetimeFigureOut">
               <a:rPr lang="de-DE" smtClean="0"/>
-              <a:t>05.06.2012</a:t>
+              <a:t>06.06.2012</a:t>
             </a:fld>
             <a:endParaRPr lang="de-DE"/>
           </a:p>
@@ -6176,7 +7367,7 @@
           <a:p>
             <a:fld id="{1BA50D42-C9CD-4801-B293-61D1F53EC57E}" type="datetimeFigureOut">
               <a:rPr lang="de-DE" smtClean="0"/>
-              <a:t>05.06.2012</a:t>
+              <a:t>06.06.2012</a:t>
             </a:fld>
             <a:endParaRPr lang="de-DE"/>
           </a:p>
@@ -6266,7 +7457,7 @@
           <a:p>
             <a:fld id="{1BA50D42-C9CD-4801-B293-61D1F53EC57E}" type="datetimeFigureOut">
               <a:rPr lang="de-DE" smtClean="0"/>
-              <a:t>05.06.2012</a:t>
+              <a:t>06.06.2012</a:t>
             </a:fld>
             <a:endParaRPr lang="de-DE"/>
           </a:p>
@@ -6538,7 +7729,7 @@
           <a:p>
             <a:fld id="{1BA50D42-C9CD-4801-B293-61D1F53EC57E}" type="datetimeFigureOut">
               <a:rPr lang="de-DE" smtClean="0"/>
-              <a:t>05.06.2012</a:t>
+              <a:t>06.06.2012</a:t>
             </a:fld>
             <a:endParaRPr lang="de-DE"/>
           </a:p>
@@ -6786,7 +7977,7 @@
           <a:p>
             <a:fld id="{1BA50D42-C9CD-4801-B293-61D1F53EC57E}" type="datetimeFigureOut">
               <a:rPr lang="de-DE" smtClean="0"/>
-              <a:t>05.06.2012</a:t>
+              <a:t>06.06.2012</a:t>
             </a:fld>
             <a:endParaRPr lang="de-DE"/>
           </a:p>
@@ -6994,7 +8185,7 @@
           <a:p>
             <a:fld id="{1BA50D42-C9CD-4801-B293-61D1F53EC57E}" type="datetimeFigureOut">
               <a:rPr lang="de-DE" smtClean="0"/>
-              <a:t>05.06.2012</a:t>
+              <a:t>06.06.2012</a:t>
             </a:fld>
             <a:endParaRPr lang="de-DE"/>
           </a:p>
@@ -7425,6 +8616,13 @@
   <p:clrMapOvr>
     <a:masterClrMapping/>
   </p:clrMapOvr>
+  <p:timing>
+    <p:tnLst>
+      <p:par>
+        <p:cTn id="1" dur="indefinite" restart="never" nodeType="tmRoot"/>
+      </p:par>
+    </p:tnLst>
+  </p:timing>
 </p:sld>
 </file>
 
@@ -7527,6 +8725,13 @@
   <p:clrMapOvr>
     <a:masterClrMapping/>
   </p:clrMapOvr>
+  <p:timing>
+    <p:tnLst>
+      <p:par>
+        <p:cTn id="1" dur="indefinite" restart="never" nodeType="tmRoot"/>
+      </p:par>
+    </p:tnLst>
+  </p:timing>
 </p:sld>
 </file>
 
@@ -7648,6 +8853,13 @@
   <p:clrMapOvr>
     <a:masterClrMapping/>
   </p:clrMapOvr>
+  <p:timing>
+    <p:tnLst>
+      <p:par>
+        <p:cTn id="1" dur="indefinite" restart="never" nodeType="tmRoot"/>
+      </p:par>
+    </p:tnLst>
+  </p:timing>
 </p:sld>
 </file>
 
@@ -7876,6 +9088,13 @@
   <p:clrMapOvr>
     <a:masterClrMapping/>
   </p:clrMapOvr>
+  <p:timing>
+    <p:tnLst>
+      <p:par>
+        <p:cTn id="1" dur="indefinite" restart="never" nodeType="tmRoot"/>
+      </p:par>
+    </p:tnLst>
+  </p:timing>
 </p:sld>
 </file>
 
@@ -7932,7 +9151,7 @@
         </p:nvSpPr>
         <p:spPr>
           <a:xfrm>
-            <a:off x="1259632" y="2204913"/>
+            <a:off x="1247020" y="1916832"/>
             <a:ext cx="6696744" cy="864096"/>
           </a:xfrm>
           <a:prstGeom prst="rect">
@@ -7978,7 +9197,7 @@
         </p:nvSpPr>
         <p:spPr>
           <a:xfrm>
-            <a:off x="1259632" y="4725144"/>
+            <a:off x="1268206" y="5013176"/>
             <a:ext cx="6696744" cy="864096"/>
           </a:xfrm>
           <a:prstGeom prst="rect">
@@ -8047,29 +9266,30 @@
           <a:p>
             <a:pPr algn="ctr"/>
             <a:r>
-              <a:rPr lang="de-AT" dirty="0" smtClean="0"/>
+              <a:rPr lang="de-AT" sz="2800" b="1" dirty="0" smtClean="0"/>
               <a:t>Mapper</a:t>
             </a:r>
-            <a:endParaRPr lang="de-AT" dirty="0"/>
+            <a:endParaRPr lang="de-AT" sz="2800" b="1" dirty="0"/>
           </a:p>
         </p:txBody>
       </p:sp>
       <p:cxnSp>
         <p:nvCxnSpPr>
-          <p:cNvPr id="9" name="Gerade Verbindung mit Pfeil 8"/>
+          <p:cNvPr id="14" name="Gerade Verbindung mit Pfeil 13"/>
           <p:cNvCxnSpPr/>
           <p:nvPr/>
         </p:nvCxnSpPr>
         <p:spPr>
           <a:xfrm>
-            <a:off x="2339752" y="3069009"/>
-            <a:ext cx="864096" cy="576015"/>
+            <a:off x="4716016" y="2780928"/>
+            <a:ext cx="0" cy="864096"/>
           </a:xfrm>
           <a:prstGeom prst="straightConnector1">
             <a:avLst/>
           </a:prstGeom>
-          <a:ln>
-            <a:tailEnd type="arrow"/>
+          <a:ln w="63500">
+            <a:headEnd type="arrow" w="med" len="sm"/>
+            <a:tailEnd type="arrow" w="med" len="sm"/>
           </a:ln>
         </p:spPr>
         <p:style>
@@ -8089,418 +9309,21 @@
       </p:cxnSp>
       <p:cxnSp>
         <p:nvCxnSpPr>
-          <p:cNvPr id="14" name="Gerade Verbindung mit Pfeil 13"/>
+          <p:cNvPr id="23" name="Gerade Verbindung mit Pfeil 22"/>
           <p:cNvCxnSpPr/>
           <p:nvPr/>
         </p:nvCxnSpPr>
         <p:spPr>
           <a:xfrm>
-            <a:off x="3707904" y="3069009"/>
-            <a:ext cx="0" cy="576015"/>
+            <a:off x="4716016" y="4149080"/>
+            <a:ext cx="0" cy="864096"/>
           </a:xfrm>
           <a:prstGeom prst="straightConnector1">
             <a:avLst/>
           </a:prstGeom>
-          <a:ln>
-            <a:tailEnd type="arrow"/>
-          </a:ln>
-        </p:spPr>
-        <p:style>
-          <a:lnRef idx="1">
-            <a:schemeClr val="accent1"/>
-          </a:lnRef>
-          <a:fillRef idx="0">
-            <a:schemeClr val="accent1"/>
-          </a:fillRef>
-          <a:effectRef idx="0">
-            <a:schemeClr val="accent1"/>
-          </a:effectRef>
-          <a:fontRef idx="minor">
-            <a:schemeClr val="tx1"/>
-          </a:fontRef>
-        </p:style>
-      </p:cxnSp>
-      <p:cxnSp>
-        <p:nvCxnSpPr>
-          <p:cNvPr id="16" name="Gerade Verbindung mit Pfeil 15"/>
-          <p:cNvCxnSpPr/>
-          <p:nvPr/>
-        </p:nvCxnSpPr>
-        <p:spPr>
-          <a:xfrm flipH="1">
-            <a:off x="6084168" y="3069009"/>
-            <a:ext cx="216024" cy="576015"/>
-          </a:xfrm>
-          <a:prstGeom prst="straightConnector1">
-            <a:avLst/>
-          </a:prstGeom>
-          <a:ln>
-            <a:tailEnd type="arrow"/>
-          </a:ln>
-        </p:spPr>
-        <p:style>
-          <a:lnRef idx="1">
-            <a:schemeClr val="accent1"/>
-          </a:lnRef>
-          <a:fillRef idx="0">
-            <a:schemeClr val="accent1"/>
-          </a:fillRef>
-          <a:effectRef idx="0">
-            <a:schemeClr val="accent1"/>
-          </a:effectRef>
-          <a:fontRef idx="minor">
-            <a:schemeClr val="tx1"/>
-          </a:fontRef>
-        </p:style>
-      </p:cxnSp>
-      <p:cxnSp>
-        <p:nvCxnSpPr>
-          <p:cNvPr id="18" name="Gerade Verbindung mit Pfeil 17"/>
-          <p:cNvCxnSpPr/>
-          <p:nvPr/>
-        </p:nvCxnSpPr>
-        <p:spPr>
-          <a:xfrm flipH="1">
-            <a:off x="4932040" y="3069009"/>
-            <a:ext cx="216024" cy="576015"/>
-          </a:xfrm>
-          <a:prstGeom prst="straightConnector1">
-            <a:avLst/>
-          </a:prstGeom>
-          <a:ln>
-            <a:tailEnd type="arrow"/>
-          </a:ln>
-        </p:spPr>
-        <p:style>
-          <a:lnRef idx="1">
-            <a:schemeClr val="accent1"/>
-          </a:lnRef>
-          <a:fillRef idx="0">
-            <a:schemeClr val="accent1"/>
-          </a:fillRef>
-          <a:effectRef idx="0">
-            <a:schemeClr val="accent1"/>
-          </a:effectRef>
-          <a:fontRef idx="minor">
-            <a:schemeClr val="tx1"/>
-          </a:fontRef>
-        </p:style>
-      </p:cxnSp>
-      <p:cxnSp>
-        <p:nvCxnSpPr>
-          <p:cNvPr id="20" name="Gerade Verbindung mit Pfeil 19"/>
-          <p:cNvCxnSpPr>
-            <a:stCxn id="7" idx="0"/>
-          </p:cNvCxnSpPr>
-          <p:nvPr/>
-        </p:nvCxnSpPr>
-        <p:spPr>
-          <a:xfrm flipH="1" flipV="1">
-            <a:off x="4427984" y="3069009"/>
-            <a:ext cx="180020" cy="576015"/>
-          </a:xfrm>
-          <a:prstGeom prst="straightConnector1">
-            <a:avLst/>
-          </a:prstGeom>
-          <a:ln>
-            <a:tailEnd type="arrow"/>
-          </a:ln>
-        </p:spPr>
-        <p:style>
-          <a:lnRef idx="1">
-            <a:schemeClr val="accent1"/>
-          </a:lnRef>
-          <a:fillRef idx="0">
-            <a:schemeClr val="accent1"/>
-          </a:fillRef>
-          <a:effectRef idx="0">
-            <a:schemeClr val="accent1"/>
-          </a:effectRef>
-          <a:fontRef idx="minor">
-            <a:schemeClr val="tx1"/>
-          </a:fontRef>
-        </p:style>
-      </p:cxnSp>
-      <p:cxnSp>
-        <p:nvCxnSpPr>
-          <p:cNvPr id="22" name="Gerade Verbindung mit Pfeil 21"/>
-          <p:cNvCxnSpPr/>
-          <p:nvPr/>
-        </p:nvCxnSpPr>
-        <p:spPr>
-          <a:xfrm flipH="1" flipV="1">
-            <a:off x="3347864" y="3069009"/>
-            <a:ext cx="144016" cy="576015"/>
-          </a:xfrm>
-          <a:prstGeom prst="straightConnector1">
-            <a:avLst/>
-          </a:prstGeom>
-          <a:ln>
-            <a:tailEnd type="arrow"/>
-          </a:ln>
-        </p:spPr>
-        <p:style>
-          <a:lnRef idx="1">
-            <a:schemeClr val="accent1"/>
-          </a:lnRef>
-          <a:fillRef idx="0">
-            <a:schemeClr val="accent1"/>
-          </a:fillRef>
-          <a:effectRef idx="0">
-            <a:schemeClr val="accent1"/>
-          </a:effectRef>
-          <a:fontRef idx="minor">
-            <a:schemeClr val="tx1"/>
-          </a:fontRef>
-        </p:style>
-      </p:cxnSp>
-      <p:cxnSp>
-        <p:nvCxnSpPr>
-          <p:cNvPr id="24" name="Gerade Verbindung mit Pfeil 23"/>
-          <p:cNvCxnSpPr/>
-          <p:nvPr/>
-        </p:nvCxnSpPr>
-        <p:spPr>
-          <a:xfrm flipV="1">
-            <a:off x="5796136" y="3069009"/>
-            <a:ext cx="0" cy="576015"/>
-          </a:xfrm>
-          <a:prstGeom prst="straightConnector1">
-            <a:avLst/>
-          </a:prstGeom>
-          <a:ln>
-            <a:tailEnd type="arrow"/>
-          </a:ln>
-        </p:spPr>
-        <p:style>
-          <a:lnRef idx="1">
-            <a:schemeClr val="accent1"/>
-          </a:lnRef>
-          <a:fillRef idx="0">
-            <a:schemeClr val="accent1"/>
-          </a:fillRef>
-          <a:effectRef idx="0">
-            <a:schemeClr val="accent1"/>
-          </a:effectRef>
-          <a:fontRef idx="minor">
-            <a:schemeClr val="tx1"/>
-          </a:fontRef>
-        </p:style>
-      </p:cxnSp>
-      <p:cxnSp>
-        <p:nvCxnSpPr>
-          <p:cNvPr id="26" name="Gerade Verbindung mit Pfeil 25"/>
-          <p:cNvCxnSpPr/>
-          <p:nvPr/>
-        </p:nvCxnSpPr>
-        <p:spPr>
-          <a:xfrm flipV="1">
-            <a:off x="6516216" y="3069009"/>
-            <a:ext cx="432048" cy="576015"/>
-          </a:xfrm>
-          <a:prstGeom prst="straightConnector1">
-            <a:avLst/>
-          </a:prstGeom>
-          <a:ln>
-            <a:tailEnd type="arrow"/>
-          </a:ln>
-        </p:spPr>
-        <p:style>
-          <a:lnRef idx="1">
-            <a:schemeClr val="accent1"/>
-          </a:lnRef>
-          <a:fillRef idx="0">
-            <a:schemeClr val="accent1"/>
-          </a:fillRef>
-          <a:effectRef idx="0">
-            <a:schemeClr val="accent1"/>
-          </a:effectRef>
-          <a:fontRef idx="minor">
-            <a:schemeClr val="tx1"/>
-          </a:fontRef>
-        </p:style>
-      </p:cxnSp>
-      <p:cxnSp>
-        <p:nvCxnSpPr>
-          <p:cNvPr id="28" name="Gerade Verbindung mit Pfeil 27"/>
-          <p:cNvCxnSpPr/>
-          <p:nvPr/>
-        </p:nvCxnSpPr>
-        <p:spPr>
-          <a:xfrm flipH="1">
-            <a:off x="2771800" y="4149080"/>
-            <a:ext cx="432048" cy="576064"/>
-          </a:xfrm>
-          <a:prstGeom prst="straightConnector1">
-            <a:avLst/>
-          </a:prstGeom>
-          <a:ln>
-            <a:tailEnd type="arrow"/>
-          </a:ln>
-        </p:spPr>
-        <p:style>
-          <a:lnRef idx="1">
-            <a:schemeClr val="accent1"/>
-          </a:lnRef>
-          <a:fillRef idx="0">
-            <a:schemeClr val="accent1"/>
-          </a:fillRef>
-          <a:effectRef idx="0">
-            <a:schemeClr val="accent1"/>
-          </a:effectRef>
-          <a:fontRef idx="minor">
-            <a:schemeClr val="tx1"/>
-          </a:fontRef>
-        </p:style>
-      </p:cxnSp>
-      <p:cxnSp>
-        <p:nvCxnSpPr>
-          <p:cNvPr id="30" name="Gerade Verbindung mit Pfeil 29"/>
-          <p:cNvCxnSpPr/>
-          <p:nvPr/>
-        </p:nvCxnSpPr>
-        <p:spPr>
-          <a:xfrm flipH="1" flipV="1">
-            <a:off x="3563888" y="4149080"/>
-            <a:ext cx="72008" cy="576064"/>
-          </a:xfrm>
-          <a:prstGeom prst="straightConnector1">
-            <a:avLst/>
-          </a:prstGeom>
-          <a:ln>
-            <a:tailEnd type="arrow"/>
-          </a:ln>
-        </p:spPr>
-        <p:style>
-          <a:lnRef idx="1">
-            <a:schemeClr val="accent1"/>
-          </a:lnRef>
-          <a:fillRef idx="0">
-            <a:schemeClr val="accent1"/>
-          </a:fillRef>
-          <a:effectRef idx="0">
-            <a:schemeClr val="accent1"/>
-          </a:effectRef>
-          <a:fontRef idx="minor">
-            <a:schemeClr val="tx1"/>
-          </a:fontRef>
-        </p:style>
-      </p:cxnSp>
-      <p:cxnSp>
-        <p:nvCxnSpPr>
-          <p:cNvPr id="32" name="Gerade Verbindung mit Pfeil 31"/>
-          <p:cNvCxnSpPr/>
-          <p:nvPr/>
-        </p:nvCxnSpPr>
-        <p:spPr>
-          <a:xfrm flipH="1">
-            <a:off x="4283968" y="4149080"/>
-            <a:ext cx="144016" cy="576064"/>
-          </a:xfrm>
-          <a:prstGeom prst="straightConnector1">
-            <a:avLst/>
-          </a:prstGeom>
-          <a:ln>
-            <a:tailEnd type="arrow"/>
-          </a:ln>
-        </p:spPr>
-        <p:style>
-          <a:lnRef idx="1">
-            <a:schemeClr val="accent1"/>
-          </a:lnRef>
-          <a:fillRef idx="0">
-            <a:schemeClr val="accent1"/>
-          </a:fillRef>
-          <a:effectRef idx="0">
-            <a:schemeClr val="accent1"/>
-          </a:effectRef>
-          <a:fontRef idx="minor">
-            <a:schemeClr val="tx1"/>
-          </a:fontRef>
-        </p:style>
-      </p:cxnSp>
-      <p:cxnSp>
-        <p:nvCxnSpPr>
-          <p:cNvPr id="34" name="Gerade Verbindung mit Pfeil 33"/>
-          <p:cNvCxnSpPr/>
-          <p:nvPr/>
-        </p:nvCxnSpPr>
-        <p:spPr>
-          <a:xfrm>
-            <a:off x="4932040" y="4149080"/>
-            <a:ext cx="216024" cy="576064"/>
-          </a:xfrm>
-          <a:prstGeom prst="straightConnector1">
-            <a:avLst/>
-          </a:prstGeom>
-          <a:ln>
-            <a:tailEnd type="arrow"/>
-          </a:ln>
-        </p:spPr>
-        <p:style>
-          <a:lnRef idx="1">
-            <a:schemeClr val="accent1"/>
-          </a:lnRef>
-          <a:fillRef idx="0">
-            <a:schemeClr val="accent1"/>
-          </a:fillRef>
-          <a:effectRef idx="0">
-            <a:schemeClr val="accent1"/>
-          </a:effectRef>
-          <a:fontRef idx="minor">
-            <a:schemeClr val="tx1"/>
-          </a:fontRef>
-        </p:style>
-      </p:cxnSp>
-      <p:cxnSp>
-        <p:nvCxnSpPr>
-          <p:cNvPr id="36" name="Gerade Verbindung mit Pfeil 35"/>
-          <p:cNvCxnSpPr/>
-          <p:nvPr/>
-        </p:nvCxnSpPr>
-        <p:spPr>
-          <a:xfrm flipH="1">
-            <a:off x="5508104" y="4149080"/>
-            <a:ext cx="288032" cy="576064"/>
-          </a:xfrm>
-          <a:prstGeom prst="straightConnector1">
-            <a:avLst/>
-          </a:prstGeom>
-          <a:ln>
-            <a:tailEnd type="arrow"/>
-          </a:ln>
-        </p:spPr>
-        <p:style>
-          <a:lnRef idx="1">
-            <a:schemeClr val="accent1"/>
-          </a:lnRef>
-          <a:fillRef idx="0">
-            <a:schemeClr val="accent1"/>
-          </a:fillRef>
-          <a:effectRef idx="0">
-            <a:schemeClr val="accent1"/>
-          </a:effectRef>
-          <a:fontRef idx="minor">
-            <a:schemeClr val="tx1"/>
-          </a:fontRef>
-        </p:style>
-      </p:cxnSp>
-      <p:cxnSp>
-        <p:nvCxnSpPr>
-          <p:cNvPr id="38" name="Gerade Verbindung mit Pfeil 37"/>
-          <p:cNvCxnSpPr/>
-          <p:nvPr/>
-        </p:nvCxnSpPr>
-        <p:spPr>
-          <a:xfrm flipH="1" flipV="1">
-            <a:off x="6300192" y="4149080"/>
-            <a:ext cx="360040" cy="576064"/>
-          </a:xfrm>
-          <a:prstGeom prst="straightConnector1">
-            <a:avLst/>
-          </a:prstGeom>
-          <a:ln>
-            <a:tailEnd type="arrow"/>
+          <a:ln w="63500">
+            <a:headEnd type="arrow" w="med" len="sm"/>
+            <a:tailEnd type="arrow" w="med" len="sm"/>
           </a:ln>
         </p:spPr>
         <p:style>
@@ -8528,6 +9351,13 @@
   <p:clrMapOvr>
     <a:masterClrMapping/>
   </p:clrMapOvr>
+  <p:timing>
+    <p:tnLst>
+      <p:par>
+        <p:cTn id="1" dur="indefinite" restart="never" nodeType="tmRoot"/>
+      </p:par>
+    </p:tnLst>
+  </p:timing>
 </p:sld>
 </file>
 
@@ -8625,6 +9455,13 @@
   <p:clrMapOvr>
     <a:masterClrMapping/>
   </p:clrMapOvr>
+  <p:timing>
+    <p:tnLst>
+      <p:par>
+        <p:cTn id="1" dur="indefinite" restart="never" nodeType="tmRoot"/>
+      </p:par>
+    </p:tnLst>
+  </p:timing>
 </p:sld>
 </file>
 
@@ -8920,49 +9757,6 @@
           <a:chExt cx="0" cy="0"/>
         </a:xfrm>
       </p:grpSpPr>
-      <p:pic>
-        <p:nvPicPr>
-          <p:cNvPr id="1026" name="Picture 2" descr="http://upload.wikimedia.org/wikipedia/de/7/70/StatePattern_Classdiagramm.png"/>
-          <p:cNvPicPr>
-            <a:picLocks noGrp="1" noChangeAspect="1" noChangeArrowheads="1"/>
-          </p:cNvPicPr>
-          <p:nvPr>
-            <p:ph sz="half" idx="2"/>
-          </p:nvPr>
-        </p:nvPicPr>
-        <p:blipFill>
-          <a:blip r:embed="rId3">
-            <a:extLst>
-              <a:ext uri="{28A0092B-C50C-407E-A947-70E740481C1C}">
-                <a14:useLocalDpi xmlns:a14="http://schemas.microsoft.com/office/drawing/2010/main" val="0"/>
-              </a:ext>
-            </a:extLst>
-          </a:blip>
-          <a:srcRect/>
-          <a:stretch>
-            <a:fillRect/>
-          </a:stretch>
-        </p:blipFill>
-        <p:spPr bwMode="auto">
-          <a:xfrm>
-            <a:off x="3347864" y="2852936"/>
-            <a:ext cx="5576931" cy="2808312"/>
-          </a:xfrm>
-          <a:prstGeom prst="rect">
-            <a:avLst/>
-          </a:prstGeom>
-          <a:noFill/>
-          <a:extLst>
-            <a:ext uri="{909E8E84-426E-40DD-AFC4-6F175D3DCCD1}">
-              <a14:hiddenFill xmlns:a14="http://schemas.microsoft.com/office/drawing/2010/main">
-                <a:solidFill>
-                  <a:srgbClr val="FFFFFF"/>
-                </a:solidFill>
-              </a14:hiddenFill>
-            </a:ext>
-          </a:extLst>
-        </p:spPr>
-      </p:pic>
       <p:sp>
         <p:nvSpPr>
           <p:cNvPr id="2" name="Titel 1"/>
@@ -8996,10 +9790,15 @@
             <p:ph sz="half" idx="1"/>
           </p:nvPr>
         </p:nvSpPr>
-        <p:spPr/>
+        <p:spPr>
+          <a:xfrm>
+            <a:off x="457200" y="1600200"/>
+            <a:ext cx="8075240" cy="4525963"/>
+          </a:xfrm>
+        </p:spPr>
         <p:txBody>
           <a:bodyPr>
-            <a:normAutofit fontScale="92500" lnSpcReduction="10000"/>
+            <a:normAutofit/>
           </a:bodyPr>
           <a:lstStyle/>
           <a:p>
@@ -9088,50 +9887,50 @@
           <a:p>
             <a:pPr lvl="1"/>
             <a:r>
-              <a:rPr lang="de-AT" dirty="0" err="1" smtClean="0"/>
+              <a:rPr lang="de-AT" sz="2800" dirty="0" err="1" smtClean="0"/>
               <a:t>next</a:t>
             </a:r>
             <a:r>
-              <a:rPr lang="de-AT" dirty="0" smtClean="0"/>
+              <a:rPr lang="de-AT" sz="2800" dirty="0" smtClean="0"/>
               <a:t>() </a:t>
             </a:r>
             <a:r>
-              <a:rPr lang="de-AT" dirty="0" err="1" smtClean="0"/>
+              <a:rPr lang="de-AT" sz="2800" dirty="0" err="1" smtClean="0"/>
               <a:t>goes</a:t>
             </a:r>
             <a:r>
-              <a:rPr lang="de-AT" dirty="0" smtClean="0"/>
+              <a:rPr lang="de-AT" sz="2800" dirty="0" smtClean="0"/>
               <a:t> on </a:t>
             </a:r>
             <a:r>
-              <a:rPr lang="de-AT" dirty="0" err="1" smtClean="0"/>
+              <a:rPr lang="de-AT" sz="2800" dirty="0" err="1" smtClean="0"/>
               <a:t>to</a:t>
             </a:r>
             <a:r>
-              <a:rPr lang="de-AT" dirty="0" smtClean="0"/>
-              <a:t> </a:t>
-            </a:r>
-            <a:r>
-              <a:rPr lang="de-AT" dirty="0" err="1" smtClean="0"/>
+              <a:rPr lang="de-AT" sz="2800" dirty="0" smtClean="0"/>
+              <a:t> </a:t>
+            </a:r>
+            <a:r>
+              <a:rPr lang="de-AT" sz="2800" dirty="0" err="1" smtClean="0"/>
               <a:t>the</a:t>
             </a:r>
             <a:r>
-              <a:rPr lang="de-AT" dirty="0" smtClean="0"/>
-              <a:t> </a:t>
-            </a:r>
-            <a:r>
-              <a:rPr lang="de-AT" dirty="0" err="1" smtClean="0"/>
+              <a:rPr lang="de-AT" sz="2800" dirty="0" smtClean="0"/>
+              <a:t> </a:t>
+            </a:r>
+            <a:r>
+              <a:rPr lang="de-AT" sz="2800" dirty="0" err="1" smtClean="0"/>
               <a:t>next</a:t>
             </a:r>
             <a:r>
-              <a:rPr lang="de-AT" dirty="0" smtClean="0"/>
-              <a:t> </a:t>
-            </a:r>
-            <a:r>
-              <a:rPr lang="de-AT" dirty="0" err="1" smtClean="0"/>
+              <a:rPr lang="de-AT" sz="2800" dirty="0" smtClean="0"/>
+              <a:t> </a:t>
+            </a:r>
+            <a:r>
+              <a:rPr lang="de-AT" sz="2800" dirty="0" err="1" smtClean="0"/>
               <a:t>state</a:t>
             </a:r>
-            <a:endParaRPr lang="de-AT" dirty="0" smtClean="0"/>
+            <a:endParaRPr lang="de-AT" sz="2800" dirty="0" smtClean="0"/>
           </a:p>
           <a:p>
             <a:r>
@@ -9210,54 +10009,17 @@
           <a:chExt cx="0" cy="0"/>
         </a:xfrm>
       </p:grpSpPr>
-      <p:sp>
-        <p:nvSpPr>
-          <p:cNvPr id="2" name="Titel 1"/>
-          <p:cNvSpPr>
-            <a:spLocks noGrp="1"/>
-          </p:cNvSpPr>
-          <p:nvPr>
-            <p:ph type="title"/>
-          </p:nvPr>
-        </p:nvSpPr>
-        <p:spPr/>
-        <p:txBody>
-          <a:bodyPr/>
-          <a:lstStyle/>
-          <a:p>
-            <a:r>
-              <a:rPr lang="de-AT" dirty="0" err="1" smtClean="0"/>
-              <a:t>Example</a:t>
-            </a:r>
-            <a:r>
-              <a:rPr lang="de-AT" dirty="0" smtClean="0"/>
-              <a:t>: </a:t>
-            </a:r>
-            <a:r>
-              <a:rPr lang="de-AT" dirty="0" err="1" smtClean="0"/>
-              <a:t>create</a:t>
-            </a:r>
-            <a:r>
-              <a:rPr lang="de-AT" dirty="0" smtClean="0"/>
-              <a:t> </a:t>
-            </a:r>
-            <a:r>
-              <a:rPr lang="de-AT" dirty="0" err="1" smtClean="0"/>
-              <a:t>invoice</a:t>
-            </a:r>
-            <a:endParaRPr lang="de-AT" dirty="0"/>
-          </a:p>
-        </p:txBody>
-      </p:sp>
       <p:pic>
         <p:nvPicPr>
-          <p:cNvPr id="2050" name="Picture 2" descr="D:\Dateien\Projekte\Hotel\MagicDaw\CreateInvoiceStateDiagramm.jpg"/>
+          <p:cNvPr id="1026" name="Picture 2" descr="http://upload.wikimedia.org/wikipedia/de/7/70/StatePattern_Classdiagramm.png"/>
           <p:cNvPicPr>
-            <a:picLocks noChangeAspect="1" noChangeArrowheads="1"/>
+            <a:picLocks noGrp="1" noChangeAspect="1" noChangeArrowheads="1"/>
           </p:cNvPicPr>
-          <p:nvPr/>
+          <p:nvPr>
+            <p:ph sz="half" idx="2"/>
+          </p:nvPr>
         </p:nvPicPr>
-        <p:blipFill rotWithShape="1">
+        <p:blipFill>
           <a:blip r:embed="rId3">
             <a:extLst>
               <a:ext uri="{28A0092B-C50C-407E-A947-70E740481C1C}">
@@ -9265,13 +10027,154 @@
               </a:ext>
             </a:extLst>
           </a:blip>
-          <a:srcRect l="515" t="5678" r="2340" b="20496"/>
-          <a:stretch/>
+          <a:srcRect/>
+          <a:stretch>
+            <a:fillRect/>
+          </a:stretch>
         </p:blipFill>
         <p:spPr bwMode="auto">
           <a:xfrm>
-            <a:off x="35496" y="1700808"/>
-            <a:ext cx="8975586" cy="4338821"/>
+            <a:off x="467544" y="1628800"/>
+            <a:ext cx="8293897" cy="4176464"/>
+          </a:xfrm>
+          <a:prstGeom prst="rect">
+            <a:avLst/>
+          </a:prstGeom>
+          <a:noFill/>
+          <a:extLst>
+            <a:ext uri="{909E8E84-426E-40DD-AFC4-6F175D3DCCD1}">
+              <a14:hiddenFill xmlns:a14="http://schemas.microsoft.com/office/drawing/2010/main">
+                <a:solidFill>
+                  <a:srgbClr val="FFFFFF"/>
+                </a:solidFill>
+              </a14:hiddenFill>
+            </a:ext>
+          </a:extLst>
+        </p:spPr>
+      </p:pic>
+      <p:sp>
+        <p:nvSpPr>
+          <p:cNvPr id="2" name="Titel 1"/>
+          <p:cNvSpPr>
+            <a:spLocks noGrp="1"/>
+          </p:cNvSpPr>
+          <p:nvPr>
+            <p:ph type="title"/>
+          </p:nvPr>
+        </p:nvSpPr>
+        <p:spPr/>
+        <p:txBody>
+          <a:bodyPr/>
+          <a:lstStyle/>
+          <a:p>
+            <a:r>
+              <a:rPr lang="de-AT" dirty="0" smtClean="0"/>
+              <a:t>State Pattern</a:t>
+            </a:r>
+            <a:endParaRPr lang="de-AT" dirty="0"/>
+          </a:p>
+        </p:txBody>
+      </p:sp>
+    </p:spTree>
+    <p:extLst>
+      <p:ext uri="{BB962C8B-B14F-4D97-AF65-F5344CB8AC3E}">
+        <p14:creationId xmlns:p14="http://schemas.microsoft.com/office/powerpoint/2010/main" val="18989845"/>
+      </p:ext>
+    </p:extLst>
+  </p:cSld>
+  <p:clrMapOvr>
+    <a:masterClrMapping/>
+  </p:clrMapOvr>
+  <p:timing>
+    <p:tnLst>
+      <p:par>
+        <p:cTn id="1" dur="indefinite" restart="never" nodeType="tmRoot"/>
+      </p:par>
+    </p:tnLst>
+  </p:timing>
+</p:sld>
+</file>
+
+<file path=ppt/slides/slide18.xml><?xml version="1.0" encoding="utf-8"?>
+<p:sld xmlns:a="http://schemas.openxmlformats.org/drawingml/2006/main" xmlns:r="http://schemas.openxmlformats.org/officeDocument/2006/relationships" xmlns:p="http://schemas.openxmlformats.org/presentationml/2006/main">
+  <p:cSld>
+    <p:spTree>
+      <p:nvGrpSpPr>
+        <p:cNvPr id="1" name=""/>
+        <p:cNvGrpSpPr/>
+        <p:nvPr/>
+      </p:nvGrpSpPr>
+      <p:grpSpPr>
+        <a:xfrm>
+          <a:off x="0" y="0"/>
+          <a:ext cx="0" cy="0"/>
+          <a:chOff x="0" y="0"/>
+          <a:chExt cx="0" cy="0"/>
+        </a:xfrm>
+      </p:grpSpPr>
+      <p:sp>
+        <p:nvSpPr>
+          <p:cNvPr id="2" name="Titel 1"/>
+          <p:cNvSpPr>
+            <a:spLocks noGrp="1"/>
+          </p:cNvSpPr>
+          <p:nvPr>
+            <p:ph type="title"/>
+          </p:nvPr>
+        </p:nvSpPr>
+        <p:spPr/>
+        <p:txBody>
+          <a:bodyPr/>
+          <a:lstStyle/>
+          <a:p>
+            <a:r>
+              <a:rPr lang="de-AT" dirty="0" err="1" smtClean="0"/>
+              <a:t>Example</a:t>
+            </a:r>
+            <a:r>
+              <a:rPr lang="de-AT" dirty="0" smtClean="0"/>
+              <a:t>: </a:t>
+            </a:r>
+            <a:r>
+              <a:rPr lang="de-AT" dirty="0" err="1" smtClean="0"/>
+              <a:t>create</a:t>
+            </a:r>
+            <a:r>
+              <a:rPr lang="de-AT" dirty="0" smtClean="0"/>
+              <a:t> </a:t>
+            </a:r>
+            <a:r>
+              <a:rPr lang="de-AT" dirty="0" err="1" smtClean="0"/>
+              <a:t>invoice</a:t>
+            </a:r>
+            <a:endParaRPr lang="de-AT" dirty="0"/>
+          </a:p>
+        </p:txBody>
+      </p:sp>
+      <p:pic>
+        <p:nvPicPr>
+          <p:cNvPr id="2050" name="Picture 2"/>
+          <p:cNvPicPr>
+            <a:picLocks noChangeAspect="1" noChangeArrowheads="1"/>
+          </p:cNvPicPr>
+          <p:nvPr/>
+        </p:nvPicPr>
+        <p:blipFill>
+          <a:blip r:embed="rId3">
+            <a:extLst>
+              <a:ext uri="{28A0092B-C50C-407E-A947-70E740481C1C}">
+                <a14:useLocalDpi xmlns:a14="http://schemas.microsoft.com/office/drawing/2010/main" val="0"/>
+              </a:ext>
+            </a:extLst>
+          </a:blip>
+          <a:stretch>
+            <a:fillRect/>
+          </a:stretch>
+        </p:blipFill>
+        <p:spPr bwMode="auto">
+          <a:xfrm>
+            <a:off x="0" y="1119138"/>
+            <a:ext cx="9144000" cy="5766246"/>
           </a:xfrm>
           <a:prstGeom prst="rect">
             <a:avLst/>
@@ -9308,7 +10211,7 @@
 </p:sld>
 </file>
 
-<file path=ppt/slides/slide18.xml><?xml version="1.0" encoding="utf-8"?>
+<file path=ppt/slides/slide19.xml><?xml version="1.0" encoding="utf-8"?>
 <p:sld xmlns:a="http://schemas.openxmlformats.org/drawingml/2006/main" xmlns:r="http://schemas.openxmlformats.org/officeDocument/2006/relationships" xmlns:p="http://schemas.openxmlformats.org/presentationml/2006/main">
   <p:cSld>
     <p:spTree>
@@ -9424,7 +10327,27 @@
             <a:pPr lvl="1"/>
             <a:r>
               <a:rPr lang="en-GB" dirty="0" smtClean="0"/>
-              <a:t>Inheritance (“Habitation Table”)</a:t>
+              <a:t>Inheritance </a:t>
+            </a:r>
+            <a:r>
+              <a:rPr lang="en-GB" dirty="0" smtClean="0"/>
+              <a:t>(“</a:t>
+            </a:r>
+            <a:r>
+              <a:rPr lang="en-GB" dirty="0"/>
+              <a:t>A</a:t>
+            </a:r>
+            <a:r>
+              <a:rPr lang="en-GB" dirty="0" smtClean="0"/>
+              <a:t>ccommodation</a:t>
+            </a:r>
+            <a:r>
+              <a:rPr lang="en-GB" dirty="0" smtClean="0"/>
+              <a:t> </a:t>
+            </a:r>
+            <a:r>
+              <a:rPr lang="en-GB" dirty="0" smtClean="0"/>
+              <a:t>Table”)</a:t>
             </a:r>
             <a:endParaRPr lang="de-AT" dirty="0"/>
           </a:p>
@@ -9468,7 +10391,7 @@
         </p:blipFill>
         <p:spPr>
           <a:xfrm>
-            <a:off x="6012160" y="2758991"/>
+            <a:off x="6804248" y="3501007"/>
             <a:ext cx="2057400" cy="2790825"/>
           </a:xfrm>
           <a:prstGeom prst="rect">
@@ -9480,109 +10403,6 @@
     <p:extLst>
       <p:ext uri="{BB962C8B-B14F-4D97-AF65-F5344CB8AC3E}">
         <p14:creationId xmlns:p14="http://schemas.microsoft.com/office/powerpoint/2010/main" val="42823084"/>
-      </p:ext>
-    </p:extLst>
-  </p:cSld>
-  <p:clrMapOvr>
-    <a:masterClrMapping/>
-  </p:clrMapOvr>
-  <p:timing>
-    <p:tnLst>
-      <p:par>
-        <p:cTn id="1" dur="indefinite" restart="never" nodeType="tmRoot"/>
-      </p:par>
-    </p:tnLst>
-  </p:timing>
-</p:sld>
-</file>
-
-<file path=ppt/slides/slide19.xml><?xml version="1.0" encoding="utf-8"?>
-<p:sld xmlns:a="http://schemas.openxmlformats.org/drawingml/2006/main" xmlns:r="http://schemas.openxmlformats.org/officeDocument/2006/relationships" xmlns:p="http://schemas.openxmlformats.org/presentationml/2006/main">
-  <p:cSld>
-    <p:spTree>
-      <p:nvGrpSpPr>
-        <p:cNvPr id="1" name=""/>
-        <p:cNvGrpSpPr/>
-        <p:nvPr/>
-      </p:nvGrpSpPr>
-      <p:grpSpPr>
-        <a:xfrm>
-          <a:off x="0" y="0"/>
-          <a:ext cx="0" cy="0"/>
-          <a:chOff x="0" y="0"/>
-          <a:chExt cx="0" cy="0"/>
-        </a:xfrm>
-      </p:grpSpPr>
-      <p:sp>
-        <p:nvSpPr>
-          <p:cNvPr id="2" name="Titel 1"/>
-          <p:cNvSpPr>
-            <a:spLocks noGrp="1"/>
-          </p:cNvSpPr>
-          <p:nvPr>
-            <p:ph type="title"/>
-          </p:nvPr>
-        </p:nvSpPr>
-        <p:spPr/>
-        <p:txBody>
-          <a:bodyPr/>
-          <a:lstStyle/>
-          <a:p>
-            <a:r>
-              <a:rPr lang="de-AT" dirty="0" smtClean="0"/>
-              <a:t>Integration</a:t>
-            </a:r>
-            <a:endParaRPr lang="en-GB" dirty="0"/>
-          </a:p>
-        </p:txBody>
-      </p:sp>
-      <p:sp>
-        <p:nvSpPr>
-          <p:cNvPr id="3" name="Inhaltsplatzhalter 2"/>
-          <p:cNvSpPr>
-            <a:spLocks noGrp="1"/>
-          </p:cNvSpPr>
-          <p:nvPr>
-            <p:ph idx="1"/>
-          </p:nvPr>
-        </p:nvSpPr>
-        <p:spPr/>
-        <p:txBody>
-          <a:bodyPr/>
-          <a:lstStyle/>
-          <a:p>
-            <a:pPr marL="285750" lvl="0" indent="-285750"/>
-            <a:r>
-              <a:rPr lang="en-US" dirty="0"/>
-              <a:t>Implementation of interfaces not possible</a:t>
-            </a:r>
-            <a:endParaRPr lang="de-AT" dirty="0"/>
-          </a:p>
-          <a:p>
-            <a:pPr marL="285750" lvl="0" indent="-285750"/>
-            <a:r>
-              <a:rPr lang="en-US" dirty="0"/>
-              <a:t>Adapter classes inherit direct from domain objects from other team</a:t>
-            </a:r>
-            <a:endParaRPr lang="de-AT" dirty="0"/>
-          </a:p>
-          <a:p>
-            <a:pPr marL="285750" lvl="0" indent="-285750"/>
-            <a:r>
-              <a:rPr lang="en-US" dirty="0"/>
-              <a:t>Every adapter implements a generic adapter interface</a:t>
-            </a:r>
-            <a:endParaRPr lang="de-AT" dirty="0"/>
-          </a:p>
-          <a:p>
-            <a:endParaRPr lang="en-GB" dirty="0"/>
-          </a:p>
-        </p:txBody>
-      </p:sp>
-    </p:spTree>
-    <p:extLst>
-      <p:ext uri="{BB962C8B-B14F-4D97-AF65-F5344CB8AC3E}">
-        <p14:creationId xmlns:p14="http://schemas.microsoft.com/office/powerpoint/2010/main" val="3764264717"/>
       </p:ext>
     </p:extLst>
   </p:cSld>
@@ -9651,7 +10471,9 @@
         </p:nvSpPr>
         <p:spPr/>
         <p:txBody>
-          <a:bodyPr/>
+          <a:bodyPr>
+            <a:normAutofit fontScale="77500" lnSpcReduction="20000"/>
+          </a:bodyPr>
           <a:lstStyle/>
           <a:p>
             <a:r>
@@ -9704,17 +10526,43 @@
               <a:t>JSf</a:t>
             </a:r>
             <a:r>
-              <a:rPr lang="de-AT" smtClean="0"/>
-              <a:t> </a:t>
-            </a:r>
-            <a:r>
-              <a:rPr lang="de-AT" smtClean="0"/>
-              <a:t>&amp;Ajax </a:t>
-            </a:r>
-            <a:r>
               <a:rPr lang="de-AT" dirty="0" smtClean="0"/>
-              <a:t>(web-reservation)</a:t>
-            </a:r>
+              <a:t> &amp;Ajax (web-reservation</a:t>
+            </a:r>
+            <a:r>
+              <a:rPr lang="de-AT" dirty="0" smtClean="0"/>
+              <a:t>)</a:t>
+            </a:r>
+          </a:p>
+          <a:p>
+            <a:r>
+              <a:rPr lang="de-AT" dirty="0" smtClean="0"/>
+              <a:t>Project Trend</a:t>
+            </a:r>
+          </a:p>
+          <a:p>
+            <a:r>
+              <a:rPr lang="de-AT" dirty="0" smtClean="0"/>
+              <a:t>Outlook</a:t>
+            </a:r>
+          </a:p>
+          <a:p>
+            <a:r>
+              <a:rPr lang="de-AT" dirty="0" smtClean="0"/>
+              <a:t>Summary</a:t>
+            </a:r>
+          </a:p>
+          <a:p>
+            <a:r>
+              <a:rPr lang="de-AT" dirty="0" smtClean="0"/>
+              <a:t>End</a:t>
+            </a:r>
+          </a:p>
+          <a:p>
+            <a:endParaRPr lang="de-AT" dirty="0" smtClean="0"/>
+          </a:p>
+          <a:p>
+            <a:endParaRPr lang="de-AT" dirty="0" smtClean="0"/>
           </a:p>
           <a:p>
             <a:endParaRPr lang="de-AT" dirty="0" smtClean="0"/>
@@ -9784,39 +10632,53 @@
           </a:p>
         </p:txBody>
       </p:sp>
-      <p:pic>
-        <p:nvPicPr>
-          <p:cNvPr id="4" name="Inhaltsplatzhalter 3"/>
-          <p:cNvPicPr>
-            <a:picLocks noGrp="1" noChangeAspect="1"/>
-          </p:cNvPicPr>
+      <p:sp>
+        <p:nvSpPr>
+          <p:cNvPr id="3" name="Inhaltsplatzhalter 2"/>
+          <p:cNvSpPr>
+            <a:spLocks noGrp="1"/>
+          </p:cNvSpPr>
           <p:nvPr>
             <p:ph idx="1"/>
           </p:nvPr>
-        </p:nvPicPr>
-        <p:blipFill>
-          <a:blip r:embed="rId3">
-            <a:extLst>
-              <a:ext uri="{28A0092B-C50C-407E-A947-70E740481C1C}">
-                <a14:useLocalDpi xmlns:a14="http://schemas.microsoft.com/office/drawing/2010/main" val="0"/>
-              </a:ext>
-            </a:extLst>
-          </a:blip>
-          <a:stretch>
-            <a:fillRect/>
-          </a:stretch>
-        </p:blipFill>
-        <p:spPr>
-          <a:xfrm>
-            <a:off x="323528" y="1268760"/>
-            <a:ext cx="8496944" cy="5434530"/>
-          </a:xfrm>
-        </p:spPr>
-      </p:pic>
+        </p:nvSpPr>
+        <p:spPr/>
+        <p:txBody>
+          <a:bodyPr/>
+          <a:lstStyle/>
+          <a:p>
+            <a:pPr marL="285750" lvl="0" indent="-285750"/>
+            <a:r>
+              <a:rPr lang="en-US" dirty="0"/>
+              <a:t>Implementation of interfaces not possible</a:t>
+            </a:r>
+            <a:endParaRPr lang="de-AT" dirty="0"/>
+          </a:p>
+          <a:p>
+            <a:pPr marL="285750" lvl="0" indent="-285750"/>
+            <a:r>
+              <a:rPr lang="en-US" dirty="0"/>
+              <a:t>Adapter classes inherit direct from domain objects from other team</a:t>
+            </a:r>
+            <a:endParaRPr lang="de-AT" dirty="0"/>
+          </a:p>
+          <a:p>
+            <a:pPr marL="285750" lvl="0" indent="-285750"/>
+            <a:r>
+              <a:rPr lang="en-US" dirty="0"/>
+              <a:t>Every adapter implements a generic adapter interface</a:t>
+            </a:r>
+            <a:endParaRPr lang="de-AT" dirty="0"/>
+          </a:p>
+          <a:p>
+            <a:endParaRPr lang="en-GB" dirty="0"/>
+          </a:p>
+        </p:txBody>
+      </p:sp>
     </p:spTree>
     <p:extLst>
       <p:ext uri="{BB962C8B-B14F-4D97-AF65-F5344CB8AC3E}">
-        <p14:creationId xmlns:p14="http://schemas.microsoft.com/office/powerpoint/2010/main" val="1764678438"/>
+        <p14:creationId xmlns:p14="http://schemas.microsoft.com/office/powerpoint/2010/main" val="3764264717"/>
       </p:ext>
     </p:extLst>
   </p:cSld>
@@ -9867,6 +10729,95 @@
           <a:p>
             <a:r>
               <a:rPr lang="de-AT" dirty="0" smtClean="0"/>
+              <a:t>Integration</a:t>
+            </a:r>
+            <a:endParaRPr lang="en-GB" dirty="0"/>
+          </a:p>
+        </p:txBody>
+      </p:sp>
+      <p:pic>
+        <p:nvPicPr>
+          <p:cNvPr id="4" name="Inhaltsplatzhalter 3"/>
+          <p:cNvPicPr>
+            <a:picLocks noGrp="1" noChangeAspect="1"/>
+          </p:cNvPicPr>
+          <p:nvPr>
+            <p:ph idx="1"/>
+          </p:nvPr>
+        </p:nvPicPr>
+        <p:blipFill>
+          <a:blip r:embed="rId3">
+            <a:extLst>
+              <a:ext uri="{28A0092B-C50C-407E-A947-70E740481C1C}">
+                <a14:useLocalDpi xmlns:a14="http://schemas.microsoft.com/office/drawing/2010/main" val="0"/>
+              </a:ext>
+            </a:extLst>
+          </a:blip>
+          <a:stretch>
+            <a:fillRect/>
+          </a:stretch>
+        </p:blipFill>
+        <p:spPr>
+          <a:xfrm>
+            <a:off x="323528" y="1628800"/>
+            <a:ext cx="8496944" cy="4428796"/>
+          </a:xfrm>
+        </p:spPr>
+      </p:pic>
+    </p:spTree>
+    <p:extLst>
+      <p:ext uri="{BB962C8B-B14F-4D97-AF65-F5344CB8AC3E}">
+        <p14:creationId xmlns:p14="http://schemas.microsoft.com/office/powerpoint/2010/main" val="1764678438"/>
+      </p:ext>
+    </p:extLst>
+  </p:cSld>
+  <p:clrMapOvr>
+    <a:masterClrMapping/>
+  </p:clrMapOvr>
+  <p:timing>
+    <p:tnLst>
+      <p:par>
+        <p:cTn id="1" dur="indefinite" restart="never" nodeType="tmRoot"/>
+      </p:par>
+    </p:tnLst>
+  </p:timing>
+</p:sld>
+</file>
+
+<file path=ppt/slides/slide22.xml><?xml version="1.0" encoding="utf-8"?>
+<p:sld xmlns:a="http://schemas.openxmlformats.org/drawingml/2006/main" xmlns:r="http://schemas.openxmlformats.org/officeDocument/2006/relationships" xmlns:p="http://schemas.openxmlformats.org/presentationml/2006/main">
+  <p:cSld>
+    <p:spTree>
+      <p:nvGrpSpPr>
+        <p:cNvPr id="1" name=""/>
+        <p:cNvGrpSpPr/>
+        <p:nvPr/>
+      </p:nvGrpSpPr>
+      <p:grpSpPr>
+        <a:xfrm>
+          <a:off x="0" y="0"/>
+          <a:ext cx="0" cy="0"/>
+          <a:chOff x="0" y="0"/>
+          <a:chExt cx="0" cy="0"/>
+        </a:xfrm>
+      </p:grpSpPr>
+      <p:sp>
+        <p:nvSpPr>
+          <p:cNvPr id="2" name="Titel 1"/>
+          <p:cNvSpPr>
+            <a:spLocks noGrp="1"/>
+          </p:cNvSpPr>
+          <p:nvPr>
+            <p:ph type="title"/>
+          </p:nvPr>
+        </p:nvSpPr>
+        <p:spPr/>
+        <p:txBody>
+          <a:bodyPr/>
+          <a:lstStyle/>
+          <a:p>
+            <a:r>
+              <a:rPr lang="de-AT" dirty="0" smtClean="0"/>
               <a:t>Integration </a:t>
             </a:r>
             <a:r>
@@ -10009,10 +10960,17 @@
   <p:clrMapOvr>
     <a:masterClrMapping/>
   </p:clrMapOvr>
+  <p:timing>
+    <p:tnLst>
+      <p:par>
+        <p:cTn id="1" dur="indefinite" restart="never" nodeType="tmRoot"/>
+      </p:par>
+    </p:tnLst>
+  </p:timing>
 </p:sld>
 </file>
 
-<file path=ppt/slides/slide22.xml><?xml version="1.0" encoding="utf-8"?>
+<file path=ppt/slides/slide23.xml><?xml version="1.0" encoding="utf-8"?>
 <p:sld xmlns:a="http://schemas.openxmlformats.org/drawingml/2006/main" xmlns:r="http://schemas.openxmlformats.org/officeDocument/2006/relationships" xmlns:p="http://schemas.openxmlformats.org/presentationml/2006/main">
   <p:cSld>
     <p:spTree>
@@ -10202,82 +11160,13 @@
   <p:clrMapOvr>
     <a:masterClrMapping/>
   </p:clrMapOvr>
-</p:sld>
-</file>
-
-<file path=ppt/slides/slide23.xml><?xml version="1.0" encoding="utf-8"?>
-<p:sld xmlns:a="http://schemas.openxmlformats.org/drawingml/2006/main" xmlns:r="http://schemas.openxmlformats.org/officeDocument/2006/relationships" xmlns:p="http://schemas.openxmlformats.org/presentationml/2006/main">
-  <p:cSld>
-    <p:spTree>
-      <p:nvGrpSpPr>
-        <p:cNvPr id="1" name=""/>
-        <p:cNvGrpSpPr/>
-        <p:nvPr/>
-      </p:nvGrpSpPr>
-      <p:grpSpPr>
-        <a:xfrm>
-          <a:off x="0" y="0"/>
-          <a:ext cx="0" cy="0"/>
-          <a:chOff x="0" y="0"/>
-          <a:chExt cx="0" cy="0"/>
-        </a:xfrm>
-      </p:grpSpPr>
-      <p:sp>
-        <p:nvSpPr>
-          <p:cNvPr id="2" name="Titel 1"/>
-          <p:cNvSpPr>
-            <a:spLocks noGrp="1"/>
-          </p:cNvSpPr>
-          <p:nvPr>
-            <p:ph type="title"/>
-          </p:nvPr>
-        </p:nvSpPr>
-        <p:spPr/>
-        <p:txBody>
-          <a:bodyPr/>
-          <a:lstStyle/>
-          <a:p>
-            <a:r>
-              <a:rPr lang="de-AT" dirty="0" smtClean="0"/>
-              <a:t>Project </a:t>
-            </a:r>
-            <a:r>
-              <a:rPr lang="de-AT" dirty="0" err="1" smtClean="0"/>
-              <a:t>trend</a:t>
-            </a:r>
-            <a:endParaRPr lang="en-GB" dirty="0"/>
-          </a:p>
-        </p:txBody>
-      </p:sp>
-      <p:sp>
-        <p:nvSpPr>
-          <p:cNvPr id="3" name="Inhaltsplatzhalter 2"/>
-          <p:cNvSpPr>
-            <a:spLocks noGrp="1"/>
-          </p:cNvSpPr>
-          <p:nvPr>
-            <p:ph idx="1"/>
-          </p:nvPr>
-        </p:nvSpPr>
-        <p:spPr/>
-        <p:txBody>
-          <a:bodyPr/>
-          <a:lstStyle/>
-          <a:p>
-            <a:endParaRPr lang="en-GB" dirty="0"/>
-          </a:p>
-        </p:txBody>
-      </p:sp>
-    </p:spTree>
-    <p:extLst>
-      <p:ext uri="{BB962C8B-B14F-4D97-AF65-F5344CB8AC3E}">
-        <p14:creationId xmlns:p14="http://schemas.microsoft.com/office/powerpoint/2010/main" val="3400513611"/>
-      </p:ext>
-    </p:extLst>
-  </p:cSld>
-  <p:clrMapOvr>
-    <a:masterClrMapping/>
-  </p:clrMapOvr>
+  <p:timing>
+    <p:tnLst>
+      <p:par>
+        <p:cTn id="1" dur="indefinite" restart="never" nodeType="tmRoot"/>
+      </p:par>
+    </p:tnLst>
+  </p:timing>
 </p:sld>
 </file>
 
@@ -10315,6 +11204,89 @@
           <a:p>
             <a:r>
               <a:rPr lang="de-AT" dirty="0" smtClean="0"/>
+              <a:t>Project </a:t>
+            </a:r>
+            <a:r>
+              <a:rPr lang="de-AT" dirty="0" err="1" smtClean="0"/>
+              <a:t>trend</a:t>
+            </a:r>
+            <a:endParaRPr lang="en-GB" dirty="0"/>
+          </a:p>
+        </p:txBody>
+      </p:sp>
+      <p:sp>
+        <p:nvSpPr>
+          <p:cNvPr id="3" name="Inhaltsplatzhalter 2"/>
+          <p:cNvSpPr>
+            <a:spLocks noGrp="1"/>
+          </p:cNvSpPr>
+          <p:nvPr>
+            <p:ph idx="1"/>
+          </p:nvPr>
+        </p:nvSpPr>
+        <p:spPr/>
+        <p:txBody>
+          <a:bodyPr/>
+          <a:lstStyle/>
+          <a:p>
+            <a:endParaRPr lang="en-GB" dirty="0"/>
+          </a:p>
+        </p:txBody>
+      </p:sp>
+    </p:spTree>
+    <p:extLst>
+      <p:ext uri="{BB962C8B-B14F-4D97-AF65-F5344CB8AC3E}">
+        <p14:creationId xmlns:p14="http://schemas.microsoft.com/office/powerpoint/2010/main" val="3400513611"/>
+      </p:ext>
+    </p:extLst>
+  </p:cSld>
+  <p:clrMapOvr>
+    <a:masterClrMapping/>
+  </p:clrMapOvr>
+  <p:timing>
+    <p:tnLst>
+      <p:par>
+        <p:cTn id="1" dur="indefinite" restart="never" nodeType="tmRoot"/>
+      </p:par>
+    </p:tnLst>
+  </p:timing>
+</p:sld>
+</file>
+
+<file path=ppt/slides/slide25.xml><?xml version="1.0" encoding="utf-8"?>
+<p:sld xmlns:a="http://schemas.openxmlformats.org/drawingml/2006/main" xmlns:r="http://schemas.openxmlformats.org/officeDocument/2006/relationships" xmlns:p="http://schemas.openxmlformats.org/presentationml/2006/main">
+  <p:cSld>
+    <p:spTree>
+      <p:nvGrpSpPr>
+        <p:cNvPr id="1" name=""/>
+        <p:cNvGrpSpPr/>
+        <p:nvPr/>
+      </p:nvGrpSpPr>
+      <p:grpSpPr>
+        <a:xfrm>
+          <a:off x="0" y="0"/>
+          <a:ext cx="0" cy="0"/>
+          <a:chOff x="0" y="0"/>
+          <a:chExt cx="0" cy="0"/>
+        </a:xfrm>
+      </p:grpSpPr>
+      <p:sp>
+        <p:nvSpPr>
+          <p:cNvPr id="2" name="Titel 1"/>
+          <p:cNvSpPr>
+            <a:spLocks noGrp="1"/>
+          </p:cNvSpPr>
+          <p:nvPr>
+            <p:ph type="title"/>
+          </p:nvPr>
+        </p:nvSpPr>
+        <p:spPr/>
+        <p:txBody>
+          <a:bodyPr/>
+          <a:lstStyle/>
+          <a:p>
+            <a:r>
+              <a:rPr lang="de-AT" dirty="0" smtClean="0"/>
               <a:t>Outlook</a:t>
             </a:r>
             <a:endParaRPr lang="en-GB" dirty="0"/>
@@ -10344,6 +11316,165 @@
     <p:extLst>
       <p:ext uri="{BB962C8B-B14F-4D97-AF65-F5344CB8AC3E}">
         <p14:creationId xmlns:p14="http://schemas.microsoft.com/office/powerpoint/2010/main" val="61121013"/>
+      </p:ext>
+    </p:extLst>
+  </p:cSld>
+  <p:clrMapOvr>
+    <a:masterClrMapping/>
+  </p:clrMapOvr>
+  <p:timing>
+    <p:tnLst>
+      <p:par>
+        <p:cTn id="1" dur="indefinite" restart="never" nodeType="tmRoot"/>
+      </p:par>
+    </p:tnLst>
+  </p:timing>
+</p:sld>
+</file>
+
+<file path=ppt/slides/slide26.xml><?xml version="1.0" encoding="utf-8"?>
+<p:sld xmlns:a="http://schemas.openxmlformats.org/drawingml/2006/main" xmlns:r="http://schemas.openxmlformats.org/officeDocument/2006/relationships" xmlns:p="http://schemas.openxmlformats.org/presentationml/2006/main">
+  <p:cSld>
+    <p:spTree>
+      <p:nvGrpSpPr>
+        <p:cNvPr id="1" name=""/>
+        <p:cNvGrpSpPr/>
+        <p:nvPr/>
+      </p:nvGrpSpPr>
+      <p:grpSpPr>
+        <a:xfrm>
+          <a:off x="0" y="0"/>
+          <a:ext cx="0" cy="0"/>
+          <a:chOff x="0" y="0"/>
+          <a:chExt cx="0" cy="0"/>
+        </a:xfrm>
+      </p:grpSpPr>
+      <p:sp>
+        <p:nvSpPr>
+          <p:cNvPr id="2" name="Titel 1"/>
+          <p:cNvSpPr>
+            <a:spLocks noGrp="1"/>
+          </p:cNvSpPr>
+          <p:nvPr>
+            <p:ph type="title"/>
+          </p:nvPr>
+        </p:nvSpPr>
+        <p:spPr/>
+        <p:txBody>
+          <a:bodyPr/>
+          <a:lstStyle/>
+          <a:p>
+            <a:r>
+              <a:rPr lang="de-AT" dirty="0" smtClean="0"/>
+              <a:t>Summary</a:t>
+            </a:r>
+            <a:endParaRPr lang="en-GB" dirty="0"/>
+          </a:p>
+        </p:txBody>
+      </p:sp>
+      <p:sp>
+        <p:nvSpPr>
+          <p:cNvPr id="3" name="Inhaltsplatzhalter 2"/>
+          <p:cNvSpPr>
+            <a:spLocks noGrp="1"/>
+          </p:cNvSpPr>
+          <p:nvPr>
+            <p:ph idx="1"/>
+          </p:nvPr>
+        </p:nvSpPr>
+        <p:spPr/>
+        <p:txBody>
+          <a:bodyPr/>
+          <a:lstStyle/>
+          <a:p>
+            <a:endParaRPr lang="en-GB" dirty="0"/>
+          </a:p>
+        </p:txBody>
+      </p:sp>
+    </p:spTree>
+    <p:extLst>
+      <p:ext uri="{BB962C8B-B14F-4D97-AF65-F5344CB8AC3E}">
+        <p14:creationId xmlns:p14="http://schemas.microsoft.com/office/powerpoint/2010/main" val="2300320259"/>
+      </p:ext>
+    </p:extLst>
+  </p:cSld>
+  <p:clrMapOvr>
+    <a:masterClrMapping/>
+  </p:clrMapOvr>
+</p:sld>
+</file>
+
+<file path=ppt/slides/slide27.xml><?xml version="1.0" encoding="utf-8"?>
+<p:sld xmlns:a="http://schemas.openxmlformats.org/drawingml/2006/main" xmlns:r="http://schemas.openxmlformats.org/officeDocument/2006/relationships" xmlns:p="http://schemas.openxmlformats.org/presentationml/2006/main">
+  <p:cSld>
+    <p:spTree>
+      <p:nvGrpSpPr>
+        <p:cNvPr id="1" name=""/>
+        <p:cNvGrpSpPr/>
+        <p:nvPr/>
+      </p:nvGrpSpPr>
+      <p:grpSpPr>
+        <a:xfrm>
+          <a:off x="0" y="0"/>
+          <a:ext cx="0" cy="0"/>
+          <a:chOff x="0" y="0"/>
+          <a:chExt cx="0" cy="0"/>
+        </a:xfrm>
+      </p:grpSpPr>
+      <p:sp>
+        <p:nvSpPr>
+          <p:cNvPr id="2" name="Titel 1"/>
+          <p:cNvSpPr>
+            <a:spLocks noGrp="1"/>
+          </p:cNvSpPr>
+          <p:nvPr>
+            <p:ph type="title"/>
+          </p:nvPr>
+        </p:nvSpPr>
+        <p:spPr/>
+        <p:txBody>
+          <a:bodyPr/>
+          <a:lstStyle/>
+          <a:p>
+            <a:r>
+              <a:rPr lang="de-AT" dirty="0" err="1" smtClean="0"/>
+              <a:t>Thank</a:t>
+            </a:r>
+            <a:r>
+              <a:rPr lang="de-AT" dirty="0" smtClean="0"/>
+              <a:t> </a:t>
+            </a:r>
+            <a:r>
+              <a:rPr lang="de-AT" dirty="0" err="1" smtClean="0"/>
+              <a:t>you</a:t>
+            </a:r>
+            <a:endParaRPr lang="en-GB" dirty="0"/>
+          </a:p>
+        </p:txBody>
+      </p:sp>
+      <p:sp>
+        <p:nvSpPr>
+          <p:cNvPr id="3" name="Inhaltsplatzhalter 2"/>
+          <p:cNvSpPr>
+            <a:spLocks noGrp="1"/>
+          </p:cNvSpPr>
+          <p:nvPr>
+            <p:ph idx="1"/>
+          </p:nvPr>
+        </p:nvSpPr>
+        <p:spPr/>
+        <p:txBody>
+          <a:bodyPr/>
+          <a:lstStyle/>
+          <a:p>
+            <a:endParaRPr lang="en-GB"/>
+          </a:p>
+        </p:txBody>
+      </p:sp>
+    </p:spTree>
+    <p:extLst>
+      <p:ext uri="{BB962C8B-B14F-4D97-AF65-F5344CB8AC3E}">
+        <p14:creationId xmlns:p14="http://schemas.microsoft.com/office/powerpoint/2010/main" val="2323284299"/>
       </p:ext>
     </p:extLst>
   </p:cSld>
@@ -10442,6 +11573,13 @@
   <p:clrMapOvr>
     <a:masterClrMapping/>
   </p:clrMapOvr>
+  <p:timing>
+    <p:tnLst>
+      <p:par>
+        <p:cTn id="1" dur="indefinite" restart="never" nodeType="tmRoot"/>
+      </p:par>
+    </p:tnLst>
+  </p:timing>
 </p:sld>
 </file>
 
@@ -10786,15 +11924,14 @@
               </a:ext>
             </a:extLst>
           </a:blip>
-          <a:srcRect/>
           <a:stretch>
             <a:fillRect/>
           </a:stretch>
         </p:blipFill>
         <p:spPr bwMode="auto">
           <a:xfrm>
-            <a:off x="1959840" y="1468954"/>
-            <a:ext cx="5412960" cy="5224869"/>
+            <a:off x="1961743" y="1468954"/>
+            <a:ext cx="5409154" cy="5224869"/>
           </a:xfrm>
           <a:prstGeom prst="rect">
             <a:avLst/>
@@ -11533,6 +12670,13 @@
   <p:clrMapOvr>
     <a:masterClrMapping/>
   </p:clrMapOvr>
+  <p:timing>
+    <p:tnLst>
+      <p:par>
+        <p:cTn id="1" dur="indefinite" restart="never" nodeType="tmRoot"/>
+      </p:par>
+    </p:tnLst>
+  </p:timing>
 </p:sld>
 </file>
 
@@ -11669,6 +12813,13 @@
   <p:clrMapOvr>
     <a:masterClrMapping/>
   </p:clrMapOvr>
+  <p:timing>
+    <p:tnLst>
+      <p:par>
+        <p:cTn id="1" dur="indefinite" restart="never" nodeType="tmRoot"/>
+      </p:par>
+    </p:tnLst>
+  </p:timing>
 </p:sld>
 </file>
 
